--- a/adv_new/Module 08 - Sockets.pptx
+++ b/adv_new/Module 08 - Sockets.pptx
@@ -501,7 +501,7 @@
           <a:p>
             <a:fld id="{81043921-7569-41A3-B947-8944ED878C50}" type="datetimeFigureOut">
               <a:rPr lang="he-IL" smtClean="0"/>
-              <a:t>ד'/תמוז/תשפ"ג</a:t>
+              <a:t>כ'/תמוז/תשפ"ג</a:t>
             </a:fld>
             <a:endParaRPr lang="he-IL"/>
           </a:p>
@@ -3527,7 +3527,7 @@
           <a:p>
             <a:fld id="{A9D9B7D1-305C-49A9-9D59-000E5D30F1FD}" type="datetimeFigureOut">
               <a:rPr lang="he-IL" smtClean="0"/>
-              <a:t>ד'/תמוז/תשפ"ג</a:t>
+              <a:t>כ'/תמוז/תשפ"ג</a:t>
             </a:fld>
             <a:endParaRPr lang="he-IL"/>
           </a:p>
@@ -3727,7 +3727,7 @@
           <a:p>
             <a:fld id="{A9D9B7D1-305C-49A9-9D59-000E5D30F1FD}" type="datetimeFigureOut">
               <a:rPr lang="he-IL" smtClean="0"/>
-              <a:t>ד'/תמוז/תשפ"ג</a:t>
+              <a:t>כ'/תמוז/תשפ"ג</a:t>
             </a:fld>
             <a:endParaRPr lang="he-IL"/>
           </a:p>
@@ -3937,7 +3937,7 @@
           <a:p>
             <a:fld id="{A9D9B7D1-305C-49A9-9D59-000E5D30F1FD}" type="datetimeFigureOut">
               <a:rPr lang="he-IL" smtClean="0"/>
-              <a:t>ד'/תמוז/תשפ"ג</a:t>
+              <a:t>כ'/תמוז/תשפ"ג</a:t>
             </a:fld>
             <a:endParaRPr lang="he-IL"/>
           </a:p>
@@ -6087,7 +6087,7 @@
           <a:p>
             <a:fld id="{A9D9B7D1-305C-49A9-9D59-000E5D30F1FD}" type="datetimeFigureOut">
               <a:rPr lang="he-IL" smtClean="0"/>
-              <a:t>ד'/תמוז/תשפ"ג</a:t>
+              <a:t>כ'/תמוז/תשפ"ג</a:t>
             </a:fld>
             <a:endParaRPr lang="he-IL"/>
           </a:p>
@@ -6363,7 +6363,7 @@
           <a:p>
             <a:fld id="{A9D9B7D1-305C-49A9-9D59-000E5D30F1FD}" type="datetimeFigureOut">
               <a:rPr lang="he-IL" smtClean="0"/>
-              <a:t>ד'/תמוז/תשפ"ג</a:t>
+              <a:t>כ'/תמוז/תשפ"ג</a:t>
             </a:fld>
             <a:endParaRPr lang="he-IL"/>
           </a:p>
@@ -6631,7 +6631,7 @@
           <a:p>
             <a:fld id="{A9D9B7D1-305C-49A9-9D59-000E5D30F1FD}" type="datetimeFigureOut">
               <a:rPr lang="he-IL" smtClean="0"/>
-              <a:t>ד'/תמוז/תשפ"ג</a:t>
+              <a:t>כ'/תמוז/תשפ"ג</a:t>
             </a:fld>
             <a:endParaRPr lang="he-IL"/>
           </a:p>
@@ -7046,7 +7046,7 @@
           <a:p>
             <a:fld id="{A9D9B7D1-305C-49A9-9D59-000E5D30F1FD}" type="datetimeFigureOut">
               <a:rPr lang="he-IL" smtClean="0"/>
-              <a:t>ד'/תמוז/תשפ"ג</a:t>
+              <a:t>כ'/תמוז/תשפ"ג</a:t>
             </a:fld>
             <a:endParaRPr lang="he-IL"/>
           </a:p>
@@ -7188,7 +7188,7 @@
           <a:p>
             <a:fld id="{A9D9B7D1-305C-49A9-9D59-000E5D30F1FD}" type="datetimeFigureOut">
               <a:rPr lang="he-IL" smtClean="0"/>
-              <a:t>ד'/תמוז/תשפ"ג</a:t>
+              <a:t>כ'/תמוז/תשפ"ג</a:t>
             </a:fld>
             <a:endParaRPr lang="he-IL"/>
           </a:p>
@@ -7301,7 +7301,7 @@
           <a:p>
             <a:fld id="{A9D9B7D1-305C-49A9-9D59-000E5D30F1FD}" type="datetimeFigureOut">
               <a:rPr lang="he-IL" smtClean="0"/>
-              <a:t>ד'/תמוז/תשפ"ג</a:t>
+              <a:t>כ'/תמוז/תשפ"ג</a:t>
             </a:fld>
             <a:endParaRPr lang="he-IL"/>
           </a:p>
@@ -7614,7 +7614,7 @@
           <a:p>
             <a:fld id="{A9D9B7D1-305C-49A9-9D59-000E5D30F1FD}" type="datetimeFigureOut">
               <a:rPr lang="he-IL" smtClean="0"/>
-              <a:t>ד'/תמוז/תשפ"ג</a:t>
+              <a:t>כ'/תמוז/תשפ"ג</a:t>
             </a:fld>
             <a:endParaRPr lang="he-IL"/>
           </a:p>
@@ -7903,7 +7903,7 @@
           <a:p>
             <a:fld id="{A9D9B7D1-305C-49A9-9D59-000E5D30F1FD}" type="datetimeFigureOut">
               <a:rPr lang="he-IL" smtClean="0"/>
-              <a:t>ד'/תמוז/תשפ"ג</a:t>
+              <a:t>כ'/תמוז/תשפ"ג</a:t>
             </a:fld>
             <a:endParaRPr lang="he-IL"/>
           </a:p>
@@ -8146,7 +8146,7 @@
           <a:p>
             <a:fld id="{A9D9B7D1-305C-49A9-9D59-000E5D30F1FD}" type="datetimeFigureOut">
               <a:rPr lang="he-IL" smtClean="0"/>
-              <a:t>ד'/תמוז/תשפ"ג</a:t>
+              <a:t>כ'/תמוז/תשפ"ג</a:t>
             </a:fld>
             <a:endParaRPr lang="he-IL"/>
           </a:p>
@@ -8727,7 +8727,7 @@
               <a:buChar char="•"/>
             </a:pPr>
             <a:r>
-              <a:rPr lang="en-US" sz="2800" b="0" i="0" dirty="0" err="1">
+              <a:rPr lang="en-US" sz="2800" b="1" i="0" dirty="0" err="1">
                 <a:solidFill>
                   <a:srgbClr val="000000"/>
                 </a:solidFill>
@@ -8736,7 +8736,7 @@
               <a:t>socket.listen</a:t>
             </a:r>
             <a:r>
-              <a:rPr lang="en-US" sz="2800" b="0" i="0" dirty="0">
+              <a:rPr lang="en-US" sz="2800" b="1" i="0" dirty="0">
                 <a:solidFill>
                   <a:srgbClr val="000000"/>
                 </a:solidFill>
@@ -8897,7 +8897,7 @@
               <a:buChar char="•"/>
             </a:pPr>
             <a:r>
-              <a:rPr lang="en-US" sz="3200" b="0" i="0" dirty="0">
+              <a:rPr lang="en-US" sz="3200" b="1" i="0" dirty="0">
                 <a:solidFill>
                   <a:srgbClr val="000000"/>
                 </a:solidFill>
@@ -8906,7 +8906,7 @@
               <a:t> </a:t>
             </a:r>
             <a:r>
-              <a:rPr lang="en-US" sz="3200" b="0" i="0" dirty="0" err="1">
+              <a:rPr lang="en-US" sz="3200" b="1" i="0" dirty="0" err="1">
                 <a:solidFill>
                   <a:srgbClr val="000000"/>
                 </a:solidFill>
@@ -8915,7 +8915,7 @@
               <a:t>socket.accept</a:t>
             </a:r>
             <a:r>
-              <a:rPr lang="en-US" sz="3200" b="0" i="0" dirty="0">
+              <a:rPr lang="en-US" sz="3200" b="1" i="0" dirty="0">
                 <a:solidFill>
                   <a:srgbClr val="000000"/>
                 </a:solidFill>
@@ -9115,7 +9115,7 @@
           </a:p>
           <a:p>
             <a:r>
-              <a:rPr lang="en-US" sz="2400" b="0" i="0" dirty="0" err="1">
+              <a:rPr lang="en-US" sz="2400" b="1" i="0" dirty="0" err="1">
                 <a:solidFill>
                   <a:srgbClr val="000000"/>
                 </a:solidFill>
@@ -9124,13 +9124,22 @@
               <a:t>socket.close</a:t>
             </a:r>
             <a:r>
+              <a:rPr lang="en-US" sz="2400" b="1" i="0" dirty="0">
+                <a:solidFill>
+                  <a:srgbClr val="000000"/>
+                </a:solidFill>
+                <a:effectLst/>
+              </a:rPr>
+              <a:t>()- </a:t>
+            </a:r>
+            <a:r>
               <a:rPr lang="en-US" sz="2400" b="0" i="0" dirty="0">
                 <a:solidFill>
                   <a:srgbClr val="000000"/>
                 </a:solidFill>
                 <a:effectLst/>
               </a:rPr>
-              <a:t>()- close the socket. </a:t>
+              <a:t>close the socket. </a:t>
             </a:r>
           </a:p>
           <a:p>
@@ -9159,7 +9168,7 @@
           </a:p>
           <a:p>
             <a:r>
-              <a:rPr lang="en-US" sz="2000" b="0" i="0" dirty="0" err="1">
+              <a:rPr lang="en-US" sz="2000" b="1" i="0" dirty="0" err="1">
                 <a:solidFill>
                   <a:srgbClr val="000000"/>
                 </a:solidFill>
@@ -9168,13 +9177,22 @@
               <a:t>socket.shutdown</a:t>
             </a:r>
             <a:r>
+              <a:rPr lang="en-US" sz="2000" b="1" i="0" dirty="0">
+                <a:solidFill>
+                  <a:srgbClr val="000000"/>
+                </a:solidFill>
+                <a:effectLst/>
+              </a:rPr>
+              <a:t>(how) </a:t>
+            </a:r>
+            <a:r>
               <a:rPr lang="en-US" sz="2000" b="0" i="0" dirty="0">
                 <a:solidFill>
                   <a:srgbClr val="000000"/>
                 </a:solidFill>
                 <a:effectLst/>
               </a:rPr>
-              <a:t>(how) – shut down one or both halves of the connection.</a:t>
+              <a:t>– shut down one or both halves of the connection.</a:t>
             </a:r>
           </a:p>
           <a:p>
@@ -9350,7 +9368,7 @@
               </a:lnSpc>
             </a:pPr>
             <a:r>
-              <a:rPr lang="en-US" sz="2400" b="0" i="0" dirty="0" err="1">
+              <a:rPr lang="en-US" sz="2400" b="1" i="0" dirty="0" err="1">
                 <a:solidFill>
                   <a:srgbClr val="000000"/>
                 </a:solidFill>
@@ -9359,31 +9377,40 @@
               <a:t>socket.connect</a:t>
             </a:r>
             <a:r>
+              <a:rPr lang="en-US" sz="2400" b="1" i="0" dirty="0">
+                <a:solidFill>
+                  <a:srgbClr val="000000"/>
+                </a:solidFill>
+                <a:effectLst/>
+              </a:rPr>
+              <a:t>(</a:t>
+            </a:r>
+            <a:r>
+              <a:rPr lang="en-US" sz="2400" b="1" i="0" dirty="0" err="1">
+                <a:solidFill>
+                  <a:srgbClr val="000000"/>
+                </a:solidFill>
+                <a:effectLst/>
+              </a:rPr>
+              <a:t>addr</a:t>
+            </a:r>
+            <a:r>
+              <a:rPr lang="en-US" sz="2400" b="1" i="0" dirty="0">
+                <a:solidFill>
+                  <a:srgbClr val="000000"/>
+                </a:solidFill>
+                <a:effectLst/>
+              </a:rPr>
+              <a:t>) </a:t>
+            </a:r>
+            <a:r>
               <a:rPr lang="en-US" sz="2400" b="0" i="0" dirty="0">
                 <a:solidFill>
                   <a:srgbClr val="000000"/>
                 </a:solidFill>
                 <a:effectLst/>
               </a:rPr>
-              <a:t>(</a:t>
-            </a:r>
-            <a:r>
-              <a:rPr lang="en-US" sz="2400" b="0" i="0" dirty="0" err="1">
-                <a:solidFill>
-                  <a:srgbClr val="000000"/>
-                </a:solidFill>
-                <a:effectLst/>
-              </a:rPr>
-              <a:t>addr</a:t>
-            </a:r>
-            <a:r>
-              <a:rPr lang="en-US" sz="2400" b="0" i="0" dirty="0">
-                <a:solidFill>
-                  <a:srgbClr val="000000"/>
-                </a:solidFill>
-                <a:effectLst/>
-              </a:rPr>
-              <a:t>) — connect to remote socket at address - </a:t>
+              <a:t>— connect to remote socket at address - </a:t>
             </a:r>
             <a:r>
               <a:rPr lang="en-US" sz="2400" b="0" i="0" dirty="0" err="1">
@@ -11313,7 +11340,7 @@
               <a:buChar char="•"/>
             </a:pPr>
             <a:r>
-              <a:rPr lang="en-US" sz="2800" b="0" i="0" dirty="0" err="1">
+              <a:rPr lang="en-US" sz="2800" b="1" i="0" dirty="0" err="1">
                 <a:solidFill>
                   <a:srgbClr val="000000"/>
                 </a:solidFill>
@@ -11322,31 +11349,40 @@
               <a:t>socket.recv</a:t>
             </a:r>
             <a:r>
+              <a:rPr lang="en-US" sz="2800" b="1" i="0" dirty="0">
+                <a:solidFill>
+                  <a:srgbClr val="000000"/>
+                </a:solidFill>
+                <a:effectLst/>
+              </a:rPr>
+              <a:t>(</a:t>
+            </a:r>
+            <a:r>
+              <a:rPr lang="en-US" sz="2800" b="1" i="0" dirty="0" err="1">
+                <a:solidFill>
+                  <a:srgbClr val="000000"/>
+                </a:solidFill>
+                <a:effectLst/>
+              </a:rPr>
+              <a:t>bufsize</a:t>
+            </a:r>
+            <a:r>
+              <a:rPr lang="en-US" sz="2800" b="1" i="0" dirty="0">
+                <a:solidFill>
+                  <a:srgbClr val="000000"/>
+                </a:solidFill>
+                <a:effectLst/>
+              </a:rPr>
+              <a:t>) </a:t>
+            </a:r>
+            <a:r>
               <a:rPr lang="en-US" sz="2800" b="0" i="0" dirty="0">
                 <a:solidFill>
                   <a:srgbClr val="000000"/>
                 </a:solidFill>
                 <a:effectLst/>
               </a:rPr>
-              <a:t>(</a:t>
-            </a:r>
-            <a:r>
-              <a:rPr lang="en-US" sz="2800" b="0" i="0" dirty="0" err="1">
-                <a:solidFill>
-                  <a:srgbClr val="000000"/>
-                </a:solidFill>
-                <a:effectLst/>
-              </a:rPr>
-              <a:t>bufsize</a:t>
-            </a:r>
-            <a:r>
-              <a:rPr lang="en-US" sz="2800" b="0" i="0" dirty="0">
-                <a:solidFill>
-                  <a:srgbClr val="000000"/>
-                </a:solidFill>
-                <a:effectLst/>
-              </a:rPr>
-              <a:t>) - receive data from the socket.</a:t>
+              <a:t>- receive data from the socket.</a:t>
             </a:r>
           </a:p>
           <a:p>
@@ -11547,7 +11583,7 @@
               <a:buChar char="•"/>
             </a:pPr>
             <a:r>
-              <a:rPr lang="en-US" sz="2000" b="0" i="0" dirty="0" err="1">
+              <a:rPr lang="en-US" sz="2000" b="1" i="0" dirty="0" err="1">
                 <a:solidFill>
                   <a:srgbClr val="000000"/>
                 </a:solidFill>
@@ -11556,13 +11592,22 @@
               <a:t>socket.send</a:t>
             </a:r>
             <a:r>
+              <a:rPr lang="en-US" sz="2000" b="1" i="0" dirty="0">
+                <a:solidFill>
+                  <a:srgbClr val="000000"/>
+                </a:solidFill>
+                <a:effectLst/>
+              </a:rPr>
+              <a:t>(string) </a:t>
+            </a:r>
+            <a:r>
               <a:rPr lang="en-US" sz="2000" b="0" i="0" dirty="0">
                 <a:solidFill>
                   <a:srgbClr val="000000"/>
                 </a:solidFill>
                 <a:effectLst/>
               </a:rPr>
-              <a:t>(string) - send data to the socket. </a:t>
+              <a:t>- send data to the socket. </a:t>
             </a:r>
           </a:p>
           <a:p>
@@ -11604,7 +11649,7 @@
               <a:buChar char="•"/>
             </a:pPr>
             <a:r>
-              <a:rPr lang="en-US" sz="2000" b="0" i="0" dirty="0" err="1">
+              <a:rPr lang="en-US" sz="2000" b="1" i="0" dirty="0" err="1">
                 <a:solidFill>
                   <a:srgbClr val="000000"/>
                 </a:solidFill>
@@ -11613,13 +11658,22 @@
               <a:t>socket.sendall</a:t>
             </a:r>
             <a:r>
+              <a:rPr lang="en-US" sz="2000" b="1" i="0" dirty="0">
+                <a:solidFill>
+                  <a:srgbClr val="000000"/>
+                </a:solidFill>
+                <a:effectLst/>
+              </a:rPr>
+              <a:t>(string) </a:t>
+            </a:r>
+            <a:r>
               <a:rPr lang="en-US" sz="2000" b="0" i="0" dirty="0">
                 <a:solidFill>
                   <a:srgbClr val="000000"/>
                 </a:solidFill>
                 <a:effectLst/>
               </a:rPr>
-              <a:t>(string) - send data to the socket. Unlike send(), this method continues to send data from string until either all data has been sent or an error occurs. </a:t>
+              <a:t>- send data to the socket. Unlike send(), this method continues to send data from string until either all data has been sent or an error occurs. </a:t>
             </a:r>
           </a:p>
           <a:p>
@@ -11803,7 +11857,7 @@
               <a:t>* </a:t>
             </a:r>
             <a:r>
-              <a:rPr lang="en-US" sz="2800" b="0" i="0" dirty="0" err="1">
+              <a:rPr lang="en-US" sz="2800" b="1" i="0" dirty="0" err="1">
                 <a:solidFill>
                   <a:srgbClr val="000000"/>
                 </a:solidFill>
@@ -11812,13 +11866,22 @@
               <a:t>socket.gethostbyname</a:t>
             </a:r>
             <a:r>
+              <a:rPr lang="en-US" sz="2800" b="1" i="0" dirty="0">
+                <a:solidFill>
+                  <a:srgbClr val="000000"/>
+                </a:solidFill>
+                <a:effectLst/>
+              </a:rPr>
+              <a:t>(hostname) </a:t>
+            </a:r>
+            <a:r>
               <a:rPr lang="en-US" sz="2800" b="0" i="0" dirty="0">
                 <a:solidFill>
                   <a:srgbClr val="000000"/>
                 </a:solidFill>
                 <a:effectLst/>
               </a:rPr>
-              <a:t>(hostname) - translate a host name to IPv4 address format. </a:t>
+              <a:t>- translate a host name to IPv4 address format. </a:t>
             </a:r>
           </a:p>
           <a:p>
@@ -11902,7 +11965,7 @@
               <a:t> </a:t>
             </a:r>
             <a:r>
-              <a:rPr lang="en-US" sz="2800" b="0" i="0" dirty="0" err="1">
+              <a:rPr lang="en-US" sz="2800" b="1" i="0" dirty="0" err="1">
                 <a:solidFill>
                   <a:srgbClr val="000000"/>
                 </a:solidFill>
@@ -11911,13 +11974,22 @@
               <a:t>gethostbyname</a:t>
             </a:r>
             <a:r>
+              <a:rPr lang="en-US" sz="2800" b="1" i="0" dirty="0">
+                <a:solidFill>
+                  <a:srgbClr val="000000"/>
+                </a:solidFill>
+                <a:effectLst/>
+              </a:rPr>
+              <a:t>() </a:t>
+            </a:r>
+            <a:r>
               <a:rPr lang="en-US" sz="2800" b="0" i="0" dirty="0">
                 <a:solidFill>
                   <a:srgbClr val="000000"/>
                 </a:solidFill>
                 <a:effectLst/>
               </a:rPr>
-              <a:t>() does not support IPv6 name resolution. Use </a:t>
+              <a:t>does not support IPv6 name resolution. Use </a:t>
             </a:r>
             <a:r>
               <a:rPr lang="en-US" sz="2800" b="0" i="0" dirty="0" err="1">
@@ -12025,12 +12097,12 @@
         <p:spPr>
           <a:xfrm>
             <a:off x="838200" y="1690688"/>
-            <a:ext cx="10515600" cy="4486275"/>
+            <a:ext cx="6681186" cy="4486275"/>
           </a:xfrm>
         </p:spPr>
         <p:txBody>
           <a:bodyPr>
-            <a:normAutofit/>
+            <a:normAutofit fontScale="92500" lnSpcReduction="10000"/>
           </a:bodyPr>
           <a:lstStyle/>
           <a:p>
@@ -12103,6 +12175,53 @@
           </a:p>
         </p:txBody>
       </p:sp>
+      <p:pic>
+        <p:nvPicPr>
+          <p:cNvPr id="1026" name="Picture 2" descr="Socket Programming in Python (Guide) – Real Python">
+            <a:extLst>
+              <a:ext uri="{FF2B5EF4-FFF2-40B4-BE49-F238E27FC236}">
+                <a16:creationId xmlns:a16="http://schemas.microsoft.com/office/drawing/2014/main" id="{5DFFFE46-E30D-4385-BEA8-EED93DCB5872}"/>
+              </a:ext>
+            </a:extLst>
+          </p:cNvPr>
+          <p:cNvPicPr>
+            <a:picLocks noChangeAspect="1" noChangeArrowheads="1"/>
+          </p:cNvPicPr>
+          <p:nvPr/>
+        </p:nvPicPr>
+        <p:blipFill>
+          <a:blip r:embed="rId3">
+            <a:extLst>
+              <a:ext uri="{28A0092B-C50C-407E-A947-70E740481C1C}">
+                <a14:useLocalDpi xmlns:a14="http://schemas.microsoft.com/office/drawing/2010/main" val="0"/>
+              </a:ext>
+            </a:extLst>
+          </a:blip>
+          <a:srcRect/>
+          <a:stretch>
+            <a:fillRect/>
+          </a:stretch>
+        </p:blipFill>
+        <p:spPr bwMode="auto">
+          <a:xfrm>
+            <a:off x="7519386" y="1356388"/>
+            <a:ext cx="4280492" cy="4820575"/>
+          </a:xfrm>
+          <a:prstGeom prst="rect">
+            <a:avLst/>
+          </a:prstGeom>
+          <a:noFill/>
+          <a:extLst>
+            <a:ext uri="{909E8E84-426E-40DD-AFC4-6F175D3DCCD1}">
+              <a14:hiddenFill xmlns:a14="http://schemas.microsoft.com/office/drawing/2010/main">
+                <a:solidFill>
+                  <a:srgbClr val="FFFFFF"/>
+                </a:solidFill>
+              </a14:hiddenFill>
+            </a:ext>
+          </a:extLst>
+        </p:spPr>
+      </p:pic>
     </p:spTree>
     <p:extLst>
       <p:ext uri="{BB962C8B-B14F-4D97-AF65-F5344CB8AC3E}">
@@ -12384,6 +12503,53 @@
           </a:p>
         </p:txBody>
       </p:sp>
+      <p:pic>
+        <p:nvPicPr>
+          <p:cNvPr id="2050" name="Picture 2" descr="Socket Programming in Python: Client, Server, Peer | PubNub">
+            <a:extLst>
+              <a:ext uri="{FF2B5EF4-FFF2-40B4-BE49-F238E27FC236}">
+                <a16:creationId xmlns:a16="http://schemas.microsoft.com/office/drawing/2014/main" id="{5D5F2672-9DE5-4E1A-9E31-BC6112B645EA}"/>
+              </a:ext>
+            </a:extLst>
+          </p:cNvPr>
+          <p:cNvPicPr>
+            <a:picLocks noChangeAspect="1" noChangeArrowheads="1"/>
+          </p:cNvPicPr>
+          <p:nvPr/>
+        </p:nvPicPr>
+        <p:blipFill>
+          <a:blip r:embed="rId3">
+            <a:extLst>
+              <a:ext uri="{28A0092B-C50C-407E-A947-70E740481C1C}">
+                <a14:useLocalDpi xmlns:a14="http://schemas.microsoft.com/office/drawing/2010/main" val="0"/>
+              </a:ext>
+            </a:extLst>
+          </a:blip>
+          <a:srcRect/>
+          <a:stretch>
+            <a:fillRect/>
+          </a:stretch>
+        </p:blipFill>
+        <p:spPr bwMode="auto">
+          <a:xfrm>
+            <a:off x="6096000" y="3819556"/>
+            <a:ext cx="5660625" cy="2673319"/>
+          </a:xfrm>
+          <a:prstGeom prst="rect">
+            <a:avLst/>
+          </a:prstGeom>
+          <a:noFill/>
+          <a:extLst>
+            <a:ext uri="{909E8E84-426E-40DD-AFC4-6F175D3DCCD1}">
+              <a14:hiddenFill xmlns:a14="http://schemas.microsoft.com/office/drawing/2010/main">
+                <a:solidFill>
+                  <a:srgbClr val="FFFFFF"/>
+                </a:solidFill>
+              </a14:hiddenFill>
+            </a:ext>
+          </a:extLst>
+        </p:spPr>
+      </p:pic>
     </p:spTree>
     <p:extLst>
       <p:ext uri="{BB962C8B-B14F-4D97-AF65-F5344CB8AC3E}">
@@ -12466,8 +12632,8 @@
         </p:nvSpPr>
         <p:spPr>
           <a:xfrm>
-            <a:off x="136238" y="1616718"/>
-            <a:ext cx="11734029" cy="6555641"/>
+            <a:off x="136240" y="1616718"/>
+            <a:ext cx="11715450" cy="2246769"/>
           </a:xfrm>
           <a:prstGeom prst="rect">
             <a:avLst/>
@@ -12485,7 +12651,7 @@
               <a:buChar char="•"/>
             </a:pPr>
             <a:r>
-              <a:rPr lang="en-US" sz="2400" b="0" i="0" dirty="0">
+              <a:rPr lang="en-US" sz="2000" b="0" i="0" dirty="0">
                 <a:solidFill>
                   <a:srgbClr val="000000"/>
                 </a:solidFill>
@@ -12499,7 +12665,7 @@
               <a:buFont typeface="Arial" panose="020B0604020202020204" pitchFamily="34" charset="0"/>
               <a:buChar char="•"/>
             </a:pPr>
-            <a:endParaRPr lang="en-US" sz="2400" b="0" i="0" dirty="0">
+            <a:endParaRPr lang="en-US" sz="2000" b="0" i="0" dirty="0">
               <a:solidFill>
                 <a:srgbClr val="000000"/>
               </a:solidFill>
@@ -12508,7 +12674,7 @@
           </a:p>
           <a:p>
             <a:r>
-              <a:rPr lang="en-US" sz="2400" b="0" i="0" dirty="0">
+              <a:rPr lang="en-US" sz="2000" b="0" i="0" dirty="0">
                 <a:solidFill>
                   <a:srgbClr val="000000"/>
                 </a:solidFill>
@@ -12518,7 +12684,7 @@
             </a:r>
           </a:p>
           <a:p>
-            <a:endParaRPr lang="en-US" sz="2400" b="0" i="0" dirty="0">
+            <a:endParaRPr lang="en-US" sz="2000" b="0" i="0" dirty="0">
               <a:solidFill>
                 <a:srgbClr val="000000"/>
               </a:solidFill>
@@ -12527,7 +12693,7 @@
           </a:p>
           <a:p>
             <a:r>
-              <a:rPr lang="en-US" sz="2400" b="0" i="0" dirty="0">
+              <a:rPr lang="en-US" sz="2000" b="0" i="0" dirty="0">
                 <a:solidFill>
                   <a:srgbClr val="000000"/>
                 </a:solidFill>
@@ -12536,17 +12702,85 @@
               <a:t>— The User Datagram Protocol, better known as UDP, is the messenger protocol for this type of communication. This protocol allows directed datagrams and broadcasting. </a:t>
             </a:r>
           </a:p>
-          <a:p>
-            <a:endParaRPr lang="en-US" sz="2400" b="0" i="0" dirty="0">
-              <a:solidFill>
-                <a:srgbClr val="000000"/>
-              </a:solidFill>
-              <a:effectLst/>
-            </a:endParaRPr>
-          </a:p>
-          <a:p>
-            <a:r>
-              <a:rPr lang="en-US" sz="2400" b="0" i="0" dirty="0">
+        </p:txBody>
+      </p:sp>
+      <p:pic>
+        <p:nvPicPr>
+          <p:cNvPr id="3076" name="Picture 4" descr="Differences between TCP and UDP - GeeksforGeeks">
+            <a:extLst>
+              <a:ext uri="{FF2B5EF4-FFF2-40B4-BE49-F238E27FC236}">
+                <a16:creationId xmlns:a16="http://schemas.microsoft.com/office/drawing/2014/main" id="{BBC56953-EA24-4859-B431-28794C38B4F3}"/>
+              </a:ext>
+            </a:extLst>
+          </p:cNvPr>
+          <p:cNvPicPr>
+            <a:picLocks noChangeAspect="1" noChangeArrowheads="1"/>
+          </p:cNvPicPr>
+          <p:nvPr/>
+        </p:nvPicPr>
+        <p:blipFill>
+          <a:blip r:embed="rId2">
+            <a:extLst>
+              <a:ext uri="{28A0092B-C50C-407E-A947-70E740481C1C}">
+                <a14:useLocalDpi xmlns:a14="http://schemas.microsoft.com/office/drawing/2010/main" val="0"/>
+              </a:ext>
+            </a:extLst>
+          </a:blip>
+          <a:srcRect/>
+          <a:stretch>
+            <a:fillRect/>
+          </a:stretch>
+        </p:blipFill>
+        <p:spPr bwMode="auto">
+          <a:xfrm>
+            <a:off x="5647420" y="3863487"/>
+            <a:ext cx="5511183" cy="2590257"/>
+          </a:xfrm>
+          <a:prstGeom prst="rect">
+            <a:avLst/>
+          </a:prstGeom>
+          <a:noFill/>
+          <a:extLst>
+            <a:ext uri="{909E8E84-426E-40DD-AFC4-6F175D3DCCD1}">
+              <a14:hiddenFill xmlns:a14="http://schemas.microsoft.com/office/drawing/2010/main">
+                <a:solidFill>
+                  <a:srgbClr val="FFFFFF"/>
+                </a:solidFill>
+              </a14:hiddenFill>
+            </a:ext>
+          </a:extLst>
+        </p:spPr>
+      </p:pic>
+      <p:sp>
+        <p:nvSpPr>
+          <p:cNvPr id="4" name="TextBox 3">
+            <a:extLst>
+              <a:ext uri="{FF2B5EF4-FFF2-40B4-BE49-F238E27FC236}">
+                <a16:creationId xmlns:a16="http://schemas.microsoft.com/office/drawing/2014/main" id="{B7A38638-AB5B-42CB-AADB-11DC9BFA4580}"/>
+              </a:ext>
+            </a:extLst>
+          </p:cNvPr>
+          <p:cNvSpPr txBox="1"/>
+          <p:nvPr/>
+        </p:nvSpPr>
+        <p:spPr>
+          <a:xfrm>
+            <a:off x="136237" y="4145420"/>
+            <a:ext cx="5511183" cy="2308324"/>
+          </a:xfrm>
+          <a:prstGeom prst="rect">
+            <a:avLst/>
+          </a:prstGeom>
+          <a:noFill/>
+        </p:spPr>
+        <p:txBody>
+          <a:bodyPr wrap="square" rtlCol="0">
+            <a:spAutoFit/>
+          </a:bodyPr>
+          <a:lstStyle/>
+          <a:p>
+            <a:r>
+              <a:rPr lang="en-US" b="0" i="0" dirty="0">
                 <a:solidFill>
                   <a:srgbClr val="000000"/>
                 </a:solidFill>
@@ -12561,7 +12795,7 @@
               <a:buChar char="•"/>
             </a:pPr>
             <a:r>
-              <a:rPr lang="en-US" sz="2400" b="0" i="0" dirty="0">
+              <a:rPr lang="en-US" b="0" i="0" dirty="0">
                 <a:solidFill>
                   <a:srgbClr val="000000"/>
                 </a:solidFill>
@@ -12576,7 +12810,7 @@
               <a:buChar char="•"/>
             </a:pPr>
             <a:r>
-              <a:rPr lang="en-US" sz="2400" b="0" i="0" dirty="0">
+              <a:rPr lang="en-US" b="0" i="0" dirty="0">
                 <a:solidFill>
                   <a:srgbClr val="000000"/>
                 </a:solidFill>
@@ -12585,24 +12819,6 @@
               <a:t>There is no way for the sender to verify that the data has been received on the other side, in order and without errors</a:t>
             </a:r>
             <a:endParaRPr lang="en-US" sz="2400" dirty="0"/>
-          </a:p>
-          <a:p>
-            <a:endParaRPr lang="en-US" dirty="0"/>
-          </a:p>
-          <a:p>
-            <a:endParaRPr lang="en-US" dirty="0"/>
-          </a:p>
-          <a:p>
-            <a:endParaRPr lang="en-US" dirty="0"/>
-          </a:p>
-          <a:p>
-            <a:endParaRPr lang="en-US" dirty="0"/>
-          </a:p>
-          <a:p>
-            <a:endParaRPr lang="en-US" dirty="0"/>
-          </a:p>
-          <a:p>
-            <a:endParaRPr lang="he-IL" dirty="0"/>
           </a:p>
         </p:txBody>
       </p:sp>
@@ -13200,7 +13416,7 @@
               <a:buNone/>
             </a:pPr>
             <a:r>
-              <a:rPr lang="en-US" sz="1800" dirty="0">
+              <a:rPr lang="en-US" sz="1800" b="1" dirty="0">
                 <a:solidFill>
                   <a:srgbClr val="000000"/>
                 </a:solidFill>
@@ -13208,7 +13424,7 @@
               <a:t>-</a:t>
             </a:r>
             <a:r>
-              <a:rPr lang="en-US" sz="1800" b="0" i="0" dirty="0" err="1">
+              <a:rPr lang="en-US" sz="1800" b="1" i="0" dirty="0" err="1">
                 <a:solidFill>
                   <a:srgbClr val="000000"/>
                 </a:solidFill>
@@ -13217,7 +13433,7 @@
               <a:t>socket.SOCK_STREAM</a:t>
             </a:r>
             <a:r>
-              <a:rPr lang="en-US" sz="1800" b="0" i="0" dirty="0">
+              <a:rPr lang="en-US" sz="1800" b="1" i="0" dirty="0">
                 <a:solidFill>
                   <a:srgbClr val="000000"/>
                 </a:solidFill>
@@ -13231,7 +13447,7 @@
               <a:buNone/>
             </a:pPr>
             <a:r>
-              <a:rPr lang="en-US" sz="1800" dirty="0">
+              <a:rPr lang="en-US" sz="1800" b="1" dirty="0">
                 <a:solidFill>
                   <a:srgbClr val="000000"/>
                 </a:solidFill>
@@ -13239,7 +13455,7 @@
               <a:t>-</a:t>
             </a:r>
             <a:r>
-              <a:rPr lang="en-US" sz="1800" b="0" i="0" dirty="0" err="1">
+              <a:rPr lang="en-US" sz="1800" b="1" i="0" dirty="0" err="1">
                 <a:solidFill>
                   <a:srgbClr val="000000"/>
                 </a:solidFill>
@@ -13248,7 +13464,7 @@
               <a:t>socket.SOCK_DGRAM</a:t>
             </a:r>
             <a:r>
-              <a:rPr lang="en-US" sz="1800" b="0" i="0" dirty="0">
+              <a:rPr lang="en-US" sz="1800" b="1" i="0" dirty="0">
                 <a:solidFill>
                   <a:srgbClr val="000000"/>
                 </a:solidFill>
@@ -13262,7 +13478,7 @@
               <a:buNone/>
             </a:pPr>
             <a:r>
-              <a:rPr lang="en-US" sz="1800" dirty="0">
+              <a:rPr lang="en-US" sz="1800" b="1" dirty="0">
                 <a:solidFill>
                   <a:srgbClr val="000000"/>
                 </a:solidFill>
@@ -13270,7 +13486,7 @@
               <a:t>-</a:t>
             </a:r>
             <a:r>
-              <a:rPr lang="en-US" sz="1800" b="0" i="0" dirty="0" err="1">
+              <a:rPr lang="en-US" sz="1800" b="1" i="0" dirty="0" err="1">
                 <a:solidFill>
                   <a:srgbClr val="000000"/>
                 </a:solidFill>
@@ -13279,7 +13495,7 @@
               <a:t>socket.SOCK_RAW</a:t>
             </a:r>
             <a:r>
-              <a:rPr lang="en-US" sz="1800" b="0" i="0" dirty="0">
+              <a:rPr lang="en-US" sz="1800" b="1" i="0" dirty="0">
                 <a:solidFill>
                   <a:srgbClr val="000000"/>
                 </a:solidFill>
@@ -13293,7 +13509,7 @@
               <a:buNone/>
             </a:pPr>
             <a:r>
-              <a:rPr lang="en-US" sz="1800" dirty="0">
+              <a:rPr lang="en-US" sz="1800" b="1" dirty="0">
                 <a:solidFill>
                   <a:srgbClr val="000000"/>
                 </a:solidFill>
@@ -13301,7 +13517,7 @@
               <a:t>-</a:t>
             </a:r>
             <a:r>
-              <a:rPr lang="en-US" sz="1800" b="0" i="0" dirty="0" err="1">
+              <a:rPr lang="en-US" sz="1800" b="1" i="0" dirty="0" err="1">
                 <a:solidFill>
                   <a:srgbClr val="000000"/>
                 </a:solidFill>
@@ -13310,7 +13526,7 @@
               <a:t>socket.SOCK_RDM</a:t>
             </a:r>
             <a:r>
-              <a:rPr lang="en-US" sz="1800" b="0" i="0" dirty="0">
+              <a:rPr lang="en-US" sz="1800" b="1" i="0" dirty="0">
                 <a:solidFill>
                   <a:srgbClr val="000000"/>
                 </a:solidFill>
@@ -13324,7 +13540,7 @@
               <a:buNone/>
             </a:pPr>
             <a:r>
-              <a:rPr lang="en-US" sz="1800" dirty="0">
+              <a:rPr lang="en-US" sz="1800" b="1" dirty="0">
                 <a:solidFill>
                   <a:srgbClr val="000000"/>
                 </a:solidFill>
@@ -13332,7 +13548,7 @@
               <a:t>-</a:t>
             </a:r>
             <a:r>
-              <a:rPr lang="en-US" sz="1800" b="0" i="0" dirty="0" err="1">
+              <a:rPr lang="en-US" sz="1800" b="1" i="0" dirty="0" err="1">
                 <a:solidFill>
                   <a:srgbClr val="000000"/>
                 </a:solidFill>
@@ -13341,7 +13557,7 @@
               <a:t>socket.SOCK_SEQPACKET</a:t>
             </a:r>
             <a:r>
-              <a:rPr lang="en-US" sz="1800" b="0" i="0" dirty="0">
+              <a:rPr lang="en-US" sz="1800" b="1" i="0" dirty="0">
                 <a:solidFill>
                   <a:srgbClr val="000000"/>
                 </a:solidFill>

--- a/adv_new/Module 08 - Sockets.pptx
+++ b/adv_new/Module 08 - Sockets.pptx
@@ -8,7 +8,7 @@
     <p:notesMasterId r:id="rId23"/>
   </p:notesMasterIdLst>
   <p:sldIdLst>
-    <p:sldId id="321" r:id="rId2"/>
+    <p:sldId id="336" r:id="rId2"/>
     <p:sldId id="264" r:id="rId3"/>
     <p:sldId id="322" r:id="rId4"/>
     <p:sldId id="265" r:id="rId5"/>
@@ -770,11 +770,11 @@
 </file>
 
 <file path=ppt/notesSlides/notesSlide1.xml><?xml version="1.0" encoding="utf-8"?>
-<p:notes xmlns:a="http://schemas.openxmlformats.org/drawingml/2006/main" xmlns:r="http://schemas.openxmlformats.org/officeDocument/2006/relationships" xmlns:p="http://schemas.openxmlformats.org/presentationml/2006/main">
+<p:notes xmlns:a="http://schemas.openxmlformats.org/drawingml/2006/main" xmlns:r="http://schemas.openxmlformats.org/officeDocument/2006/relationships" xmlns:p="http://schemas.openxmlformats.org/presentationml/2006/main" showMasterSp="0" showMasterPhAnim="0">
   <p:cSld>
     <p:spTree>
       <p:nvGrpSpPr>
-        <p:cNvPr id="1" name=""/>
+        <p:cNvPr id="1" name="Shape 158"/>
         <p:cNvGrpSpPr/>
         <p:nvPr/>
       </p:nvGrpSpPr>
@@ -788,207 +788,84 @@
       </p:grpSpPr>
       <p:sp>
         <p:nvSpPr>
-          <p:cNvPr id="2" name="Slide Image Placeholder 1"/>
-          <p:cNvSpPr>
-            <a:spLocks noGrp="1" noRot="1" noChangeAspect="1"/>
-          </p:cNvSpPr>
-          <p:nvPr>
-            <p:ph type="sldImg"/>
-          </p:nvPr>
-        </p:nvSpPr>
-        <p:spPr/>
-      </p:sp>
-      <p:sp>
-        <p:nvSpPr>
-          <p:cNvPr id="3" name="Notes Placeholder 2"/>
-          <p:cNvSpPr>
+          <p:cNvPr id="159" name="Google Shape;159;p3:notes"/>
+          <p:cNvSpPr txBox="1">
             <a:spLocks noGrp="1"/>
           </p:cNvSpPr>
           <p:nvPr>
             <p:ph type="body" idx="1"/>
           </p:nvPr>
         </p:nvSpPr>
-        <p:spPr/>
+        <p:spPr>
+          <a:xfrm>
+            <a:off x="685800" y="4400550"/>
+            <a:ext cx="5486400" cy="3600450"/>
+          </a:xfrm>
+          <a:prstGeom prst="rect">
+            <a:avLst/>
+          </a:prstGeom>
+        </p:spPr>
         <p:txBody>
-          <a:bodyPr/>
+          <a:bodyPr spcFirstLastPara="1" wrap="square" lIns="91425" tIns="45700" rIns="91425" bIns="45700" anchor="t" anchorCtr="0">
+            <a:noAutofit/>
+          </a:bodyPr>
           <a:lstStyle/>
           <a:p>
-            <a:r>
-              <a:rPr lang="en-US" dirty="0"/>
-              <a:t>Python is dynamically-typed and garbage-collected. It supports multiple programming paradigms, including structured (particularly, procedural), object-oriented and functional programming.</a:t>
-            </a:r>
-          </a:p>
-          <a:p>
-            <a:endParaRPr lang="en-US" sz="1200" dirty="0">
-              <a:cs typeface="Calibri"/>
-            </a:endParaRPr>
-          </a:p>
-          <a:p>
-            <a:r>
-              <a:rPr lang="en-US" dirty="0">
-                <a:cs typeface="Calibri"/>
-              </a:rPr>
-              <a:t>It was built to be as readable as possible, and is </a:t>
-            </a:r>
-            <a:r>
-              <a:rPr lang="en-US" dirty="0"/>
-              <a:t>significant indentation driven (Off-side rule).</a:t>
-            </a:r>
-            <a:endParaRPr lang="en-US" dirty="0">
-              <a:cs typeface="Calibri"/>
-            </a:endParaRPr>
-          </a:p>
-          <a:p>
-            <a:pPr algn="l" rtl="0" eaLnBrk="1" hangingPunct="1"/>
-            <a:endParaRPr lang="en-US"/>
-          </a:p>
-          <a:p>
-            <a:r>
-              <a:rPr lang="en-US" dirty="0"/>
-              <a:t>The language's core philosophy is summarized in the document </a:t>
-            </a:r>
-            <a:r>
-              <a:rPr lang="en-US" i="1" dirty="0"/>
-              <a:t>The Zen of Python</a:t>
-            </a:r>
-            <a:r>
-              <a:rPr lang="en-US" dirty="0"/>
-              <a:t> (</a:t>
-            </a:r>
-            <a:r>
-              <a:rPr lang="en-US" i="1" dirty="0"/>
-              <a:t>PEP 20</a:t>
-            </a:r>
-            <a:r>
-              <a:rPr lang="en-US" dirty="0"/>
-              <a:t>), which includes aphorisms such as:</a:t>
-            </a:r>
-            <a:endParaRPr lang="en-US" dirty="0">
-              <a:cs typeface="Calibri"/>
-            </a:endParaRPr>
-          </a:p>
-          <a:p>
-            <a:pPr marL="285750" indent="-285750">
-              <a:buFont typeface="Arial"/>
-              <a:buChar char="•"/>
+            <a:pPr marL="0" lvl="0" indent="0" algn="l" rtl="0">
+              <a:spcBef>
+                <a:spcPts val="0"/>
+              </a:spcBef>
+              <a:spcAft>
+                <a:spcPts val="0"/>
+              </a:spcAft>
+              <a:buNone/>
             </a:pPr>
-            <a:r>
-              <a:rPr lang="en-US" dirty="0"/>
-              <a:t>Beautiful is better than ugly.</a:t>
-            </a:r>
-            <a:endParaRPr lang="en-US" dirty="0">
-              <a:cs typeface="Calibri"/>
-            </a:endParaRPr>
-          </a:p>
-          <a:p>
-            <a:pPr marL="285750" indent="-285750">
-              <a:buFont typeface="Arial"/>
-              <a:buChar char="•"/>
-            </a:pPr>
-            <a:r>
-              <a:rPr lang="en-US" dirty="0"/>
-              <a:t>Explicit is better than implicit.</a:t>
-            </a:r>
-            <a:endParaRPr lang="en-US" dirty="0">
-              <a:cs typeface="Calibri"/>
-            </a:endParaRPr>
-          </a:p>
-          <a:p>
-            <a:pPr marL="285750" indent="-285750">
-              <a:buFont typeface="Arial"/>
-              <a:buChar char="•"/>
-            </a:pPr>
-            <a:r>
-              <a:rPr lang="en-US" dirty="0"/>
-              <a:t>Simple is better than complex.</a:t>
-            </a:r>
-            <a:endParaRPr lang="en-US" dirty="0">
-              <a:cs typeface="Calibri"/>
-            </a:endParaRPr>
-          </a:p>
-          <a:p>
-            <a:pPr marL="285750" indent="-285750">
-              <a:buFont typeface="Arial"/>
-              <a:buChar char="•"/>
-            </a:pPr>
-            <a:r>
-              <a:rPr lang="en-US" dirty="0"/>
-              <a:t>Complex is better than complicated.</a:t>
-            </a:r>
-            <a:endParaRPr lang="en-US" dirty="0">
-              <a:cs typeface="Calibri"/>
-            </a:endParaRPr>
-          </a:p>
-          <a:p>
-            <a:pPr marL="285750" indent="-285750">
-              <a:buFont typeface="Arial"/>
-              <a:buChar char="•"/>
-            </a:pPr>
-            <a:r>
-              <a:rPr lang="en-US" dirty="0"/>
-              <a:t>Readability counts.</a:t>
-            </a:r>
-            <a:endParaRPr lang="en-US" dirty="0">
-              <a:cs typeface="Calibri"/>
-            </a:endParaRPr>
-          </a:p>
-          <a:p>
-            <a:pPr algn="l"/>
-            <a:endParaRPr lang="en-US" dirty="0">
-              <a:cs typeface="Calibri"/>
-            </a:endParaRPr>
-          </a:p>
-          <a:p>
-            <a:endParaRPr lang="en-US" u="sng"/>
-          </a:p>
-          <a:p>
-            <a:pPr algn="l" rtl="0" eaLnBrk="1" hangingPunct="1"/>
-            <a:r>
-              <a:rPr lang="en-US" u="sng" dirty="0"/>
-              <a:t>For further reading:</a:t>
-            </a:r>
-          </a:p>
-          <a:p>
-            <a:r>
-              <a:rPr lang="en-US" dirty="0">
-                <a:hlinkClick r:id="rId3"/>
-              </a:rPr>
-              <a:t>Python (programming language) - Wikipedia</a:t>
-            </a:r>
-            <a:endParaRPr lang="en-US"/>
+            <a:endParaRPr/>
           </a:p>
         </p:txBody>
       </p:sp>
       <p:sp>
         <p:nvSpPr>
-          <p:cNvPr id="4" name="Slide Number Placeholder 3"/>
+          <p:cNvPr id="160" name="Google Shape;160;p3:notes"/>
           <p:cNvSpPr>
-            <a:spLocks noGrp="1"/>
+            <a:spLocks noGrp="1" noRot="1" noChangeAspect="1"/>
           </p:cNvSpPr>
           <p:nvPr>
-            <p:ph type="sldNum" sz="quarter" idx="10"/>
+            <p:ph type="sldImg" idx="2"/>
           </p:nvPr>
         </p:nvSpPr>
-        <p:spPr/>
-        <p:txBody>
-          <a:bodyPr/>
-          <a:lstStyle/>
-          <a:p>
-            <a:fld id="{C18343ED-3762-4D46-A439-B4D407E13EF8}" type="slidenum">
-              <a:rPr lang="en-US" smtClean="0"/>
-              <a:pPr/>
-              <a:t>2</a:t>
-            </a:fld>
-            <a:endParaRPr lang="en-US"/>
-          </a:p>
-        </p:txBody>
+        <p:spPr>
+          <a:xfrm>
+            <a:off x="685800" y="1143000"/>
+            <a:ext cx="5486400" cy="3086100"/>
+          </a:xfrm>
+          <a:custGeom>
+            <a:avLst/>
+            <a:gdLst/>
+            <a:ahLst/>
+            <a:cxnLst/>
+            <a:rect l="l" t="t" r="r" b="b"/>
+            <a:pathLst>
+              <a:path w="120000" h="120000" extrusionOk="0">
+                <a:moveTo>
+                  <a:pt x="0" y="0"/>
+                </a:moveTo>
+                <a:lnTo>
+                  <a:pt x="120000" y="0"/>
+                </a:lnTo>
+                <a:lnTo>
+                  <a:pt x="120000" y="120000"/>
+                </a:lnTo>
+                <a:lnTo>
+                  <a:pt x="0" y="120000"/>
+                </a:lnTo>
+                <a:close/>
+              </a:path>
+            </a:pathLst>
+          </a:custGeom>
+        </p:spPr>
       </p:sp>
     </p:spTree>
-    <p:extLst>
-      <p:ext uri="{BB962C8B-B14F-4D97-AF65-F5344CB8AC3E}">
-        <p14:creationId xmlns:p14="http://schemas.microsoft.com/office/powerpoint/2010/main" val="3003253182"/>
-      </p:ext>
-    </p:extLst>
   </p:cSld>
   <p:clrMapOvr>
     <a:masterClrMapping/>
@@ -1040,13 +917,123 @@
           <a:bodyPr/>
           <a:lstStyle/>
           <a:p>
-            <a:pPr algn="l" rtl="0" eaLnBrk="1" hangingPunct="1">
-              <a:lnSpc>
-                <a:spcPct val="80000"/>
-              </a:lnSpc>
+            <a:r>
+              <a:rPr lang="en-US" dirty="0">
+                <a:solidFill>
+                  <a:srgbClr val="000000"/>
+                </a:solidFill>
+                <a:latin typeface="Tahoma"/>
+                <a:ea typeface="Tahoma"/>
+                <a:cs typeface="Tahoma"/>
+              </a:rPr>
+              <a:t>PyCharm is currently one of the most used IDE for python development, It provides code analysis, a graphical debugger, an integrated unit tester, integration with version control systems (VCSes), and supports web development with Django as well as data science with Anaconda.</a:t>
+            </a:r>
+          </a:p>
+          <a:p>
+            <a:endParaRPr lang="en-US" dirty="0">
+              <a:solidFill>
+                <a:srgbClr val="000000"/>
+              </a:solidFill>
+              <a:latin typeface="Tahoma"/>
+              <a:ea typeface="Tahoma"/>
+              <a:cs typeface="Tahoma"/>
+            </a:endParaRPr>
+          </a:p>
+          <a:p>
+            <a:r>
+              <a:rPr lang="en-US" dirty="0">
+                <a:solidFill>
+                  <a:srgbClr val="000000"/>
+                </a:solidFill>
+                <a:latin typeface="Tahoma"/>
+                <a:ea typeface="Tahoma"/>
+                <a:cs typeface="Tahoma"/>
+              </a:rPr>
+              <a:t>It was created by JetBrains</a:t>
+            </a:r>
+          </a:p>
+          <a:p>
+            <a:endParaRPr lang="en-US" dirty="0">
+              <a:solidFill>
+                <a:srgbClr val="000000"/>
+              </a:solidFill>
+              <a:latin typeface="Tahoma"/>
+              <a:ea typeface="Tahoma"/>
+              <a:cs typeface="Tahoma"/>
+            </a:endParaRPr>
+          </a:p>
+          <a:p>
+            <a:r>
+              <a:rPr lang="en-US" dirty="0">
+                <a:solidFill>
+                  <a:srgbClr val="000000"/>
+                </a:solidFill>
+                <a:latin typeface="Tahoma"/>
+                <a:ea typeface="Tahoma"/>
+                <a:cs typeface="Tahoma"/>
+              </a:rPr>
+              <a:t>It is mostly popular because of many things, such as:</a:t>
+            </a:r>
+          </a:p>
+          <a:p>
+            <a:pPr marL="171450" indent="-171450">
+              <a:buFont typeface="Arial"/>
+              <a:buChar char="•"/>
             </a:pPr>
+            <a:r>
+              <a:rPr lang="en-US" dirty="0">
+                <a:solidFill>
+                  <a:srgbClr val="000000"/>
+                </a:solidFill>
+                <a:latin typeface="Tahoma"/>
+                <a:ea typeface="Tahoma"/>
+                <a:cs typeface="Tahoma"/>
+              </a:rPr>
+              <a:t>It is considered as an intelligent code editor, fast and safe refactoring, and smart code.</a:t>
+            </a:r>
+          </a:p>
+          <a:p>
+            <a:pPr marL="171450" indent="-171450">
+              <a:buFont typeface="Arial"/>
+              <a:buChar char="•"/>
+            </a:pPr>
+            <a:r>
+              <a:rPr lang="en-US" dirty="0">
+                <a:solidFill>
+                  <a:srgbClr val="000000"/>
+                </a:solidFill>
+                <a:latin typeface="Tahoma"/>
+                <a:ea typeface="Tahoma"/>
+                <a:cs typeface="Tahoma"/>
+              </a:rPr>
+              <a:t>Features for debugging, profiling, remote development, testing the code, auto code completion, quick fixing, error detection and tools of the database.</a:t>
+            </a:r>
+          </a:p>
+          <a:p>
+            <a:pPr marL="171450" indent="-171450">
+              <a:buFont typeface="Arial"/>
+              <a:buChar char="•"/>
+            </a:pPr>
+            <a:r>
+              <a:rPr lang="en-US" dirty="0">
+                <a:solidFill>
+                  <a:srgbClr val="000000"/>
+                </a:solidFill>
+                <a:latin typeface="Tahoma"/>
+                <a:ea typeface="Tahoma"/>
+                <a:cs typeface="Tahoma"/>
+              </a:rPr>
+              <a:t>Support for Popular web technologies, web frameworks, scientific libraries and version control. </a:t>
+            </a:r>
+          </a:p>
+          <a:p>
             <a:endParaRPr lang="en-US" dirty="0">
-              <a:cs typeface="Calibri"/>
+              <a:solidFill>
+                <a:srgbClr val="000000"/>
+              </a:solidFill>
+              <a:latin typeface="Tahoma"/>
+              <a:ea typeface="Tahoma"/>
+              <a:cs typeface="Tahoma"/>
             </a:endParaRPr>
           </a:p>
         </p:txBody>
@@ -1069,7 +1056,7 @@
             <a:fld id="{C18343ED-3762-4D46-A439-B4D407E13EF8}" type="slidenum">
               <a:rPr lang="en-US" smtClean="0"/>
               <a:pPr/>
-              <a:t>13</a:t>
+              <a:t>12</a:t>
             </a:fld>
             <a:endParaRPr lang="en-US"/>
           </a:p>
@@ -1078,7 +1065,7 @@
     </p:spTree>
     <p:extLst>
       <p:ext uri="{BB962C8B-B14F-4D97-AF65-F5344CB8AC3E}">
-        <p14:creationId xmlns:p14="http://schemas.microsoft.com/office/powerpoint/2010/main" val="662288823"/>
+        <p14:creationId xmlns:p14="http://schemas.microsoft.com/office/powerpoint/2010/main" val="925471829"/>
       </p:ext>
     </p:extLst>
   </p:cSld>
@@ -1132,7 +1119,14 @@
           <a:bodyPr/>
           <a:lstStyle/>
           <a:p>
-            <a:endParaRPr lang="en-US"/>
+            <a:pPr algn="l" rtl="0" eaLnBrk="1" hangingPunct="1">
+              <a:lnSpc>
+                <a:spcPct val="80000"/>
+              </a:lnSpc>
+            </a:pPr>
+            <a:endParaRPr lang="en-US" dirty="0">
+              <a:cs typeface="Calibri"/>
+            </a:endParaRPr>
           </a:p>
         </p:txBody>
       </p:sp>
@@ -1154,7 +1148,7 @@
             <a:fld id="{C18343ED-3762-4D46-A439-B4D407E13EF8}" type="slidenum">
               <a:rPr lang="en-US" smtClean="0"/>
               <a:pPr/>
-              <a:t>15</a:t>
+              <a:t>13</a:t>
             </a:fld>
             <a:endParaRPr lang="en-US"/>
           </a:p>
@@ -1163,7 +1157,7 @@
     </p:spTree>
     <p:extLst>
       <p:ext uri="{BB962C8B-B14F-4D97-AF65-F5344CB8AC3E}">
-        <p14:creationId xmlns:p14="http://schemas.microsoft.com/office/powerpoint/2010/main" val="3896666901"/>
+        <p14:creationId xmlns:p14="http://schemas.microsoft.com/office/powerpoint/2010/main" val="662288823"/>
       </p:ext>
     </p:extLst>
   </p:cSld>
@@ -1217,78 +1211,7 @@
           <a:bodyPr/>
           <a:lstStyle/>
           <a:p>
-            <a:pPr>
-              <a:defRPr/>
-            </a:pPr>
-            <a:r>
-              <a:rPr lang="en-US" dirty="0">
-                <a:cs typeface="Calibri"/>
-              </a:rPr>
-              <a:t>This is the main screen for opening a new project, all project are "of the same type" but not really.</a:t>
-            </a:r>
-          </a:p>
-          <a:p>
-            <a:pPr>
-              <a:defRPr/>
-            </a:pPr>
-            <a:r>
-              <a:rPr lang="en-US" dirty="0">
-                <a:cs typeface="+mn-lt"/>
-              </a:rPr>
-              <a:t>We can choose our projects name by changing the last section of the  location box</a:t>
-            </a:r>
-          </a:p>
-          <a:p>
-            <a:pPr>
-              <a:defRPr/>
-            </a:pPr>
-            <a:br>
-              <a:rPr lang="en-US" dirty="0">
-                <a:cs typeface="+mn-lt"/>
-              </a:rPr>
-            </a:br>
-            <a:r>
-              <a:rPr lang="en-US" dirty="0">
-                <a:cs typeface="Calibri"/>
-              </a:rPr>
-              <a:t>We can choose different environments like Virtualenv(the base one here), or Conda.</a:t>
-            </a:r>
-            <a:endParaRPr lang="en-US" dirty="0"/>
-          </a:p>
-          <a:p>
-            <a:pPr>
-              <a:defRPr/>
-            </a:pPr>
-            <a:endParaRPr lang="en-US" dirty="0">
-              <a:cs typeface="Calibri"/>
-            </a:endParaRPr>
-          </a:p>
-          <a:p>
-            <a:pPr>
-              <a:defRPr/>
-            </a:pPr>
-            <a:r>
-              <a:rPr lang="en-US" dirty="0">
-                <a:cs typeface="Calibri"/>
-              </a:rPr>
-              <a:t>Also, we can use a new (base) interpreter or just pick one of our previously used ones if we choose so.</a:t>
-            </a:r>
-            <a:br>
-              <a:rPr lang="en-US" dirty="0">
-                <a:cs typeface="+mn-lt"/>
-              </a:rPr>
-            </a:br>
-            <a:br>
-              <a:rPr lang="en-US" dirty="0">
-                <a:cs typeface="+mn-lt"/>
-              </a:rPr>
-            </a:br>
-            <a:r>
-              <a:rPr lang="en-US" dirty="0">
-                <a:cs typeface="Calibri"/>
-              </a:rPr>
-              <a:t>For beginners this is all we need to know, we want a new interpreter </a:t>
-            </a:r>
+            <a:endParaRPr lang="en-US"/>
           </a:p>
         </p:txBody>
       </p:sp>
@@ -1310,7 +1233,7 @@
             <a:fld id="{C18343ED-3762-4D46-A439-B4D407E13EF8}" type="slidenum">
               <a:rPr lang="en-US" smtClean="0"/>
               <a:pPr/>
-              <a:t>16</a:t>
+              <a:t>15</a:t>
             </a:fld>
             <a:endParaRPr lang="en-US"/>
           </a:p>
@@ -1319,7 +1242,7 @@
     </p:spTree>
     <p:extLst>
       <p:ext uri="{BB962C8B-B14F-4D97-AF65-F5344CB8AC3E}">
-        <p14:creationId xmlns:p14="http://schemas.microsoft.com/office/powerpoint/2010/main" val="3949587220"/>
+        <p14:creationId xmlns:p14="http://schemas.microsoft.com/office/powerpoint/2010/main" val="3896666901"/>
       </p:ext>
     </p:extLst>
   </p:cSld>
@@ -1373,10 +1296,31 @@
           <a:bodyPr/>
           <a:lstStyle/>
           <a:p>
-            <a:r>
-              <a:rPr lang="en-US" dirty="0"/>
-              <a:t>This is the main work area in PyCharm:</a:t>
-            </a:r>
+            <a:pPr>
+              <a:defRPr/>
+            </a:pPr>
+            <a:r>
+              <a:rPr lang="en-US" dirty="0">
+                <a:cs typeface="Calibri"/>
+              </a:rPr>
+              <a:t>This is the main screen for opening a new project, all project are "of the same type" but not really.</a:t>
+            </a:r>
+          </a:p>
+          <a:p>
+            <a:pPr>
+              <a:defRPr/>
+            </a:pPr>
+            <a:r>
+              <a:rPr lang="en-US" dirty="0">
+                <a:cs typeface="+mn-lt"/>
+              </a:rPr>
+              <a:t>We can choose our projects name by changing the last section of the  location box</a:t>
+            </a:r>
+          </a:p>
+          <a:p>
+            <a:pPr>
+              <a:defRPr/>
+            </a:pPr>
             <a:br>
               <a:rPr lang="en-US" dirty="0">
                 <a:cs typeface="+mn-lt"/>
@@ -1386,45 +1330,44 @@
               <a:rPr lang="en-US" dirty="0">
                 <a:cs typeface="Calibri"/>
               </a:rPr>
-              <a:t>The Coding section is where you write you code</a:t>
-            </a:r>
-          </a:p>
-          <a:p>
-            <a:r>
-              <a:rPr lang="en-US" dirty="0">
-                <a:cs typeface="Calibri"/>
-              </a:rPr>
-              <a:t>Menu bar is all the options, setting etc.</a:t>
-            </a:r>
-          </a:p>
-          <a:p>
-            <a:r>
-              <a:rPr lang="en-US" dirty="0">
-                <a:cs typeface="Calibri"/>
-              </a:rPr>
-              <a:t>Project explorer is where all of our current project files and folders are located, we can navigate between them there</a:t>
-            </a:r>
-          </a:p>
-          <a:p>
-            <a:r>
-              <a:rPr lang="en-US" dirty="0">
-                <a:cs typeface="Calibri"/>
-              </a:rPr>
-              <a:t>The tools are our main uses, like the console, terminal, debug section, etc.</a:t>
-            </a:r>
-          </a:p>
-          <a:p>
-            <a:r>
-              <a:rPr lang="en-US" dirty="0">
-                <a:cs typeface="Calibri"/>
-              </a:rPr>
-              <a:t>The run script section is where we run our current open script, of course our script can run our entire project, depends on what's connected to the script we are running</a:t>
-            </a:r>
-          </a:p>
-          <a:p>
+              <a:t>We can choose different environments like Virtualenv(the base one here), or Conda.</a:t>
+            </a:r>
+            <a:endParaRPr lang="en-US" dirty="0"/>
+          </a:p>
+          <a:p>
+            <a:pPr>
+              <a:defRPr/>
+            </a:pPr>
             <a:endParaRPr lang="en-US" dirty="0">
               <a:cs typeface="Calibri"/>
             </a:endParaRPr>
+          </a:p>
+          <a:p>
+            <a:pPr>
+              <a:defRPr/>
+            </a:pPr>
+            <a:r>
+              <a:rPr lang="en-US" dirty="0">
+                <a:cs typeface="Calibri"/>
+              </a:rPr>
+              <a:t>Also, we can use a new (base) interpreter or just pick one of our previously used ones if we choose so.</a:t>
+            </a:r>
+            <a:br>
+              <a:rPr lang="en-US" dirty="0">
+                <a:cs typeface="+mn-lt"/>
+              </a:rPr>
+            </a:br>
+            <a:br>
+              <a:rPr lang="en-US" dirty="0">
+                <a:cs typeface="+mn-lt"/>
+              </a:rPr>
+            </a:br>
+            <a:r>
+              <a:rPr lang="en-US" dirty="0">
+                <a:cs typeface="Calibri"/>
+              </a:rPr>
+              <a:t>For beginners this is all we need to know, we want a new interpreter </a:t>
+            </a:r>
           </a:p>
         </p:txBody>
       </p:sp>
@@ -1446,7 +1389,7 @@
             <a:fld id="{C18343ED-3762-4D46-A439-B4D407E13EF8}" type="slidenum">
               <a:rPr lang="en-US" smtClean="0"/>
               <a:pPr/>
-              <a:t>17</a:t>
+              <a:t>16</a:t>
             </a:fld>
             <a:endParaRPr lang="en-US"/>
           </a:p>
@@ -1455,7 +1398,7 @@
     </p:spTree>
     <p:extLst>
       <p:ext uri="{BB962C8B-B14F-4D97-AF65-F5344CB8AC3E}">
-        <p14:creationId xmlns:p14="http://schemas.microsoft.com/office/powerpoint/2010/main" val="2368652420"/>
+        <p14:creationId xmlns:p14="http://schemas.microsoft.com/office/powerpoint/2010/main" val="3949587220"/>
       </p:ext>
     </p:extLst>
   </p:cSld>
@@ -1582,6 +1525,142 @@
             <a:fld id="{C18343ED-3762-4D46-A439-B4D407E13EF8}" type="slidenum">
               <a:rPr lang="en-US" smtClean="0"/>
               <a:pPr/>
+              <a:t>17</a:t>
+            </a:fld>
+            <a:endParaRPr lang="en-US"/>
+          </a:p>
+        </p:txBody>
+      </p:sp>
+    </p:spTree>
+    <p:extLst>
+      <p:ext uri="{BB962C8B-B14F-4D97-AF65-F5344CB8AC3E}">
+        <p14:creationId xmlns:p14="http://schemas.microsoft.com/office/powerpoint/2010/main" val="2368652420"/>
+      </p:ext>
+    </p:extLst>
+  </p:cSld>
+  <p:clrMapOvr>
+    <a:masterClrMapping/>
+  </p:clrMapOvr>
+</p:notes>
+</file>
+
+<file path=ppt/notesSlides/notesSlide15.xml><?xml version="1.0" encoding="utf-8"?>
+<p:notes xmlns:a="http://schemas.openxmlformats.org/drawingml/2006/main" xmlns:r="http://schemas.openxmlformats.org/officeDocument/2006/relationships" xmlns:p="http://schemas.openxmlformats.org/presentationml/2006/main">
+  <p:cSld>
+    <p:spTree>
+      <p:nvGrpSpPr>
+        <p:cNvPr id="1" name=""/>
+        <p:cNvGrpSpPr/>
+        <p:nvPr/>
+      </p:nvGrpSpPr>
+      <p:grpSpPr>
+        <a:xfrm>
+          <a:off x="0" y="0"/>
+          <a:ext cx="0" cy="0"/>
+          <a:chOff x="0" y="0"/>
+          <a:chExt cx="0" cy="0"/>
+        </a:xfrm>
+      </p:grpSpPr>
+      <p:sp>
+        <p:nvSpPr>
+          <p:cNvPr id="2" name="Slide Image Placeholder 1"/>
+          <p:cNvSpPr>
+            <a:spLocks noGrp="1" noRot="1" noChangeAspect="1"/>
+          </p:cNvSpPr>
+          <p:nvPr>
+            <p:ph type="sldImg"/>
+          </p:nvPr>
+        </p:nvSpPr>
+        <p:spPr/>
+      </p:sp>
+      <p:sp>
+        <p:nvSpPr>
+          <p:cNvPr id="3" name="Notes Placeholder 2"/>
+          <p:cNvSpPr>
+            <a:spLocks noGrp="1"/>
+          </p:cNvSpPr>
+          <p:nvPr>
+            <p:ph type="body" idx="1"/>
+          </p:nvPr>
+        </p:nvSpPr>
+        <p:spPr/>
+        <p:txBody>
+          <a:bodyPr/>
+          <a:lstStyle/>
+          <a:p>
+            <a:r>
+              <a:rPr lang="en-US" dirty="0"/>
+              <a:t>This is the main work area in PyCharm:</a:t>
+            </a:r>
+            <a:br>
+              <a:rPr lang="en-US" dirty="0">
+                <a:cs typeface="+mn-lt"/>
+              </a:rPr>
+            </a:br>
+            <a:r>
+              <a:rPr lang="en-US" dirty="0">
+                <a:cs typeface="Calibri"/>
+              </a:rPr>
+              <a:t>The Coding section is where you write you code</a:t>
+            </a:r>
+          </a:p>
+          <a:p>
+            <a:r>
+              <a:rPr lang="en-US" dirty="0">
+                <a:cs typeface="Calibri"/>
+              </a:rPr>
+              <a:t>Menu bar is all the options, setting etc.</a:t>
+            </a:r>
+          </a:p>
+          <a:p>
+            <a:r>
+              <a:rPr lang="en-US" dirty="0">
+                <a:cs typeface="Calibri"/>
+              </a:rPr>
+              <a:t>Project explorer is where all of our current project files and folders are located, we can navigate between them there</a:t>
+            </a:r>
+          </a:p>
+          <a:p>
+            <a:r>
+              <a:rPr lang="en-US" dirty="0">
+                <a:cs typeface="Calibri"/>
+              </a:rPr>
+              <a:t>The tools are our main uses, like the console, terminal, debug section, etc.</a:t>
+            </a:r>
+          </a:p>
+          <a:p>
+            <a:r>
+              <a:rPr lang="en-US" dirty="0">
+                <a:cs typeface="Calibri"/>
+              </a:rPr>
+              <a:t>The run script section is where we run our current open script, of course our script can run our entire project, depends on what's connected to the script we are running</a:t>
+            </a:r>
+          </a:p>
+          <a:p>
+            <a:endParaRPr lang="en-US" dirty="0">
+              <a:cs typeface="Calibri"/>
+            </a:endParaRPr>
+          </a:p>
+        </p:txBody>
+      </p:sp>
+      <p:sp>
+        <p:nvSpPr>
+          <p:cNvPr id="4" name="Slide Number Placeholder 3"/>
+          <p:cNvSpPr>
+            <a:spLocks noGrp="1"/>
+          </p:cNvSpPr>
+          <p:nvPr>
+            <p:ph type="sldNum" sz="quarter" idx="10"/>
+          </p:nvPr>
+        </p:nvSpPr>
+        <p:spPr/>
+        <p:txBody>
+          <a:bodyPr/>
+          <a:lstStyle/>
+          <a:p>
+            <a:fld id="{C18343ED-3762-4D46-A439-B4D407E13EF8}" type="slidenum">
+              <a:rPr lang="en-US" smtClean="0"/>
+              <a:pPr/>
               <a:t>18</a:t>
             </a:fld>
             <a:endParaRPr lang="en-US"/>
@@ -1601,7 +1680,7 @@
 </p:notes>
 </file>
 
-<file path=ppt/notesSlides/notesSlide15.xml><?xml version="1.0" encoding="utf-8"?>
+<file path=ppt/notesSlides/notesSlide16.xml><?xml version="1.0" encoding="utf-8"?>
 <p:notes xmlns:a="http://schemas.openxmlformats.org/drawingml/2006/main" xmlns:r="http://schemas.openxmlformats.org/officeDocument/2006/relationships" xmlns:p="http://schemas.openxmlformats.org/presentationml/2006/main">
   <p:cSld>
     <p:spTree>
@@ -1945,7 +2024,7 @@
             <a:fld id="{C18343ED-3762-4D46-A439-B4D407E13EF8}" type="slidenum">
               <a:rPr lang="en-US" smtClean="0"/>
               <a:pPr/>
-              <a:t>3</a:t>
+              <a:t>2</a:t>
             </a:fld>
             <a:endParaRPr lang="en-US"/>
           </a:p>
@@ -1954,7 +2033,7 @@
     </p:spTree>
     <p:extLst>
       <p:ext uri="{BB962C8B-B14F-4D97-AF65-F5344CB8AC3E}">
-        <p14:creationId xmlns:p14="http://schemas.microsoft.com/office/powerpoint/2010/main" val="2030585090"/>
+        <p14:creationId xmlns:p14="http://schemas.microsoft.com/office/powerpoint/2010/main" val="3003253182"/>
       </p:ext>
     </p:extLst>
   </p:cSld>
@@ -2009,123 +2088,148 @@
           <a:lstStyle/>
           <a:p>
             <a:r>
+              <a:rPr lang="en-US" dirty="0"/>
+              <a:t>Python is dynamically-typed and garbage-collected. It supports multiple programming paradigms, including structured (particularly, procedural), object-oriented and functional programming.</a:t>
+            </a:r>
+          </a:p>
+          <a:p>
+            <a:endParaRPr lang="en-US" sz="1200" dirty="0">
+              <a:cs typeface="Calibri"/>
+            </a:endParaRPr>
+          </a:p>
+          <a:p>
+            <a:r>
               <a:rPr lang="en-US" dirty="0">
-                <a:solidFill>
-                  <a:srgbClr val="000000"/>
-                </a:solidFill>
-                <a:latin typeface="Tahoma"/>
-                <a:ea typeface="Tahoma"/>
-                <a:cs typeface="Tahoma"/>
-              </a:rPr>
-              <a:t>PyCharm is currently one of the most used IDE for python development, It provides code analysis, a graphical debugger, an integrated unit tester, integration with version control systems (VCSes), and supports web development with Django as well as data science with Anaconda.</a:t>
-            </a:r>
-          </a:p>
-          <a:p>
+                <a:cs typeface="Calibri"/>
+              </a:rPr>
+              <a:t>It was built to be as readable as possible, and is </a:t>
+            </a:r>
+            <a:r>
+              <a:rPr lang="en-US" dirty="0"/>
+              <a:t>significant indentation driven (Off-side rule).</a:t>
+            </a:r>
             <a:endParaRPr lang="en-US" dirty="0">
-              <a:solidFill>
-                <a:srgbClr val="000000"/>
-              </a:solidFill>
-              <a:latin typeface="Tahoma"/>
-              <a:ea typeface="Tahoma"/>
-              <a:cs typeface="Tahoma"/>
+              <a:cs typeface="Calibri"/>
             </a:endParaRPr>
           </a:p>
           <a:p>
-            <a:r>
-              <a:rPr lang="en-US" dirty="0">
-                <a:solidFill>
-                  <a:srgbClr val="000000"/>
-                </a:solidFill>
-                <a:latin typeface="Tahoma"/>
-                <a:ea typeface="Tahoma"/>
-                <a:cs typeface="Tahoma"/>
-              </a:rPr>
-              <a:t>It was created by JetBrains</a:t>
-            </a:r>
-          </a:p>
-          <a:p>
+            <a:pPr algn="l" rtl="0" eaLnBrk="1" hangingPunct="1"/>
+            <a:endParaRPr lang="en-US"/>
+          </a:p>
+          <a:p>
+            <a:r>
+              <a:rPr lang="en-US" dirty="0"/>
+              <a:t>The language's core philosophy is summarized in the document </a:t>
+            </a:r>
+            <a:r>
+              <a:rPr lang="en-US" i="1" dirty="0"/>
+              <a:t>The Zen of Python</a:t>
+            </a:r>
+            <a:r>
+              <a:rPr lang="en-US" dirty="0"/>
+              <a:t> (</a:t>
+            </a:r>
+            <a:r>
+              <a:rPr lang="en-US" i="1" dirty="0"/>
+              <a:t>PEP 20</a:t>
+            </a:r>
+            <a:r>
+              <a:rPr lang="en-US" dirty="0"/>
+              <a:t>), which includes aphorisms such as:</a:t>
+            </a:r>
             <a:endParaRPr lang="en-US" dirty="0">
-              <a:solidFill>
-                <a:srgbClr val="000000"/>
-              </a:solidFill>
-              <a:latin typeface="Tahoma"/>
-              <a:ea typeface="Tahoma"/>
-              <a:cs typeface="Tahoma"/>
+              <a:cs typeface="Calibri"/>
             </a:endParaRPr>
           </a:p>
           <a:p>
-            <a:r>
-              <a:rPr lang="en-US" dirty="0">
-                <a:solidFill>
-                  <a:srgbClr val="000000"/>
-                </a:solidFill>
-                <a:latin typeface="Tahoma"/>
-                <a:ea typeface="Tahoma"/>
-                <a:cs typeface="Tahoma"/>
-              </a:rPr>
-              <a:t>It is mostly popular because of many things, such as:</a:t>
-            </a:r>
-          </a:p>
-          <a:p>
-            <a:pPr marL="171450" indent="-171450">
+            <a:pPr marL="285750" indent="-285750">
               <a:buFont typeface="Arial"/>
               <a:buChar char="•"/>
             </a:pPr>
             <a:r>
-              <a:rPr lang="en-US" dirty="0">
-                <a:solidFill>
-                  <a:srgbClr val="000000"/>
-                </a:solidFill>
-                <a:latin typeface="Tahoma"/>
-                <a:ea typeface="Tahoma"/>
-                <a:cs typeface="Tahoma"/>
-              </a:rPr>
-              <a:t>It is considered as an intelligent code editor, fast and safe refactoring, and smart code.</a:t>
-            </a:r>
-          </a:p>
-          <a:p>
-            <a:pPr marL="171450" indent="-171450">
+              <a:rPr lang="en-US" dirty="0"/>
+              <a:t>Beautiful is better than ugly.</a:t>
+            </a:r>
+            <a:endParaRPr lang="en-US" dirty="0">
+              <a:cs typeface="Calibri"/>
+            </a:endParaRPr>
+          </a:p>
+          <a:p>
+            <a:pPr marL="285750" indent="-285750">
               <a:buFont typeface="Arial"/>
               <a:buChar char="•"/>
             </a:pPr>
             <a:r>
-              <a:rPr lang="en-US" dirty="0">
-                <a:solidFill>
-                  <a:srgbClr val="000000"/>
-                </a:solidFill>
-                <a:latin typeface="Tahoma"/>
-                <a:ea typeface="Tahoma"/>
-                <a:cs typeface="Tahoma"/>
-              </a:rPr>
-              <a:t>Features for debugging, profiling, remote development, testing the code, auto code completion, quick fixing, error detection and tools of the database.</a:t>
-            </a:r>
-          </a:p>
-          <a:p>
-            <a:pPr marL="171450" indent="-171450">
+              <a:rPr lang="en-US" dirty="0"/>
+              <a:t>Explicit is better than implicit.</a:t>
+            </a:r>
+            <a:endParaRPr lang="en-US" dirty="0">
+              <a:cs typeface="Calibri"/>
+            </a:endParaRPr>
+          </a:p>
+          <a:p>
+            <a:pPr marL="285750" indent="-285750">
               <a:buFont typeface="Arial"/>
               <a:buChar char="•"/>
             </a:pPr>
             <a:r>
+              <a:rPr lang="en-US" dirty="0"/>
+              <a:t>Simple is better than complex.</a:t>
+            </a:r>
+            <a:endParaRPr lang="en-US" dirty="0">
+              <a:cs typeface="Calibri"/>
+            </a:endParaRPr>
+          </a:p>
+          <a:p>
+            <a:pPr marL="285750" indent="-285750">
+              <a:buFont typeface="Arial"/>
+              <a:buChar char="•"/>
+            </a:pPr>
+            <a:r>
+              <a:rPr lang="en-US" dirty="0"/>
+              <a:t>Complex is better than complicated.</a:t>
+            </a:r>
+            <a:endParaRPr lang="en-US" dirty="0">
+              <a:cs typeface="Calibri"/>
+            </a:endParaRPr>
+          </a:p>
+          <a:p>
+            <a:pPr marL="285750" indent="-285750">
+              <a:buFont typeface="Arial"/>
+              <a:buChar char="•"/>
+            </a:pPr>
+            <a:r>
+              <a:rPr lang="en-US" dirty="0"/>
+              <a:t>Readability counts.</a:t>
+            </a:r>
+            <a:endParaRPr lang="en-US" dirty="0">
+              <a:cs typeface="Calibri"/>
+            </a:endParaRPr>
+          </a:p>
+          <a:p>
+            <a:pPr algn="l"/>
+            <a:endParaRPr lang="en-US" dirty="0">
+              <a:cs typeface="Calibri"/>
+            </a:endParaRPr>
+          </a:p>
+          <a:p>
+            <a:endParaRPr lang="en-US" u="sng"/>
+          </a:p>
+          <a:p>
+            <a:pPr algn="l" rtl="0" eaLnBrk="1" hangingPunct="1"/>
+            <a:r>
+              <a:rPr lang="en-US" u="sng" dirty="0"/>
+              <a:t>For further reading:</a:t>
+            </a:r>
+          </a:p>
+          <a:p>
+            <a:r>
               <a:rPr lang="en-US" dirty="0">
-                <a:solidFill>
-                  <a:srgbClr val="000000"/>
-                </a:solidFill>
-                <a:latin typeface="Tahoma"/>
-                <a:ea typeface="Tahoma"/>
-                <a:cs typeface="Tahoma"/>
-              </a:rPr>
-              <a:t>Support for Popular web technologies, web frameworks, scientific libraries and version control. </a:t>
-            </a:r>
-          </a:p>
-          <a:p>
-            <a:endParaRPr lang="en-US" dirty="0">
-              <a:solidFill>
-                <a:srgbClr val="000000"/>
-              </a:solidFill>
-              <a:latin typeface="Tahoma"/>
-              <a:ea typeface="Tahoma"/>
-              <a:cs typeface="Tahoma"/>
-            </a:endParaRPr>
+                <a:hlinkClick r:id="rId3"/>
+              </a:rPr>
+              <a:t>Python (programming language) - Wikipedia</a:t>
+            </a:r>
+            <a:endParaRPr lang="en-US"/>
           </a:p>
         </p:txBody>
       </p:sp>
@@ -2147,7 +2251,7 @@
             <a:fld id="{C18343ED-3762-4D46-A439-B4D407E13EF8}" type="slidenum">
               <a:rPr lang="en-US" smtClean="0"/>
               <a:pPr/>
-              <a:t>6</a:t>
+              <a:t>3</a:t>
             </a:fld>
             <a:endParaRPr lang="en-US"/>
           </a:p>
@@ -2156,7 +2260,7 @@
     </p:spTree>
     <p:extLst>
       <p:ext uri="{BB962C8B-B14F-4D97-AF65-F5344CB8AC3E}">
-        <p14:creationId xmlns:p14="http://schemas.microsoft.com/office/powerpoint/2010/main" val="3013686146"/>
+        <p14:creationId xmlns:p14="http://schemas.microsoft.com/office/powerpoint/2010/main" val="2030585090"/>
       </p:ext>
     </p:extLst>
   </p:cSld>
@@ -2349,7 +2453,7 @@
             <a:fld id="{C18343ED-3762-4D46-A439-B4D407E13EF8}" type="slidenum">
               <a:rPr lang="en-US" smtClean="0"/>
               <a:pPr/>
-              <a:t>7</a:t>
+              <a:t>6</a:t>
             </a:fld>
             <a:endParaRPr lang="en-US"/>
           </a:p>
@@ -2358,7 +2462,7 @@
     </p:spTree>
     <p:extLst>
       <p:ext uri="{BB962C8B-B14F-4D97-AF65-F5344CB8AC3E}">
-        <p14:creationId xmlns:p14="http://schemas.microsoft.com/office/powerpoint/2010/main" val="4088648762"/>
+        <p14:creationId xmlns:p14="http://schemas.microsoft.com/office/powerpoint/2010/main" val="3013686146"/>
       </p:ext>
     </p:extLst>
   </p:cSld>
@@ -2551,7 +2655,7 @@
             <a:fld id="{C18343ED-3762-4D46-A439-B4D407E13EF8}" type="slidenum">
               <a:rPr lang="en-US" smtClean="0"/>
               <a:pPr/>
-              <a:t>8</a:t>
+              <a:t>7</a:t>
             </a:fld>
             <a:endParaRPr lang="en-US"/>
           </a:p>
@@ -2560,7 +2664,7 @@
     </p:spTree>
     <p:extLst>
       <p:ext uri="{BB962C8B-B14F-4D97-AF65-F5344CB8AC3E}">
-        <p14:creationId xmlns:p14="http://schemas.microsoft.com/office/powerpoint/2010/main" val="1157867576"/>
+        <p14:creationId xmlns:p14="http://schemas.microsoft.com/office/powerpoint/2010/main" val="4088648762"/>
       </p:ext>
     </p:extLst>
   </p:cSld>
@@ -2753,7 +2857,7 @@
             <a:fld id="{C18343ED-3762-4D46-A439-B4D407E13EF8}" type="slidenum">
               <a:rPr lang="en-US" smtClean="0"/>
               <a:pPr/>
-              <a:t>9</a:t>
+              <a:t>8</a:t>
             </a:fld>
             <a:endParaRPr lang="en-US"/>
           </a:p>
@@ -2762,7 +2866,7 @@
     </p:spTree>
     <p:extLst>
       <p:ext uri="{BB962C8B-B14F-4D97-AF65-F5344CB8AC3E}">
-        <p14:creationId xmlns:p14="http://schemas.microsoft.com/office/powerpoint/2010/main" val="849729191"/>
+        <p14:creationId xmlns:p14="http://schemas.microsoft.com/office/powerpoint/2010/main" val="1157867576"/>
       </p:ext>
     </p:extLst>
   </p:cSld>
@@ -2955,7 +3059,7 @@
             <a:fld id="{C18343ED-3762-4D46-A439-B4D407E13EF8}" type="slidenum">
               <a:rPr lang="en-US" smtClean="0"/>
               <a:pPr/>
-              <a:t>10</a:t>
+              <a:t>9</a:t>
             </a:fld>
             <a:endParaRPr lang="en-US"/>
           </a:p>
@@ -2964,7 +3068,7 @@
     </p:spTree>
     <p:extLst>
       <p:ext uri="{BB962C8B-B14F-4D97-AF65-F5344CB8AC3E}">
-        <p14:creationId xmlns:p14="http://schemas.microsoft.com/office/powerpoint/2010/main" val="2779813135"/>
+        <p14:creationId xmlns:p14="http://schemas.microsoft.com/office/powerpoint/2010/main" val="849729191"/>
       </p:ext>
     </p:extLst>
   </p:cSld>
@@ -3157,7 +3261,7 @@
             <a:fld id="{C18343ED-3762-4D46-A439-B4D407E13EF8}" type="slidenum">
               <a:rPr lang="en-US" smtClean="0"/>
               <a:pPr/>
-              <a:t>11</a:t>
+              <a:t>10</a:t>
             </a:fld>
             <a:endParaRPr lang="en-US"/>
           </a:p>
@@ -3166,7 +3270,7 @@
     </p:spTree>
     <p:extLst>
       <p:ext uri="{BB962C8B-B14F-4D97-AF65-F5344CB8AC3E}">
-        <p14:creationId xmlns:p14="http://schemas.microsoft.com/office/powerpoint/2010/main" val="89710469"/>
+        <p14:creationId xmlns:p14="http://schemas.microsoft.com/office/powerpoint/2010/main" val="2779813135"/>
       </p:ext>
     </p:extLst>
   </p:cSld>
@@ -3359,7 +3463,7 @@
             <a:fld id="{C18343ED-3762-4D46-A439-B4D407E13EF8}" type="slidenum">
               <a:rPr lang="en-US" smtClean="0"/>
               <a:pPr/>
-              <a:t>12</a:t>
+              <a:t>11</a:t>
             </a:fld>
             <a:endParaRPr lang="en-US"/>
           </a:p>
@@ -3368,7 +3472,7 @@
     </p:spTree>
     <p:extLst>
       <p:ext uri="{BB962C8B-B14F-4D97-AF65-F5344CB8AC3E}">
-        <p14:creationId xmlns:p14="http://schemas.microsoft.com/office/powerpoint/2010/main" val="925471829"/>
+        <p14:creationId xmlns:p14="http://schemas.microsoft.com/office/powerpoint/2010/main" val="89710469"/>
       </p:ext>
     </p:extLst>
   </p:cSld>
@@ -4011,298 +4115,6 @@
 </file>
 
 <file path=ppt/slideLayouts/slideLayout12.xml><?xml version="1.0" encoding="utf-8"?>
-<p:sldLayout xmlns:a="http://schemas.openxmlformats.org/drawingml/2006/main" xmlns:r="http://schemas.openxmlformats.org/officeDocument/2006/relationships" xmlns:p="http://schemas.openxmlformats.org/presentationml/2006/main" userDrawn="1">
-  <p:cSld name="1_Title Slide">
-    <p:spTree>
-      <p:nvGrpSpPr>
-        <p:cNvPr id="1" name=""/>
-        <p:cNvGrpSpPr/>
-        <p:nvPr/>
-      </p:nvGrpSpPr>
-      <p:grpSpPr>
-        <a:xfrm>
-          <a:off x="0" y="0"/>
-          <a:ext cx="0" cy="0"/>
-          <a:chOff x="0" y="0"/>
-          <a:chExt cx="0" cy="0"/>
-        </a:xfrm>
-      </p:grpSpPr>
-      <p:sp>
-        <p:nvSpPr>
-          <p:cNvPr id="2" name="Title 1"/>
-          <p:cNvSpPr>
-            <a:spLocks noGrp="1"/>
-          </p:cNvSpPr>
-          <p:nvPr>
-            <p:ph type="ctrTitle"/>
-          </p:nvPr>
-        </p:nvSpPr>
-        <p:spPr>
-          <a:xfrm>
-            <a:off x="774049" y="1340768"/>
-            <a:ext cx="9850763" cy="1085850"/>
-          </a:xfrm>
-        </p:spPr>
-        <p:txBody>
-          <a:bodyPr vert="horz" lIns="0" tIns="45720" rIns="91440" bIns="45720" rtlCol="0" anchor="t" anchorCtr="0">
-            <a:normAutofit/>
-          </a:bodyPr>
-          <a:lstStyle>
-            <a:lvl1pPr>
-              <a:defRPr lang="en-US" sz="3200" dirty="0">
-                <a:ln w="3175">
-                  <a:noFill/>
-                </a:ln>
-              </a:defRPr>
-            </a:lvl1pPr>
-          </a:lstStyle>
-          <a:p>
-            <a:pPr lvl="0"/>
-            <a:r>
-              <a:rPr lang="en-US"/>
-              <a:t>Click to edit Master title style</a:t>
-            </a:r>
-          </a:p>
-        </p:txBody>
-      </p:sp>
-      <p:sp>
-        <p:nvSpPr>
-          <p:cNvPr id="11" name="TextBox 10"/>
-          <p:cNvSpPr txBox="1"/>
-          <p:nvPr userDrawn="1"/>
-        </p:nvSpPr>
-        <p:spPr>
-          <a:xfrm>
-            <a:off x="774050" y="6362070"/>
-            <a:ext cx="10506527" cy="261610"/>
-          </a:xfrm>
-          <a:prstGeom prst="rect">
-            <a:avLst/>
-          </a:prstGeom>
-          <a:noFill/>
-        </p:spPr>
-        <p:txBody>
-          <a:bodyPr wrap="square" lIns="0" rtlCol="0">
-            <a:spAutoFit/>
-          </a:bodyPr>
-          <a:lstStyle/>
-          <a:p>
-            <a:pPr algn="l"/>
-            <a:r>
-              <a:rPr lang="en-US" sz="1100" kern="1200">
-                <a:solidFill>
-                  <a:schemeClr val="tx1">
-                    <a:lumMod val="85000"/>
-                    <a:lumOff val="15000"/>
-                  </a:schemeClr>
-                </a:solidFill>
-                <a:latin typeface="Segoe" panose="020B0502040504020203" pitchFamily="34" charset="0"/>
-                <a:ea typeface="+mn-ea"/>
-                <a:cs typeface="+mn-cs"/>
-              </a:rPr>
-              <a:t>Copyright © SELA Software &amp; Education Labs, Ltd. | 14-18 Baruch Hirsch St., </a:t>
-            </a:r>
-            <a:r>
-              <a:rPr lang="en-US" sz="1100" kern="1200" err="1">
-                <a:solidFill>
-                  <a:schemeClr val="tx1">
-                    <a:lumMod val="85000"/>
-                    <a:lumOff val="15000"/>
-                  </a:schemeClr>
-                </a:solidFill>
-                <a:latin typeface="Segoe" panose="020B0502040504020203" pitchFamily="34" charset="0"/>
-                <a:ea typeface="+mn-ea"/>
-                <a:cs typeface="+mn-cs"/>
-              </a:rPr>
-              <a:t>Bnei</a:t>
-            </a:r>
-            <a:r>
-              <a:rPr lang="en-US" sz="1100" kern="1200">
-                <a:solidFill>
-                  <a:schemeClr val="tx1">
-                    <a:lumMod val="85000"/>
-                    <a:lumOff val="15000"/>
-                  </a:schemeClr>
-                </a:solidFill>
-                <a:latin typeface="Segoe" panose="020B0502040504020203" pitchFamily="34" charset="0"/>
-                <a:ea typeface="+mn-ea"/>
-                <a:cs typeface="+mn-cs"/>
-              </a:rPr>
-              <a:t> </a:t>
-            </a:r>
-            <a:r>
-              <a:rPr lang="en-US" sz="1100" kern="1200" err="1">
-                <a:solidFill>
-                  <a:schemeClr val="tx1">
-                    <a:lumMod val="85000"/>
-                    <a:lumOff val="15000"/>
-                  </a:schemeClr>
-                </a:solidFill>
-                <a:latin typeface="Segoe" panose="020B0502040504020203" pitchFamily="34" charset="0"/>
-                <a:ea typeface="+mn-ea"/>
-                <a:cs typeface="+mn-cs"/>
-              </a:rPr>
-              <a:t>Brak</a:t>
-            </a:r>
-            <a:r>
-              <a:rPr lang="en-US" sz="1100" kern="1200">
-                <a:solidFill>
-                  <a:schemeClr val="tx1">
-                    <a:lumMod val="85000"/>
-                    <a:lumOff val="15000"/>
-                  </a:schemeClr>
-                </a:solidFill>
-                <a:latin typeface="Segoe" panose="020B0502040504020203" pitchFamily="34" charset="0"/>
-                <a:ea typeface="+mn-ea"/>
-                <a:cs typeface="+mn-cs"/>
-              </a:rPr>
-              <a:t> 51202, Israel | www.selagroup.com</a:t>
-            </a:r>
-            <a:endParaRPr lang="en-US" sz="800">
-              <a:solidFill>
-                <a:schemeClr val="tx1">
-                  <a:lumMod val="85000"/>
-                  <a:lumOff val="15000"/>
-                </a:schemeClr>
-              </a:solidFill>
-              <a:latin typeface="Segoe" panose="020B0502040504020203" pitchFamily="34" charset="0"/>
-            </a:endParaRPr>
-          </a:p>
-        </p:txBody>
-      </p:sp>
-      <p:pic>
-        <p:nvPicPr>
-          <p:cNvPr id="13" name="Picture 12"/>
-          <p:cNvPicPr>
-            <a:picLocks noChangeAspect="1"/>
-          </p:cNvPicPr>
-          <p:nvPr userDrawn="1"/>
-        </p:nvPicPr>
-        <p:blipFill>
-          <a:blip r:embed="rId2" cstate="print">
-            <a:extLst>
-              <a:ext uri="{28A0092B-C50C-407E-A947-70E740481C1C}">
-                <a14:useLocalDpi xmlns:a14="http://schemas.microsoft.com/office/drawing/2010/main" val="0"/>
-              </a:ext>
-            </a:extLst>
-          </a:blip>
-          <a:stretch>
-            <a:fillRect/>
-          </a:stretch>
-        </p:blipFill>
-        <p:spPr>
-          <a:xfrm>
-            <a:off x="774050" y="534798"/>
-            <a:ext cx="3509932" cy="483907"/>
-          </a:xfrm>
-          <a:prstGeom prst="rect">
-            <a:avLst/>
-          </a:prstGeom>
-        </p:spPr>
-      </p:pic>
-      <p:sp>
-        <p:nvSpPr>
-          <p:cNvPr id="7" name="Text Placeholder 6"/>
-          <p:cNvSpPr>
-            <a:spLocks noGrp="1"/>
-          </p:cNvSpPr>
-          <p:nvPr>
-            <p:ph type="body" sz="quarter" idx="10"/>
-          </p:nvPr>
-        </p:nvSpPr>
-        <p:spPr>
-          <a:xfrm>
-            <a:off x="774701" y="2427289"/>
-            <a:ext cx="9850967" cy="1362075"/>
-          </a:xfrm>
-          <a:prstGeom prst="rect">
-            <a:avLst/>
-          </a:prstGeom>
-        </p:spPr>
-        <p:txBody>
-          <a:bodyPr/>
-          <a:lstStyle>
-            <a:lvl1pPr marL="0" marR="0" indent="0" algn="l" defTabSz="914400" rtl="0" eaLnBrk="1" fontAlgn="auto" latinLnBrk="0" hangingPunct="1">
-              <a:lnSpc>
-                <a:spcPct val="100000"/>
-              </a:lnSpc>
-              <a:spcBef>
-                <a:spcPct val="20000"/>
-              </a:spcBef>
-              <a:spcAft>
-                <a:spcPts val="0"/>
-              </a:spcAft>
-              <a:buClrTx/>
-              <a:buSzTx/>
-              <a:buFontTx/>
-              <a:buNone/>
-              <a:tabLst/>
-              <a:defRPr>
-                <a:solidFill>
-                  <a:srgbClr val="E89636"/>
-                </a:solidFill>
-              </a:defRPr>
-            </a:lvl1pPr>
-            <a:lvl2pPr marL="457200" indent="0" algn="l" rtl="0">
-              <a:buFontTx/>
-              <a:buNone/>
-              <a:defRPr/>
-            </a:lvl2pPr>
-            <a:lvl3pPr marL="914400" indent="0" algn="l" rtl="0">
-              <a:buFontTx/>
-              <a:buNone/>
-              <a:defRPr/>
-            </a:lvl3pPr>
-            <a:lvl4pPr marL="1371600" indent="0" algn="l" rtl="0">
-              <a:buFontTx/>
-              <a:buNone/>
-              <a:defRPr/>
-            </a:lvl4pPr>
-            <a:lvl5pPr marL="1828800" indent="0" algn="l" rtl="0">
-              <a:buFontTx/>
-              <a:buNone/>
-              <a:defRPr/>
-            </a:lvl5pPr>
-          </a:lstStyle>
-          <a:p>
-            <a:pPr lvl="0"/>
-            <a:r>
-              <a:rPr lang="en-US"/>
-              <a:t>Click to edit Master text styles</a:t>
-            </a:r>
-          </a:p>
-        </p:txBody>
-      </p:sp>
-    </p:spTree>
-    <p:extLst>
-      <p:ext uri="{BB962C8B-B14F-4D97-AF65-F5344CB8AC3E}">
-        <p14:creationId xmlns:p14="http://schemas.microsoft.com/office/powerpoint/2010/main" val="2797336940"/>
-      </p:ext>
-    </p:extLst>
-  </p:cSld>
-  <p:clrMapOvr>
-    <a:masterClrMapping/>
-  </p:clrMapOvr>
-  <p:extLst>
-    <p:ext uri="{DCECCB84-F9BA-43D5-87BE-67443E8EF086}">
-      <p15:sldGuideLst xmlns:p15="http://schemas.microsoft.com/office/powerpoint/2012/main">
-        <p15:guide id="1" orient="horz" pos="789">
-          <p15:clr>
-            <a:srgbClr val="FBAE40"/>
-          </p15:clr>
-        </p15:guide>
-        <p15:guide id="2" pos="612">
-          <p15:clr>
-            <a:srgbClr val="FBAE40"/>
-          </p15:clr>
-        </p15:guide>
-      </p15:sldGuideLst>
-    </p:ext>
-  </p:extLst>
-</p:sldLayout>
-</file>
-
-<file path=ppt/slideLayouts/slideLayout13.xml><?xml version="1.0" encoding="utf-8"?>
 <p:sldLayout xmlns:a="http://schemas.openxmlformats.org/drawingml/2006/main" xmlns:r="http://schemas.openxmlformats.org/officeDocument/2006/relationships" xmlns:p="http://schemas.openxmlformats.org/presentationml/2006/main" userDrawn="1">
   <p:cSld name="Empty Page">
     <p:spTree>
@@ -4445,7 +4257,7 @@
 </p:sldLayout>
 </file>
 
-<file path=ppt/slideLayouts/slideLayout14.xml><?xml version="1.0" encoding="utf-8"?>
+<file path=ppt/slideLayouts/slideLayout13.xml><?xml version="1.0" encoding="utf-8"?>
 <p:sldLayout xmlns:a="http://schemas.openxmlformats.org/drawingml/2006/main" xmlns:r="http://schemas.openxmlformats.org/officeDocument/2006/relationships" xmlns:p="http://schemas.openxmlformats.org/presentationml/2006/main" userDrawn="1">
   <p:cSld name="Demo Page">
     <p:spTree>
@@ -4962,7 +4774,7 @@
 </p:sldLayout>
 </file>
 
-<file path=ppt/slideLayouts/slideLayout15.xml><?xml version="1.0" encoding="utf-8"?>
+<file path=ppt/slideLayouts/slideLayout14.xml><?xml version="1.0" encoding="utf-8"?>
 <p:sldLayout xmlns:a="http://schemas.openxmlformats.org/drawingml/2006/main" xmlns:r="http://schemas.openxmlformats.org/officeDocument/2006/relationships" xmlns:p="http://schemas.openxmlformats.org/presentationml/2006/main" userDrawn="1">
   <p:cSld name="Lab">
     <p:spTree>
@@ -5479,7 +5291,7 @@
 </p:sldLayout>
 </file>
 
-<file path=ppt/slideLayouts/slideLayout16.xml><?xml version="1.0" encoding="utf-8"?>
+<file path=ppt/slideLayouts/slideLayout15.xml><?xml version="1.0" encoding="utf-8"?>
 <p:sldLayout xmlns:a="http://schemas.openxmlformats.org/drawingml/2006/main" xmlns:r="http://schemas.openxmlformats.org/officeDocument/2006/relationships" xmlns:p="http://schemas.openxmlformats.org/presentationml/2006/main" userDrawn="1">
   <p:cSld name="Questions">
     <p:spTree>
@@ -5960,6 +5772,63 @@
 </p:sldLayout>
 </file>
 
+<file path=ppt/slideLayouts/slideLayout16.xml><?xml version="1.0" encoding="utf-8"?>
+<p:sldLayout xmlns:a="http://schemas.openxmlformats.org/drawingml/2006/main" xmlns:r="http://schemas.openxmlformats.org/officeDocument/2006/relationships" xmlns:p="http://schemas.openxmlformats.org/presentationml/2006/main" matchingName="6_Title Slide">
+  <p:cSld name="6_Title Slide">
+    <p:spTree>
+      <p:nvGrpSpPr>
+        <p:cNvPr id="1" name="Shape 16"/>
+        <p:cNvGrpSpPr/>
+        <p:nvPr/>
+      </p:nvGrpSpPr>
+      <p:grpSpPr>
+        <a:xfrm>
+          <a:off x="0" y="0"/>
+          <a:ext cx="0" cy="0"/>
+          <a:chOff x="0" y="0"/>
+          <a:chExt cx="0" cy="0"/>
+        </a:xfrm>
+      </p:grpSpPr>
+      <p:pic>
+        <p:nvPicPr>
+          <p:cNvPr id="17" name="Google Shape;17;p10"/>
+          <p:cNvPicPr preferRelativeResize="0"/>
+          <p:nvPr/>
+        </p:nvPicPr>
+        <p:blipFill rotWithShape="1">
+          <a:blip r:embed="rId2">
+            <a:alphaModFix/>
+          </a:blip>
+          <a:srcRect/>
+          <a:stretch/>
+        </p:blipFill>
+        <p:spPr>
+          <a:xfrm>
+            <a:off x="10668000" y="5981612"/>
+            <a:ext cx="1246029" cy="511263"/>
+          </a:xfrm>
+          <a:prstGeom prst="rect">
+            <a:avLst/>
+          </a:prstGeom>
+          <a:noFill/>
+          <a:ln>
+            <a:noFill/>
+          </a:ln>
+        </p:spPr>
+      </p:pic>
+    </p:spTree>
+    <p:extLst>
+      <p:ext uri="{BB962C8B-B14F-4D97-AF65-F5344CB8AC3E}">
+        <p14:creationId xmlns:p14="http://schemas.microsoft.com/office/powerpoint/2010/main" val="283331768"/>
+      </p:ext>
+    </p:extLst>
+  </p:cSld>
+  <p:clrMapOvr>
+    <a:masterClrMapping/>
+  </p:clrMapOvr>
+</p:sldLayout>
+</file>
+
 <file path=ppt/slideLayouts/slideLayout2.xml><?xml version="1.0" encoding="utf-8"?>
 <p:sldLayout xmlns:a="http://schemas.openxmlformats.org/drawingml/2006/main" xmlns:r="http://schemas.openxmlformats.org/officeDocument/2006/relationships" xmlns:p="http://schemas.openxmlformats.org/presentationml/2006/main" type="obj" preserve="1">
   <p:cSld name="Title and Content">
@@ -8262,11 +8131,11 @@
     <p:sldLayoutId id="2147483657" r:id="rId9"/>
     <p:sldLayoutId id="2147483658" r:id="rId10"/>
     <p:sldLayoutId id="2147483659" r:id="rId11"/>
-    <p:sldLayoutId id="2147483660" r:id="rId12"/>
-    <p:sldLayoutId id="2147483663" r:id="rId13"/>
-    <p:sldLayoutId id="2147483665" r:id="rId14"/>
-    <p:sldLayoutId id="2147483667" r:id="rId15"/>
-    <p:sldLayoutId id="2147483670" r:id="rId16"/>
+    <p:sldLayoutId id="2147483663" r:id="rId12"/>
+    <p:sldLayoutId id="2147483665" r:id="rId13"/>
+    <p:sldLayoutId id="2147483667" r:id="rId14"/>
+    <p:sldLayoutId id="2147483670" r:id="rId15"/>
+    <p:sldLayoutId id="2147483671" r:id="rId16"/>
   </p:sldLayoutIdLst>
   <p:txStyles>
     <p:titleStyle>
@@ -8556,7 +8425,7 @@
   <p:cSld>
     <p:spTree>
       <p:nvGrpSpPr>
-        <p:cNvPr id="1" name=""/>
+        <p:cNvPr id="1" name="Shape 161"/>
         <p:cNvGrpSpPr/>
         <p:nvPr/>
       </p:nvGrpSpPr>
@@ -8570,50 +8439,501 @@
       </p:grpSpPr>
       <p:sp>
         <p:nvSpPr>
-          <p:cNvPr id="2" name="Title 1"/>
-          <p:cNvSpPr>
-            <a:spLocks noGrp="1"/>
-          </p:cNvSpPr>
-          <p:nvPr>
-            <p:ph type="ctrTitle"/>
-          </p:nvPr>
+          <p:cNvPr id="162" name="Google Shape;162;p3"/>
+          <p:cNvSpPr/>
+          <p:nvPr/>
         </p:nvSpPr>
         <p:spPr>
           <a:xfrm>
-            <a:off x="2135560" y="1700808"/>
-            <a:ext cx="7388072" cy="1085850"/>
+            <a:off x="753215" y="731221"/>
+            <a:ext cx="1852408" cy="1804715"/>
           </a:xfrm>
+          <a:prstGeom prst="rect">
+            <a:avLst/>
+          </a:prstGeom>
+          <a:noFill/>
+          <a:ln w="114300" cap="flat" cmpd="sng">
+            <a:solidFill>
+              <a:srgbClr val="0071F6"/>
+            </a:solidFill>
+            <a:prstDash val="solid"/>
+            <a:miter lim="800000"/>
+            <a:headEnd type="none" w="sm" len="sm"/>
+            <a:tailEnd type="none" w="sm" len="sm"/>
+          </a:ln>
         </p:spPr>
         <p:txBody>
-          <a:bodyPr>
-            <a:normAutofit/>
+          <a:bodyPr spcFirstLastPara="1" wrap="square" lIns="91425" tIns="45700" rIns="91425" bIns="45700" anchor="ctr" anchorCtr="0">
+            <a:noAutofit/>
           </a:bodyPr>
           <a:lstStyle/>
           <a:p>
-            <a:r>
-              <a:rPr lang="en-US" dirty="0"/>
+            <a:pPr marL="0" marR="0" lvl="0" indent="0" algn="ctr" rtl="0">
+              <a:spcBef>
+                <a:spcPts val="0"/>
+              </a:spcBef>
+              <a:spcAft>
+                <a:spcPts val="0"/>
+              </a:spcAft>
+              <a:buNone/>
+            </a:pPr>
+            <a:endParaRPr sz="10000" b="0" i="0" u="none" strike="noStrike" cap="none">
+              <a:solidFill>
+                <a:schemeClr val="lt1"/>
+              </a:solidFill>
+              <a:latin typeface="Calibri"/>
+              <a:ea typeface="Calibri"/>
+              <a:cs typeface="Calibri"/>
+              <a:sym typeface="Calibri"/>
+            </a:endParaRPr>
+          </a:p>
+        </p:txBody>
+      </p:sp>
+      <p:sp>
+        <p:nvSpPr>
+          <p:cNvPr id="163" name="Google Shape;163;p3"/>
+          <p:cNvSpPr/>
+          <p:nvPr/>
+        </p:nvSpPr>
+        <p:spPr>
+          <a:xfrm>
+            <a:off x="1024128" y="974550"/>
+            <a:ext cx="1938528" cy="1220010"/>
+          </a:xfrm>
+          <a:prstGeom prst="rect">
+            <a:avLst/>
+          </a:prstGeom>
+          <a:solidFill>
+            <a:schemeClr val="lt1"/>
+          </a:solidFill>
+          <a:ln>
+            <a:noFill/>
+          </a:ln>
+        </p:spPr>
+        <p:txBody>
+          <a:bodyPr spcFirstLastPara="1" wrap="square" lIns="91425" tIns="45700" rIns="91425" bIns="45700" anchor="ctr" anchorCtr="0">
+            <a:noAutofit/>
+          </a:bodyPr>
+          <a:lstStyle/>
+          <a:p>
+            <a:pPr marL="0" marR="0" lvl="0" indent="0" algn="ctr" rtl="0">
+              <a:spcBef>
+                <a:spcPts val="0"/>
+              </a:spcBef>
+              <a:spcAft>
+                <a:spcPts val="0"/>
+              </a:spcAft>
+              <a:buNone/>
+            </a:pPr>
+            <a:endParaRPr sz="1800" b="0" i="0" u="none" strike="noStrike" cap="none">
+              <a:solidFill>
+                <a:schemeClr val="lt1"/>
+              </a:solidFill>
+              <a:latin typeface="Calibri"/>
+              <a:ea typeface="Calibri"/>
+              <a:cs typeface="Calibri"/>
+              <a:sym typeface="Calibri"/>
+            </a:endParaRPr>
+          </a:p>
+        </p:txBody>
+      </p:sp>
+      <p:sp>
+        <p:nvSpPr>
+          <p:cNvPr id="164" name="Google Shape;164;p3"/>
+          <p:cNvSpPr txBox="1"/>
+          <p:nvPr/>
+        </p:nvSpPr>
+        <p:spPr>
+          <a:xfrm>
+            <a:off x="1197504" y="1264978"/>
+            <a:ext cx="9479731" cy="696987"/>
+          </a:xfrm>
+          <a:prstGeom prst="rect">
+            <a:avLst/>
+          </a:prstGeom>
+          <a:noFill/>
+          <a:ln>
+            <a:noFill/>
+          </a:ln>
+        </p:spPr>
+        <p:txBody>
+          <a:bodyPr spcFirstLastPara="1" wrap="square" lIns="0" tIns="0" rIns="0" bIns="0" anchor="t" anchorCtr="0">
+            <a:noAutofit/>
+          </a:bodyPr>
+          <a:lstStyle/>
+          <a:p>
+            <a:pPr marL="0" marR="0" lvl="0" indent="0" algn="l" rtl="0">
+              <a:lnSpc>
+                <a:spcPct val="90000"/>
+              </a:lnSpc>
+              <a:spcBef>
+                <a:spcPts val="0"/>
+              </a:spcBef>
+              <a:spcAft>
+                <a:spcPts val="0"/>
+              </a:spcAft>
+              <a:buClr>
+                <a:schemeClr val="dk1"/>
+              </a:buClr>
+              <a:buSzPts val="5000"/>
+              <a:buFont typeface="Lexend"/>
+              <a:buNone/>
+            </a:pPr>
+            <a:r>
+              <a:rPr lang="en-US" sz="5400" b="1" dirty="0">
+                <a:latin typeface="Lexend" panose="020B0604020202020204"/>
+              </a:rPr>
               <a:t>Module 08 – Sockets</a:t>
             </a:r>
-            <a:endParaRPr lang="he-IL" dirty="0"/>
+            <a:endParaRPr lang="en-US" sz="2000" b="1" i="0" u="none" strike="noStrike" cap="none" dirty="0">
+              <a:solidFill>
+                <a:schemeClr val="tx2">
+                  <a:lumMod val="25000"/>
+                </a:schemeClr>
+              </a:solidFill>
+              <a:latin typeface="Lexend" panose="020B0604020202020204"/>
+              <a:ea typeface="Lexend" panose="020B0604020202020204"/>
+              <a:cs typeface="Lexend" panose="020B0604020202020204"/>
+              <a:sym typeface="Lexend"/>
+            </a:endParaRPr>
           </a:p>
         </p:txBody>
       </p:sp>
+      <p:grpSp>
+        <p:nvGrpSpPr>
+          <p:cNvPr id="26" name="Group 25">
+            <a:extLst>
+              <a:ext uri="{FF2B5EF4-FFF2-40B4-BE49-F238E27FC236}">
+                <a16:creationId xmlns:a16="http://schemas.microsoft.com/office/drawing/2014/main" id="{3707614E-B472-D72F-3362-F3D5800A79AE}"/>
+              </a:ext>
+            </a:extLst>
+          </p:cNvPr>
+          <p:cNvGrpSpPr/>
+          <p:nvPr/>
+        </p:nvGrpSpPr>
+        <p:grpSpPr>
+          <a:xfrm>
+            <a:off x="4768981" y="6314787"/>
+            <a:ext cx="2898939" cy="435065"/>
+            <a:chOff x="4346126" y="6301065"/>
+            <a:chExt cx="2898939" cy="435065"/>
+          </a:xfrm>
+        </p:grpSpPr>
+        <p:sp>
+          <p:nvSpPr>
+            <p:cNvPr id="27" name="Google Shape;157;p2">
+              <a:extLst>
+                <a:ext uri="{FF2B5EF4-FFF2-40B4-BE49-F238E27FC236}">
+                  <a16:creationId xmlns:a16="http://schemas.microsoft.com/office/drawing/2014/main" id="{4EA5EBB7-68D9-5C27-8971-C58931043AB0}"/>
+                </a:ext>
+              </a:extLst>
+            </p:cNvPr>
+            <p:cNvSpPr txBox="1"/>
+            <p:nvPr/>
+          </p:nvSpPr>
+          <p:spPr>
+            <a:xfrm>
+              <a:off x="4346126" y="6301065"/>
+              <a:ext cx="2898939" cy="260080"/>
+            </a:xfrm>
+            <a:prstGeom prst="rect">
+              <a:avLst/>
+            </a:prstGeom>
+            <a:noFill/>
+            <a:ln>
+              <a:noFill/>
+            </a:ln>
+          </p:spPr>
+          <p:txBody>
+            <a:bodyPr spcFirstLastPara="1" wrap="square" lIns="91425" tIns="45700" rIns="91425" bIns="45700" anchor="t" anchorCtr="0">
+              <a:noAutofit/>
+            </a:bodyPr>
+            <a:lstStyle/>
+            <a:p>
+              <a:pPr marL="0" marR="0" lvl="0" indent="0" algn="ctr" rtl="0">
+                <a:lnSpc>
+                  <a:spcPct val="90000"/>
+                </a:lnSpc>
+                <a:spcBef>
+                  <a:spcPts val="0"/>
+                </a:spcBef>
+                <a:spcAft>
+                  <a:spcPts val="0"/>
+                </a:spcAft>
+                <a:buClr>
+                  <a:schemeClr val="lt1"/>
+                </a:buClr>
+                <a:buSzPts val="4000"/>
+                <a:buFont typeface="Lexend"/>
+                <a:buNone/>
+              </a:pPr>
+              <a:r>
+                <a:rPr lang="en-US" sz="1100" b="1" i="0" u="none" strike="noStrike" cap="none" dirty="0">
+                  <a:solidFill>
+                    <a:srgbClr val="00DBE9"/>
+                  </a:solidFill>
+                  <a:latin typeface="+mn-lt"/>
+                  <a:ea typeface="Lexend"/>
+                  <a:cs typeface="+mn-cs"/>
+                  <a:sym typeface="Lexend"/>
+                  <a:hlinkClick r:id="rId3">
+                    <a:extLst>
+                      <a:ext uri="{A12FA001-AC4F-418D-AE19-62706E023703}">
+                        <ahyp:hlinkClr xmlns:ahyp="http://schemas.microsoft.com/office/drawing/2018/hyperlinkcolor" val="tx"/>
+                      </a:ext>
+                    </a:extLst>
+                  </a:hlinkClick>
+                </a:rPr>
+                <a:t>WWW.SELACLOUD.COM</a:t>
+              </a:r>
+              <a:endParaRPr sz="1100" dirty="0">
+                <a:solidFill>
+                  <a:srgbClr val="00DBE9"/>
+                </a:solidFill>
+                <a:latin typeface="+mn-lt"/>
+                <a:cs typeface="+mn-cs"/>
+              </a:endParaRPr>
+            </a:p>
+            <a:p>
+              <a:pPr marL="0" marR="0" lvl="0" indent="0" algn="ctr" rtl="0">
+                <a:lnSpc>
+                  <a:spcPct val="90000"/>
+                </a:lnSpc>
+                <a:spcBef>
+                  <a:spcPts val="0"/>
+                </a:spcBef>
+                <a:spcAft>
+                  <a:spcPts val="0"/>
+                </a:spcAft>
+                <a:buClr>
+                  <a:schemeClr val="lt1"/>
+                </a:buClr>
+                <a:buSzPts val="4000"/>
+                <a:buFont typeface="Noto Sans Hebrew"/>
+                <a:buNone/>
+              </a:pPr>
+              <a:endParaRPr sz="1100" b="1" i="0" u="none" strike="noStrike" cap="none" dirty="0">
+                <a:solidFill>
+                  <a:srgbClr val="00DBE9"/>
+                </a:solidFill>
+                <a:latin typeface="Lexend Light" pitchFamily="2" charset="0"/>
+                <a:ea typeface="Lexend"/>
+                <a:cs typeface="Lexend"/>
+                <a:sym typeface="Lexend"/>
+              </a:endParaRPr>
+            </a:p>
+          </p:txBody>
+        </p:sp>
+        <p:grpSp>
+          <p:nvGrpSpPr>
+            <p:cNvPr id="28" name="Group 27">
+              <a:extLst>
+                <a:ext uri="{FF2B5EF4-FFF2-40B4-BE49-F238E27FC236}">
+                  <a16:creationId xmlns:a16="http://schemas.microsoft.com/office/drawing/2014/main" id="{60FDA890-33F8-40FC-59E2-9BD7B4CF4B60}"/>
+                </a:ext>
+              </a:extLst>
+            </p:cNvPr>
+            <p:cNvGrpSpPr/>
+            <p:nvPr/>
+          </p:nvGrpSpPr>
+          <p:grpSpPr>
+            <a:xfrm>
+              <a:off x="5196988" y="6503312"/>
+              <a:ext cx="1188416" cy="232818"/>
+              <a:chOff x="5196988" y="6503312"/>
+              <a:chExt cx="1188416" cy="232818"/>
+            </a:xfrm>
+          </p:grpSpPr>
+          <p:pic>
+            <p:nvPicPr>
+              <p:cNvPr id="29" name="Picture 28" descr="Icon&#10;&#10;Description automatically generated">
+                <a:hlinkClick r:id="rId4"/>
+                <a:extLst>
+                  <a:ext uri="{FF2B5EF4-FFF2-40B4-BE49-F238E27FC236}">
+                    <a16:creationId xmlns:a16="http://schemas.microsoft.com/office/drawing/2014/main" id="{64501E28-0CD7-BEAB-240F-3FE7691367B8}"/>
+                  </a:ext>
+                </a:extLst>
+              </p:cNvPr>
+              <p:cNvPicPr>
+                <a:picLocks noChangeAspect="1"/>
+              </p:cNvPicPr>
+              <p:nvPr/>
+            </p:nvPicPr>
+            <p:blipFill>
+              <a:blip r:embed="rId5"/>
+              <a:stretch>
+                <a:fillRect/>
+              </a:stretch>
+            </p:blipFill>
+            <p:spPr>
+              <a:xfrm>
+                <a:off x="5407162" y="6503312"/>
+                <a:ext cx="338919" cy="232817"/>
+              </a:xfrm>
+              <a:prstGeom prst="rect">
+                <a:avLst/>
+              </a:prstGeom>
+            </p:spPr>
+          </p:pic>
+          <p:pic>
+            <p:nvPicPr>
+              <p:cNvPr id="30" name="Picture 29" descr="Logo, icon&#10;&#10;Description automatically generated">
+                <a:hlinkClick r:id="rId6"/>
+                <a:extLst>
+                  <a:ext uri="{FF2B5EF4-FFF2-40B4-BE49-F238E27FC236}">
+                    <a16:creationId xmlns:a16="http://schemas.microsoft.com/office/drawing/2014/main" id="{4D899894-16A2-81DC-1AC3-0E3C481677CD}"/>
+                  </a:ext>
+                </a:extLst>
+              </p:cNvPr>
+              <p:cNvPicPr>
+                <a:picLocks noChangeAspect="1"/>
+              </p:cNvPicPr>
+              <p:nvPr/>
+            </p:nvPicPr>
+            <p:blipFill>
+              <a:blip r:embed="rId7"/>
+              <a:stretch>
+                <a:fillRect/>
+              </a:stretch>
+            </p:blipFill>
+            <p:spPr>
+              <a:xfrm>
+                <a:off x="5837917" y="6503313"/>
+                <a:ext cx="338919" cy="232817"/>
+              </a:xfrm>
+              <a:prstGeom prst="rect">
+                <a:avLst/>
+              </a:prstGeom>
+            </p:spPr>
+          </p:pic>
+          <p:pic>
+            <p:nvPicPr>
+              <p:cNvPr id="31" name="Picture 30" descr="Logo&#10;&#10;Description automatically generated">
+                <a:hlinkClick r:id="rId8"/>
+                <a:extLst>
+                  <a:ext uri="{FF2B5EF4-FFF2-40B4-BE49-F238E27FC236}">
+                    <a16:creationId xmlns:a16="http://schemas.microsoft.com/office/drawing/2014/main" id="{6DECAAD2-14ED-D62E-83E5-01D62FD73E58}"/>
+                  </a:ext>
+                </a:extLst>
+              </p:cNvPr>
+              <p:cNvPicPr>
+                <a:picLocks noChangeAspect="1"/>
+              </p:cNvPicPr>
+              <p:nvPr/>
+            </p:nvPicPr>
+            <p:blipFill>
+              <a:blip r:embed="rId9"/>
+              <a:stretch>
+                <a:fillRect/>
+              </a:stretch>
+            </p:blipFill>
+            <p:spPr>
+              <a:xfrm>
+                <a:off x="6046485" y="6503313"/>
+                <a:ext cx="338919" cy="232817"/>
+              </a:xfrm>
+              <a:prstGeom prst="rect">
+                <a:avLst/>
+              </a:prstGeom>
+            </p:spPr>
+          </p:pic>
+          <p:pic>
+            <p:nvPicPr>
+              <p:cNvPr id="32" name="Picture 31" descr="Icon&#10;&#10;Description automatically generated">
+                <a:hlinkClick r:id="rId10"/>
+                <a:extLst>
+                  <a:ext uri="{FF2B5EF4-FFF2-40B4-BE49-F238E27FC236}">
+                    <a16:creationId xmlns:a16="http://schemas.microsoft.com/office/drawing/2014/main" id="{DC102836-817A-8573-C7AB-C2724E6E5F1C}"/>
+                  </a:ext>
+                </a:extLst>
+              </p:cNvPr>
+              <p:cNvPicPr>
+                <a:picLocks noChangeAspect="1"/>
+              </p:cNvPicPr>
+              <p:nvPr/>
+            </p:nvPicPr>
+            <p:blipFill>
+              <a:blip r:embed="rId11"/>
+              <a:stretch>
+                <a:fillRect/>
+              </a:stretch>
+            </p:blipFill>
+            <p:spPr>
+              <a:xfrm>
+                <a:off x="5196988" y="6503312"/>
+                <a:ext cx="338919" cy="232817"/>
+              </a:xfrm>
+              <a:prstGeom prst="rect">
+                <a:avLst/>
+              </a:prstGeom>
+            </p:spPr>
+          </p:pic>
+          <p:pic>
+            <p:nvPicPr>
+              <p:cNvPr id="33" name="Picture 32" descr="Icon&#10;&#10;Description automatically generated">
+                <a:hlinkClick r:id="rId12"/>
+                <a:extLst>
+                  <a:ext uri="{FF2B5EF4-FFF2-40B4-BE49-F238E27FC236}">
+                    <a16:creationId xmlns:a16="http://schemas.microsoft.com/office/drawing/2014/main" id="{F46B6109-4740-9E76-5C84-B96F79785CAF}"/>
+                  </a:ext>
+                </a:extLst>
+              </p:cNvPr>
+              <p:cNvPicPr>
+                <a:picLocks noChangeAspect="1"/>
+              </p:cNvPicPr>
+              <p:nvPr/>
+            </p:nvPicPr>
+            <p:blipFill>
+              <a:blip r:embed="rId13"/>
+              <a:stretch>
+                <a:fillRect/>
+              </a:stretch>
+            </p:blipFill>
+            <p:spPr>
+              <a:xfrm>
+                <a:off x="5626137" y="6503312"/>
+                <a:ext cx="338919" cy="232817"/>
+              </a:xfrm>
+              <a:prstGeom prst="rect">
+                <a:avLst/>
+              </a:prstGeom>
+            </p:spPr>
+          </p:pic>
+        </p:grpSp>
+      </p:grpSp>
     </p:spTree>
-    <p:extLst>
-      <p:ext uri="{BB962C8B-B14F-4D97-AF65-F5344CB8AC3E}">
-        <p14:creationId xmlns:p14="http://schemas.microsoft.com/office/powerpoint/2010/main" val="2844620833"/>
-      </p:ext>
-    </p:extLst>
   </p:cSld>
   <p:clrMapOvr>
     <a:masterClrMapping/>
   </p:clrMapOvr>
+  <mc:AlternateContent xmlns:mc="http://schemas.openxmlformats.org/markup-compatibility/2006" xmlns:p14="http://schemas.microsoft.com/office/powerpoint/2010/main">
+    <mc:Choice Requires="p14">
+      <p:transition spd="slow" p14:dur="2000" advTm="2283"/>
+    </mc:Choice>
+    <mc:Fallback xmlns="">
+      <p:transition spd="slow" advTm="2283"/>
+    </mc:Fallback>
+  </mc:AlternateContent>
 </p:sld>
 </file>
 
 <file path=ppt/slides/slide10.xml><?xml version="1.0" encoding="utf-8"?>
 <p:sld xmlns:a="http://schemas.openxmlformats.org/drawingml/2006/main" xmlns:r="http://schemas.openxmlformats.org/officeDocument/2006/relationships" xmlns:p="http://schemas.openxmlformats.org/presentationml/2006/main">
   <p:cSld>
+    <p:bg>
+      <p:bgPr>
+        <a:blipFill dpi="0" rotWithShape="1">
+          <a:blip r:embed="rId3">
+            <a:lum/>
+          </a:blip>
+          <a:srcRect/>
+          <a:stretch>
+            <a:fillRect/>
+          </a:stretch>
+        </a:blipFill>
+        <a:effectLst/>
+      </p:bgPr>
+    </p:bg>
     <p:spTree>
       <p:nvGrpSpPr>
         <p:cNvPr id="1" name=""/>
@@ -8638,7 +8958,12 @@
             <p:ph type="title"/>
           </p:nvPr>
         </p:nvSpPr>
-        <p:spPr/>
+        <p:spPr>
+          <a:xfrm>
+            <a:off x="838200" y="568908"/>
+            <a:ext cx="10515600" cy="900575"/>
+          </a:xfrm>
+        </p:spPr>
         <p:txBody>
           <a:bodyPr>
             <a:normAutofit/>
@@ -8646,22 +8971,20 @@
           <a:lstStyle/>
           <a:p>
             <a:r>
-              <a:rPr lang="en-US" b="0" i="0" dirty="0">
-                <a:solidFill>
-                  <a:srgbClr val="000000"/>
-                </a:solidFill>
-                <a:effectLst/>
-                <a:latin typeface="+mn-lt"/>
+              <a:rPr lang="en-US" b="1" i="0" dirty="0">
+                <a:solidFill>
+                  <a:srgbClr val="0071F6"/>
+                </a:solidFill>
+                <a:effectLst/>
+                <a:latin typeface="Lexend" panose="020B0604020202020204"/>
               </a:rPr>
               <a:t>Listen for connections on a socket </a:t>
             </a:r>
-            <a:br>
-              <a:rPr lang="en-US" dirty="0">
-                <a:latin typeface="+mn-lt"/>
-              </a:rPr>
-            </a:br>
-            <a:endParaRPr lang="en-US" dirty="0">
-              <a:latin typeface="+mn-lt"/>
+            <a:endParaRPr lang="en-US" b="1" dirty="0">
+              <a:solidFill>
+                <a:srgbClr val="0071F6"/>
+              </a:solidFill>
+              <a:latin typeface="Lexend" panose="020B0604020202020204"/>
               <a:cs typeface="Calibri" panose="020F0502020204030204" pitchFamily="34" charset="0"/>
             </a:endParaRPr>
           </a:p>
@@ -8705,6 +9028,7 @@
                   <a:srgbClr val="000000"/>
                 </a:solidFill>
                 <a:effectLst/>
+                <a:latin typeface="Lexend Light"/>
               </a:rPr>
               <a:t>After binding a socket to an address the server must create a queue for clients wanting to connect to the server. A connect request from a client is queued until the server accepts the connection. </a:t>
             </a:r>
@@ -8719,6 +9043,7 @@
                 <a:srgbClr val="000000"/>
               </a:solidFill>
               <a:effectLst/>
+              <a:latin typeface="Lexend Light"/>
             </a:endParaRPr>
           </a:p>
           <a:p>
@@ -8732,6 +9057,7 @@
                   <a:srgbClr val="000000"/>
                 </a:solidFill>
                 <a:effectLst/>
+                <a:latin typeface="Lexend Light"/>
               </a:rPr>
               <a:t>socket.listen</a:t>
             </a:r>
@@ -8741,40 +9067,38 @@
                   <a:srgbClr val="000000"/>
                 </a:solidFill>
                 <a:effectLst/>
+                <a:latin typeface="Lexend Light"/>
               </a:rPr>
               <a:t>(backlog) </a:t>
             </a:r>
           </a:p>
           <a:p>
-            <a:pPr marL="742950" lvl="1" indent="-285750">
-              <a:buFont typeface="Arial" panose="020B0604020202020204" pitchFamily="34" charset="0"/>
-              <a:buChar char="•"/>
-            </a:pPr>
+            <a:pPr lvl="1"/>
             <a:r>
               <a:rPr lang="en-US" sz="2800" b="0" i="0" dirty="0">
                 <a:solidFill>
                   <a:srgbClr val="000000"/>
                 </a:solidFill>
                 <a:effectLst/>
+                <a:latin typeface="Lexend Light"/>
               </a:rPr>
               <a:t>— The backlog argument specifies the maximum number of queued connections </a:t>
             </a:r>
           </a:p>
           <a:p>
-            <a:pPr marL="742950" lvl="1" indent="-285750">
-              <a:buFont typeface="Arial" panose="020B0604020202020204" pitchFamily="34" charset="0"/>
-              <a:buChar char="•"/>
-            </a:pPr>
+            <a:pPr lvl="1"/>
             <a:r>
               <a:rPr lang="en-US" sz="2800" b="0" i="0" dirty="0">
                 <a:solidFill>
                   <a:srgbClr val="000000"/>
                 </a:solidFill>
                 <a:effectLst/>
+                <a:latin typeface="Lexend Light"/>
               </a:rPr>
               <a:t>— The maximum value is system-dependent (usually 5), the minimum value is forced to 0. </a:t>
             </a:r>
             <a:endParaRPr lang="en-GB" sz="2800" dirty="0">
+              <a:latin typeface="Lexend Light"/>
               <a:cs typeface="Calibri" panose="020F0502020204030204" pitchFamily="34" charset="0"/>
             </a:endParaRPr>
           </a:p>
@@ -8796,6 +9120,20 @@
 <file path=ppt/slides/slide11.xml><?xml version="1.0" encoding="utf-8"?>
 <p:sld xmlns:a="http://schemas.openxmlformats.org/drawingml/2006/main" xmlns:r="http://schemas.openxmlformats.org/officeDocument/2006/relationships" xmlns:p="http://schemas.openxmlformats.org/presentationml/2006/main">
   <p:cSld>
+    <p:bg>
+      <p:bgPr>
+        <a:blipFill dpi="0" rotWithShape="1">
+          <a:blip r:embed="rId3">
+            <a:lum/>
+          </a:blip>
+          <a:srcRect/>
+          <a:stretch>
+            <a:fillRect/>
+          </a:stretch>
+        </a:blipFill>
+        <a:effectLst/>
+      </p:bgPr>
+    </p:bg>
     <p:spTree>
       <p:nvGrpSpPr>
         <p:cNvPr id="1" name=""/>
@@ -8820,7 +9158,12 @@
             <p:ph type="title"/>
           </p:nvPr>
         </p:nvSpPr>
-        <p:spPr/>
+        <p:spPr>
+          <a:xfrm>
+            <a:off x="838200" y="568171"/>
+            <a:ext cx="10515600" cy="838432"/>
+          </a:xfrm>
+        </p:spPr>
         <p:txBody>
           <a:bodyPr>
             <a:normAutofit/>
@@ -8828,22 +9171,20 @@
           <a:lstStyle/>
           <a:p>
             <a:r>
-              <a:rPr lang="en-US" b="0" i="0" dirty="0">
-                <a:solidFill>
-                  <a:srgbClr val="000000"/>
-                </a:solidFill>
-                <a:effectLst/>
-                <a:latin typeface="+mn-lt"/>
+              <a:rPr lang="en-US" b="1" i="0" dirty="0">
+                <a:solidFill>
+                  <a:srgbClr val="0071F6"/>
+                </a:solidFill>
+                <a:effectLst/>
+                <a:latin typeface="Lexend" panose="020B0604020202020204"/>
               </a:rPr>
               <a:t>Accepting Connections </a:t>
             </a:r>
-            <a:br>
-              <a:rPr lang="en-US" dirty="0">
-                <a:latin typeface="+mn-lt"/>
-              </a:rPr>
-            </a:br>
-            <a:endParaRPr lang="en-US" dirty="0">
-              <a:latin typeface="+mn-lt"/>
+            <a:endParaRPr lang="en-US" b="1" dirty="0">
+              <a:solidFill>
+                <a:srgbClr val="0071F6"/>
+              </a:solidFill>
+              <a:latin typeface="Lexend" panose="020B0604020202020204"/>
               <a:cs typeface="Calibri" panose="020F0502020204030204" pitchFamily="34" charset="0"/>
             </a:endParaRPr>
           </a:p>
@@ -8887,6 +9228,7 @@
                   <a:srgbClr val="000000"/>
                 </a:solidFill>
                 <a:effectLst/>
+                <a:latin typeface="Lexend Light"/>
               </a:rPr>
               <a:t>The server, having created, bound socket and created a queue for the clients, can now accept requests from clients</a:t>
             </a:r>
@@ -8902,6 +9244,7 @@
                   <a:srgbClr val="000000"/>
                 </a:solidFill>
                 <a:effectLst/>
+                <a:latin typeface="Lexend Light"/>
               </a:rPr>
               <a:t> </a:t>
             </a:r>
@@ -8911,6 +9254,7 @@
                   <a:srgbClr val="000000"/>
                 </a:solidFill>
                 <a:effectLst/>
+                <a:latin typeface="Lexend Light"/>
               </a:rPr>
               <a:t>socket.accept</a:t>
             </a:r>
@@ -8920,6 +9264,7 @@
                   <a:srgbClr val="000000"/>
                 </a:solidFill>
                 <a:effectLst/>
+                <a:latin typeface="Lexend Light"/>
               </a:rPr>
               <a:t>() </a:t>
             </a:r>
@@ -8931,21 +9276,20 @@
                   <a:srgbClr val="000000"/>
                 </a:solidFill>
                 <a:effectLst/>
+                <a:latin typeface="Lexend Light"/>
               </a:rPr>
               <a:t>	— The return value is a pair (conn, address) where </a:t>
             </a:r>
           </a:p>
           <a:p>
-            <a:pPr marL="1257300" lvl="2" indent="-342900">
-              <a:buFont typeface="Arial" panose="020B0604020202020204" pitchFamily="34" charset="0"/>
-              <a:buChar char="•"/>
-            </a:pPr>
+            <a:pPr lvl="2"/>
             <a:r>
               <a:rPr lang="en-US" sz="3200" b="0" i="0" dirty="0" err="1">
                 <a:solidFill>
                   <a:srgbClr val="000000"/>
                 </a:solidFill>
                 <a:effectLst/>
+                <a:latin typeface="Lexend Light"/>
               </a:rPr>
               <a:t>connis</a:t>
             </a:r>
@@ -8955,23 +9299,22 @@
                   <a:srgbClr val="000000"/>
                 </a:solidFill>
                 <a:effectLst/>
+                <a:latin typeface="Lexend Light"/>
               </a:rPr>
               <a:t> anew socket object usable to send and receive data </a:t>
             </a:r>
           </a:p>
           <a:p>
-            <a:pPr marL="1257300" lvl="2" indent="-342900">
-              <a:buFont typeface="Arial" panose="020B0604020202020204" pitchFamily="34" charset="0"/>
-              <a:buChar char="•"/>
-            </a:pPr>
+            <a:pPr lvl="2"/>
             <a:r>
               <a:rPr lang="en-US" sz="3200" b="0" i="0" dirty="0">
                 <a:solidFill>
                   <a:srgbClr val="000000"/>
                 </a:solidFill>
                 <a:effectLst/>
-              </a:rPr>
-              <a:t> address is the address bound to the client </a:t>
+                <a:latin typeface="Lexend Light"/>
+              </a:rPr>
+              <a:t>— address is the address bound to the client </a:t>
             </a:r>
           </a:p>
           <a:p>
@@ -8985,10 +9328,12 @@
                   <a:srgbClr val="000000"/>
                 </a:solidFill>
                 <a:effectLst/>
+                <a:latin typeface="Lexend Light"/>
               </a:rPr>
               <a:t>accept blocks the calling process until a connection is present.</a:t>
             </a:r>
             <a:endParaRPr lang="en-GB" sz="3200" dirty="0">
+              <a:latin typeface="Lexend Light"/>
               <a:cs typeface="Calibri" panose="020F0502020204030204" pitchFamily="34" charset="0"/>
             </a:endParaRPr>
           </a:p>
@@ -9010,6 +9355,20 @@
 <file path=ppt/slides/slide12.xml><?xml version="1.0" encoding="utf-8"?>
 <p:sld xmlns:a="http://schemas.openxmlformats.org/drawingml/2006/main" xmlns:r="http://schemas.openxmlformats.org/officeDocument/2006/relationships" xmlns:p="http://schemas.openxmlformats.org/presentationml/2006/main">
   <p:cSld>
+    <p:bg>
+      <p:bgPr>
+        <a:blipFill dpi="0" rotWithShape="1">
+          <a:blip r:embed="rId3">
+            <a:lum/>
+          </a:blip>
+          <a:srcRect/>
+          <a:stretch>
+            <a:fillRect/>
+          </a:stretch>
+        </a:blipFill>
+        <a:effectLst/>
+      </p:bgPr>
+    </p:bg>
     <p:spTree>
       <p:nvGrpSpPr>
         <p:cNvPr id="1" name=""/>
@@ -9034,7 +9393,12 @@
             <p:ph type="title"/>
           </p:nvPr>
         </p:nvSpPr>
-        <p:spPr/>
+        <p:spPr>
+          <a:xfrm>
+            <a:off x="838200" y="681038"/>
+            <a:ext cx="10515600" cy="792656"/>
+          </a:xfrm>
+        </p:spPr>
         <p:txBody>
           <a:bodyPr>
             <a:normAutofit/>
@@ -9042,17 +9406,20 @@
           <a:lstStyle/>
           <a:p>
             <a:r>
-              <a:rPr lang="en-US" b="0" i="0" dirty="0">
-                <a:solidFill>
-                  <a:srgbClr val="000000"/>
-                </a:solidFill>
-                <a:effectLst/>
-                <a:latin typeface="+mn-lt"/>
+              <a:rPr lang="en-US" b="1" i="0" dirty="0">
+                <a:solidFill>
+                  <a:srgbClr val="0071F6"/>
+                </a:solidFill>
+                <a:effectLst/>
+                <a:latin typeface="Lexend" panose="020B0604020202020204"/>
               </a:rPr>
               <a:t>Closing Down The Connection</a:t>
             </a:r>
-            <a:endParaRPr lang="en-US" dirty="0">
-              <a:latin typeface="+mn-lt"/>
+            <a:endParaRPr lang="en-US" b="1" dirty="0">
+              <a:solidFill>
+                <a:srgbClr val="0071F6"/>
+              </a:solidFill>
+              <a:latin typeface="Lexend" panose="020B0604020202020204"/>
               <a:cs typeface="Calibri" panose="020F0502020204030204" pitchFamily="34" charset="0"/>
             </a:endParaRPr>
           </a:p>
@@ -9076,11 +9443,12 @@
           <a:lstStyle/>
           <a:p>
             <a:r>
-              <a:rPr lang="en-US" sz="2400" b="0" i="0" dirty="0">
-                <a:solidFill>
-                  <a:srgbClr val="000000"/>
-                </a:solidFill>
-                <a:effectLst/>
+              <a:rPr lang="en-US" sz="2400" i="0" dirty="0">
+                <a:solidFill>
+                  <a:srgbClr val="000000"/>
+                </a:solidFill>
+                <a:effectLst/>
+                <a:latin typeface="Lexend Light"/>
               </a:rPr>
               <a:t>The socket can be closed using </a:t>
             </a:r>
@@ -9090,11 +9458,12 @@
               <a:buNone/>
             </a:pPr>
             <a:r>
-              <a:rPr lang="en-US" b="0" i="0" dirty="0">
-                <a:solidFill>
-                  <a:srgbClr val="000000"/>
-                </a:solidFill>
-                <a:effectLst/>
+              <a:rPr lang="en-US" i="0" dirty="0">
+                <a:solidFill>
+                  <a:srgbClr val="000000"/>
+                </a:solidFill>
+                <a:effectLst/>
+                <a:latin typeface="Lexend Light"/>
               </a:rPr>
               <a:t>— close </a:t>
             </a:r>
@@ -9104,11 +9473,12 @@
               <a:buNone/>
             </a:pPr>
             <a:r>
-              <a:rPr lang="en-US" b="0" i="0" dirty="0">
-                <a:solidFill>
-                  <a:srgbClr val="000000"/>
-                </a:solidFill>
-                <a:effectLst/>
+              <a:rPr lang="en-US" i="0" dirty="0">
+                <a:solidFill>
+                  <a:srgbClr val="000000"/>
+                </a:solidFill>
+                <a:effectLst/>
+                <a:latin typeface="Lexend Light"/>
               </a:rPr>
               <a:t>— shutdown </a:t>
             </a:r>
@@ -9120,6 +9490,7 @@
                   <a:srgbClr val="000000"/>
                 </a:solidFill>
                 <a:effectLst/>
+                <a:latin typeface="Lexend Light"/>
               </a:rPr>
               <a:t>socket.close</a:t>
             </a:r>
@@ -9129,15 +9500,17 @@
                   <a:srgbClr val="000000"/>
                 </a:solidFill>
                 <a:effectLst/>
+                <a:latin typeface="Lexend Light"/>
               </a:rPr>
               <a:t>()- </a:t>
             </a:r>
             <a:r>
-              <a:rPr lang="en-US" sz="2400" b="0" i="0" dirty="0">
-                <a:solidFill>
-                  <a:srgbClr val="000000"/>
-                </a:solidFill>
-                <a:effectLst/>
+              <a:rPr lang="en-US" sz="2400" i="0" dirty="0">
+                <a:solidFill>
+                  <a:srgbClr val="000000"/>
+                </a:solidFill>
+                <a:effectLst/>
+                <a:latin typeface="Lexend Light"/>
               </a:rPr>
               <a:t>close the socket. </a:t>
             </a:r>
@@ -9145,11 +9518,12 @@
           <a:p>
             <a:pPr lvl="1"/>
             <a:r>
-              <a:rPr lang="en-US" sz="1600" b="0" i="0" dirty="0">
-                <a:solidFill>
-                  <a:srgbClr val="000000"/>
-                </a:solidFill>
-                <a:effectLst/>
+              <a:rPr lang="en-US" sz="1600" i="0" dirty="0">
+                <a:solidFill>
+                  <a:srgbClr val="000000"/>
+                </a:solidFill>
+                <a:effectLst/>
+                <a:latin typeface="Lexend Light"/>
               </a:rPr>
               <a:t> All future operations on the socket object will fail. </a:t>
             </a:r>
@@ -9157,11 +9531,12 @@
           <a:p>
             <a:pPr lvl="1"/>
             <a:r>
-              <a:rPr lang="en-US" sz="1600" b="0" i="0" dirty="0">
-                <a:solidFill>
-                  <a:srgbClr val="000000"/>
-                </a:solidFill>
-                <a:effectLst/>
+              <a:rPr lang="en-US" sz="1600" i="0" dirty="0">
+                <a:solidFill>
+                  <a:srgbClr val="000000"/>
+                </a:solidFill>
+                <a:effectLst/>
+                <a:latin typeface="Lexend Light"/>
               </a:rPr>
               <a:t>This function actually destroy the socket </a:t>
             </a:r>
@@ -9173,6 +9548,7 @@
                   <a:srgbClr val="000000"/>
                 </a:solidFill>
                 <a:effectLst/>
+                <a:latin typeface="Lexend Light"/>
               </a:rPr>
               <a:t>socket.shutdown</a:t>
             </a:r>
@@ -9182,15 +9558,17 @@
                   <a:srgbClr val="000000"/>
                 </a:solidFill>
                 <a:effectLst/>
+                <a:latin typeface="Lexend Light"/>
               </a:rPr>
               <a:t>(how) </a:t>
             </a:r>
             <a:r>
-              <a:rPr lang="en-US" sz="2000" b="0" i="0" dirty="0">
-                <a:solidFill>
-                  <a:srgbClr val="000000"/>
-                </a:solidFill>
-                <a:effectLst/>
+              <a:rPr lang="en-US" sz="2000" i="0" dirty="0">
+                <a:solidFill>
+                  <a:srgbClr val="000000"/>
+                </a:solidFill>
+                <a:effectLst/>
+                <a:latin typeface="Lexend Light"/>
               </a:rPr>
               <a:t>– shut down one or both halves of the connection.</a:t>
             </a:r>
@@ -9200,11 +9578,12 @@
               <a:buNone/>
             </a:pPr>
             <a:r>
-              <a:rPr lang="en-US" sz="2000" b="0" i="0" dirty="0">
-                <a:solidFill>
-                  <a:srgbClr val="000000"/>
-                </a:solidFill>
-                <a:effectLst/>
+              <a:rPr lang="en-US" sz="2000" i="0" dirty="0">
+                <a:solidFill>
+                  <a:srgbClr val="000000"/>
+                </a:solidFill>
+                <a:effectLst/>
+                <a:latin typeface="Lexend Light"/>
               </a:rPr>
               <a:t> — If how is SHUT_RD, further receives are disallowed. </a:t>
             </a:r>
@@ -9214,11 +9593,12 @@
               <a:buNone/>
             </a:pPr>
             <a:r>
-              <a:rPr lang="en-US" sz="2000" b="0" i="0" dirty="0">
-                <a:solidFill>
-                  <a:srgbClr val="000000"/>
-                </a:solidFill>
-                <a:effectLst/>
+              <a:rPr lang="en-US" sz="2000" i="0" dirty="0">
+                <a:solidFill>
+                  <a:srgbClr val="000000"/>
+                </a:solidFill>
+                <a:effectLst/>
+                <a:latin typeface="Lexend Light"/>
               </a:rPr>
               <a:t>— If how is SHUT_WR, further sends are disallowed. </a:t>
             </a:r>
@@ -9228,34 +9608,38 @@
               <a:buNone/>
             </a:pPr>
             <a:r>
-              <a:rPr lang="en-US" sz="2000" b="0" i="0" dirty="0">
-                <a:solidFill>
-                  <a:srgbClr val="000000"/>
-                </a:solidFill>
-                <a:effectLst/>
+              <a:rPr lang="en-US" sz="2000" i="0" dirty="0">
+                <a:solidFill>
+                  <a:srgbClr val="000000"/>
+                </a:solidFill>
+                <a:effectLst/>
+                <a:latin typeface="Lexend Light"/>
               </a:rPr>
               <a:t>— If how is SHUT_RDWR, further sends and receives are disallowed. The socket will still be able to receive pending data that already sent</a:t>
             </a:r>
             <a:r>
-              <a:rPr lang="en-US" sz="2000" b="0" i="0" dirty="0">
-                <a:solidFill>
-                  <a:srgbClr val="000000"/>
-                </a:solidFill>
-                <a:effectLst/>
+              <a:rPr lang="en-US" sz="2000" i="0" dirty="0">
+                <a:solidFill>
+                  <a:srgbClr val="000000"/>
+                </a:solidFill>
+                <a:effectLst/>
+                <a:latin typeface="Lexend Light"/>
                 <a:cs typeface="Calibri" panose="020F0502020204030204" pitchFamily="34" charset="0"/>
               </a:rPr>
               <a:t>.</a:t>
             </a:r>
             <a:endParaRPr lang="en-US" sz="2000" dirty="0">
+              <a:latin typeface="Lexend Light"/>
               <a:cs typeface="Calibri" panose="020F0502020204030204" pitchFamily="34" charset="0"/>
             </a:endParaRPr>
           </a:p>
           <a:p>
-            <a:endParaRPr lang="en-US" sz="2400" b="0" i="0" dirty="0">
+            <a:endParaRPr lang="en-US" sz="2400" i="0" dirty="0">
               <a:solidFill>
                 <a:srgbClr val="000000"/>
               </a:solidFill>
               <a:effectLst/>
+              <a:latin typeface="Lexend Light"/>
             </a:endParaRPr>
           </a:p>
         </p:txBody>
@@ -9276,6 +9660,20 @@
 <file path=ppt/slides/slide13.xml><?xml version="1.0" encoding="utf-8"?>
 <p:sld xmlns:a="http://schemas.openxmlformats.org/drawingml/2006/main" xmlns:r="http://schemas.openxmlformats.org/officeDocument/2006/relationships" xmlns:p="http://schemas.openxmlformats.org/presentationml/2006/main">
   <p:cSld>
+    <p:bg>
+      <p:bgPr>
+        <a:blipFill dpi="0" rotWithShape="1">
+          <a:blip r:embed="rId3">
+            <a:lum/>
+          </a:blip>
+          <a:srcRect/>
+          <a:stretch>
+            <a:fillRect/>
+          </a:stretch>
+        </a:blipFill>
+        <a:effectLst/>
+      </p:bgPr>
+    </p:bg>
     <p:spTree>
       <p:nvGrpSpPr>
         <p:cNvPr id="1" name=""/>
@@ -9300,7 +9698,12 @@
             <p:ph type="title"/>
           </p:nvPr>
         </p:nvSpPr>
-        <p:spPr/>
+        <p:spPr>
+          <a:xfrm>
+            <a:off x="838200" y="550416"/>
+            <a:ext cx="10515600" cy="727969"/>
+          </a:xfrm>
+        </p:spPr>
         <p:txBody>
           <a:bodyPr>
             <a:normAutofit/>
@@ -9308,17 +9711,20 @@
           <a:lstStyle/>
           <a:p>
             <a:r>
-              <a:rPr lang="en-US" b="0" i="0" dirty="0">
-                <a:solidFill>
-                  <a:srgbClr val="000000"/>
-                </a:solidFill>
-                <a:effectLst/>
-                <a:latin typeface="+mn-lt"/>
+              <a:rPr lang="en-US" b="1" i="0" dirty="0">
+                <a:solidFill>
+                  <a:srgbClr val="0071F6"/>
+                </a:solidFill>
+                <a:effectLst/>
+                <a:latin typeface="Lexend" panose="020B0604020202020204"/>
               </a:rPr>
               <a:t>The client</a:t>
             </a:r>
-            <a:endParaRPr lang="he-IL" dirty="0">
-              <a:latin typeface="+mn-lt"/>
+            <a:endParaRPr lang="he-IL" b="1" dirty="0">
+              <a:solidFill>
+                <a:srgbClr val="0071F6"/>
+              </a:solidFill>
+              <a:latin typeface="Lexend" panose="020B0604020202020204"/>
               <a:cs typeface="Calibri" panose="020F0502020204030204" pitchFamily="34" charset="0"/>
             </a:endParaRPr>
           </a:p>
@@ -9336,8 +9742,8 @@
         </p:nvSpPr>
         <p:spPr>
           <a:xfrm>
-            <a:off x="643466" y="1574800"/>
-            <a:ext cx="10515600" cy="4918075"/>
+            <a:off x="643466" y="1574801"/>
+            <a:ext cx="10515600" cy="2198210"/>
           </a:xfrm>
         </p:spPr>
         <p:txBody>
@@ -9357,6 +9763,7 @@
                   <a:srgbClr val="000000"/>
                 </a:solidFill>
                 <a:effectLst/>
+                <a:latin typeface="Lexend Light"/>
               </a:rPr>
               <a:t> There is no difference between the client and the server as far as creating the socket is concerned. </a:t>
             </a:r>
@@ -9373,6 +9780,7 @@
                   <a:srgbClr val="000000"/>
                 </a:solidFill>
                 <a:effectLst/>
+                <a:latin typeface="Lexend Light"/>
               </a:rPr>
               <a:t>socket.connect</a:t>
             </a:r>
@@ -9382,6 +9790,7 @@
                   <a:srgbClr val="000000"/>
                 </a:solidFill>
                 <a:effectLst/>
+                <a:latin typeface="Lexend Light"/>
               </a:rPr>
               <a:t>(</a:t>
             </a:r>
@@ -9391,6 +9800,7 @@
                   <a:srgbClr val="000000"/>
                 </a:solidFill>
                 <a:effectLst/>
+                <a:latin typeface="Lexend Light"/>
               </a:rPr>
               <a:t>addr</a:t>
             </a:r>
@@ -9400,6 +9810,7 @@
                   <a:srgbClr val="000000"/>
                 </a:solidFill>
                 <a:effectLst/>
+                <a:latin typeface="Lexend Light"/>
               </a:rPr>
               <a:t>) </a:t>
             </a:r>
@@ -9409,6 +9820,7 @@
                   <a:srgbClr val="000000"/>
                 </a:solidFill>
                 <a:effectLst/>
+                <a:latin typeface="Lexend Light"/>
               </a:rPr>
               <a:t>— connect to remote socket at address - </a:t>
             </a:r>
@@ -9418,10 +9830,12 @@
                   <a:srgbClr val="000000"/>
                 </a:solidFill>
                 <a:effectLst/>
+                <a:latin typeface="Lexend Light"/>
               </a:rPr>
               <a:t>addr</a:t>
             </a:r>
             <a:endParaRPr lang="he-IL" sz="2400" dirty="0">
+              <a:latin typeface="Lexend Light"/>
               <a:cs typeface="Calibri" panose="020F0502020204030204" pitchFamily="34" charset="0"/>
             </a:endParaRPr>
           </a:p>
@@ -9443,6 +9857,20 @@
 <file path=ppt/slides/slide14.xml><?xml version="1.0" encoding="utf-8"?>
 <p:sld xmlns:a="http://schemas.openxmlformats.org/drawingml/2006/main" xmlns:r="http://schemas.openxmlformats.org/officeDocument/2006/relationships" xmlns:p="http://schemas.openxmlformats.org/presentationml/2006/main">
   <p:cSld>
+    <p:bg>
+      <p:bgPr>
+        <a:blipFill dpi="0" rotWithShape="1">
+          <a:blip r:embed="rId2">
+            <a:lum/>
+          </a:blip>
+          <a:srcRect/>
+          <a:stretch>
+            <a:fillRect/>
+          </a:stretch>
+        </a:blipFill>
+        <a:effectLst/>
+      </p:bgPr>
+    </p:bg>
     <p:spTree>
       <p:nvGrpSpPr>
         <p:cNvPr id="1" name=""/>
@@ -9473,10 +9901,14 @@
           <a:lstStyle/>
           <a:p>
             <a:r>
-              <a:rPr lang="en-US" dirty="0"/>
+              <a:rPr lang="en-US" b="1" dirty="0">
+                <a:latin typeface="Lexend Light"/>
+              </a:rPr>
               <a:t>Socket example</a:t>
             </a:r>
-            <a:endParaRPr lang="he-IL" dirty="0"/>
+            <a:endParaRPr lang="he-IL" b="1" dirty="0">
+              <a:latin typeface="Lexend Light"/>
+            </a:endParaRPr>
           </a:p>
         </p:txBody>
       </p:sp>
@@ -9496,6 +9928,20 @@
 <file path=ppt/slides/slide15.xml><?xml version="1.0" encoding="utf-8"?>
 <p:sld xmlns:a="http://schemas.openxmlformats.org/drawingml/2006/main" xmlns:r="http://schemas.openxmlformats.org/officeDocument/2006/relationships" xmlns:p="http://schemas.openxmlformats.org/presentationml/2006/main">
   <p:cSld>
+    <p:bg>
+      <p:bgPr>
+        <a:blipFill dpi="0" rotWithShape="1">
+          <a:blip r:embed="rId3">
+            <a:lum/>
+          </a:blip>
+          <a:srcRect/>
+          <a:stretch>
+            <a:fillRect/>
+          </a:stretch>
+        </a:blipFill>
+        <a:effectLst/>
+      </p:bgPr>
+    </p:bg>
     <p:spTree>
       <p:nvGrpSpPr>
         <p:cNvPr id="1" name=""/>
@@ -9526,17 +9972,17 @@
           <a:lstStyle/>
           <a:p>
             <a:r>
-              <a:rPr lang="en-US" b="0" i="0" dirty="0">
-                <a:solidFill>
-                  <a:srgbClr val="000000"/>
-                </a:solidFill>
-                <a:effectLst/>
-                <a:latin typeface="+mn-lt"/>
+              <a:rPr lang="en-US" b="1" i="0" dirty="0">
+                <a:solidFill>
+                  <a:srgbClr val="000000"/>
+                </a:solidFill>
+                <a:effectLst/>
+                <a:latin typeface="Lexend Light"/>
               </a:rPr>
               <a:t>Socket Example — server side</a:t>
             </a:r>
-            <a:endParaRPr lang="he-IL" dirty="0">
-              <a:latin typeface="+mn-lt"/>
+            <a:endParaRPr lang="he-IL" b="1" dirty="0">
+              <a:latin typeface="Lexend Light"/>
               <a:cs typeface="Calibri" panose="020F0502020204030204" pitchFamily="34" charset="0"/>
             </a:endParaRPr>
           </a:p>
@@ -10514,6 +10960,20 @@
 <file path=ppt/slides/slide16.xml><?xml version="1.0" encoding="utf-8"?>
 <p:sld xmlns:a="http://schemas.openxmlformats.org/drawingml/2006/main" xmlns:r="http://schemas.openxmlformats.org/officeDocument/2006/relationships" xmlns:p="http://schemas.openxmlformats.org/presentationml/2006/main">
   <p:cSld>
+    <p:bg>
+      <p:bgPr>
+        <a:blipFill dpi="0" rotWithShape="1">
+          <a:blip r:embed="rId3">
+            <a:lum/>
+          </a:blip>
+          <a:srcRect/>
+          <a:stretch>
+            <a:fillRect/>
+          </a:stretch>
+        </a:blipFill>
+        <a:effectLst/>
+      </p:bgPr>
+    </p:bg>
     <p:spTree>
       <p:nvGrpSpPr>
         <p:cNvPr id="1" name=""/>
@@ -11259,6 +11719,20 @@
 <file path=ppt/slides/slide17.xml><?xml version="1.0" encoding="utf-8"?>
 <p:sld xmlns:a="http://schemas.openxmlformats.org/drawingml/2006/main" xmlns:r="http://schemas.openxmlformats.org/officeDocument/2006/relationships" xmlns:p="http://schemas.openxmlformats.org/presentationml/2006/main">
   <p:cSld>
+    <p:bg>
+      <p:bgPr>
+        <a:blipFill dpi="0" rotWithShape="1">
+          <a:blip r:embed="rId3">
+            <a:lum/>
+          </a:blip>
+          <a:srcRect/>
+          <a:stretch>
+            <a:fillRect/>
+          </a:stretch>
+        </a:blipFill>
+        <a:effectLst/>
+      </p:bgPr>
+    </p:bg>
     <p:spTree>
       <p:nvGrpSpPr>
         <p:cNvPr id="1" name=""/>
@@ -11291,17 +11765,20 @@
           <a:lstStyle/>
           <a:p>
             <a:r>
-              <a:rPr lang="en-US" b="0" i="0" dirty="0">
-                <a:solidFill>
-                  <a:srgbClr val="000000"/>
-                </a:solidFill>
-                <a:effectLst/>
-                <a:latin typeface="+mn-lt"/>
+              <a:rPr lang="en-US" b="1" i="0" dirty="0">
+                <a:solidFill>
+                  <a:srgbClr val="0071F6"/>
+                </a:solidFill>
+                <a:effectLst/>
+                <a:latin typeface="Lexend" panose="020B0604020202020204"/>
               </a:rPr>
               <a:t>Receive data from the socket</a:t>
             </a:r>
-            <a:endParaRPr lang="he-IL" dirty="0">
-              <a:latin typeface="+mn-lt"/>
+            <a:endParaRPr lang="he-IL" b="1" dirty="0">
+              <a:solidFill>
+                <a:srgbClr val="0071F6"/>
+              </a:solidFill>
+              <a:latin typeface="Lexend" panose="020B0604020202020204"/>
               <a:cs typeface="Calibri" panose="020F0502020204030204" pitchFamily="34" charset="0"/>
             </a:endParaRPr>
           </a:p>
@@ -11321,8 +11798,8 @@
         </p:nvSpPr>
         <p:spPr>
           <a:xfrm>
-            <a:off x="406400" y="1761066"/>
-            <a:ext cx="10871200" cy="3108543"/>
+            <a:off x="815412" y="1761066"/>
+            <a:ext cx="10462187" cy="3539430"/>
           </a:xfrm>
           <a:prstGeom prst="rect">
             <a:avLst/>
@@ -11345,6 +11822,7 @@
                   <a:srgbClr val="000000"/>
                 </a:solidFill>
                 <a:effectLst/>
+                <a:latin typeface="Lexend Light"/>
               </a:rPr>
               <a:t>socket.recv</a:t>
             </a:r>
@@ -11354,6 +11832,7 @@
                   <a:srgbClr val="000000"/>
                 </a:solidFill>
                 <a:effectLst/>
+                <a:latin typeface="Lexend Light"/>
               </a:rPr>
               <a:t>(</a:t>
             </a:r>
@@ -11363,6 +11842,7 @@
                   <a:srgbClr val="000000"/>
                 </a:solidFill>
                 <a:effectLst/>
+                <a:latin typeface="Lexend Light"/>
               </a:rPr>
               <a:t>bufsize</a:t>
             </a:r>
@@ -11372,6 +11852,7 @@
                   <a:srgbClr val="000000"/>
                 </a:solidFill>
                 <a:effectLst/>
+                <a:latin typeface="Lexend Light"/>
               </a:rPr>
               <a:t>) </a:t>
             </a:r>
@@ -11381,6 +11862,7 @@
                   <a:srgbClr val="000000"/>
                 </a:solidFill>
                 <a:effectLst/>
+                <a:latin typeface="Lexend Light"/>
               </a:rPr>
               <a:t>- receive data from the socket.</a:t>
             </a:r>
@@ -11392,6 +11874,7 @@
                   <a:srgbClr val="000000"/>
                 </a:solidFill>
                 <a:effectLst/>
+                <a:latin typeface="Lexend Light"/>
               </a:rPr>
               <a:t> </a:t>
             </a:r>
@@ -11407,6 +11890,7 @@
                   <a:srgbClr val="000000"/>
                 </a:solidFill>
                 <a:effectLst/>
+                <a:latin typeface="Lexend Light"/>
               </a:rPr>
               <a:t>The return value is a string representing the data received. The maximum amount of data to be received at once is specified by </a:t>
             </a:r>
@@ -11416,6 +11900,7 @@
                   <a:srgbClr val="000000"/>
                 </a:solidFill>
                 <a:effectLst/>
+                <a:latin typeface="Lexend Light"/>
               </a:rPr>
               <a:t>bufsize</a:t>
             </a:r>
@@ -11425,6 +11910,7 @@
                   <a:srgbClr val="000000"/>
                 </a:solidFill>
                 <a:effectLst/>
+                <a:latin typeface="Lexend Light"/>
               </a:rPr>
               <a:t>. </a:t>
             </a:r>
@@ -11439,6 +11925,7 @@
                 <a:srgbClr val="000000"/>
               </a:solidFill>
               <a:effectLst/>
+              <a:latin typeface="Lexend Light"/>
             </a:endParaRPr>
           </a:p>
           <a:p>
@@ -11452,15 +11939,17 @@
                   <a:srgbClr val="000000"/>
                 </a:solidFill>
                 <a:effectLst/>
+                <a:latin typeface="Lexend Light"/>
               </a:rPr>
               <a:t>The best </a:t>
             </a:r>
             <a:r>
-              <a:rPr lang="en-US" sz="2800" b="0" i="0" dirty="0" err="1">
-                <a:solidFill>
-                  <a:srgbClr val="000000"/>
-                </a:solidFill>
-                <a:effectLst/>
+              <a:rPr lang="en-US" sz="2800" b="0" i="1" dirty="0" err="1">
+                <a:solidFill>
+                  <a:srgbClr val="000000"/>
+                </a:solidFill>
+                <a:effectLst/>
+                <a:latin typeface="Lexend Light"/>
               </a:rPr>
               <a:t>bufsize</a:t>
             </a:r>
@@ -11470,10 +11959,12 @@
                   <a:srgbClr val="000000"/>
                 </a:solidFill>
                 <a:effectLst/>
+                <a:latin typeface="Lexend Light"/>
               </a:rPr>
               <a:t> match with hardware and network realities should be a relatively small power of 2, for example - 1024</a:t>
             </a:r>
             <a:endParaRPr lang="en-US" sz="2800" dirty="0">
+              <a:latin typeface="Lexend Light"/>
               <a:cs typeface="Calibri" panose="020F0502020204030204" pitchFamily="34" charset="0"/>
             </a:endParaRPr>
           </a:p>
@@ -11495,6 +11986,20 @@
 <file path=ppt/slides/slide18.xml><?xml version="1.0" encoding="utf-8"?>
 <p:sld xmlns:a="http://schemas.openxmlformats.org/drawingml/2006/main" xmlns:r="http://schemas.openxmlformats.org/officeDocument/2006/relationships" xmlns:p="http://schemas.openxmlformats.org/presentationml/2006/main">
   <p:cSld>
+    <p:bg>
+      <p:bgPr>
+        <a:blipFill dpi="0" rotWithShape="1">
+          <a:blip r:embed="rId3">
+            <a:lum/>
+          </a:blip>
+          <a:srcRect/>
+          <a:stretch>
+            <a:fillRect/>
+          </a:stretch>
+        </a:blipFill>
+        <a:effectLst/>
+      </p:bgPr>
+    </p:bg>
     <p:spTree>
       <p:nvGrpSpPr>
         <p:cNvPr id="1" name=""/>
@@ -11522,27 +12027,25 @@
         <p:spPr/>
         <p:txBody>
           <a:bodyPr>
-            <a:normAutofit fontScale="90000"/>
+            <a:normAutofit/>
           </a:bodyPr>
           <a:lstStyle/>
           <a:p>
             <a:r>
-              <a:rPr lang="en-US" b="0" i="0" dirty="0">
-                <a:solidFill>
-                  <a:srgbClr val="000000"/>
-                </a:solidFill>
-                <a:effectLst/>
-                <a:latin typeface="+mn-lt"/>
+              <a:rPr lang="en-US" b="1" i="0" dirty="0">
+                <a:solidFill>
+                  <a:srgbClr val="0071F6"/>
+                </a:solidFill>
+                <a:effectLst/>
+                <a:latin typeface="Lexend" panose="020B0604020202020204"/>
               </a:rPr>
               <a:t>Send data to the socket </a:t>
             </a:r>
-            <a:br>
-              <a:rPr lang="en-US" dirty="0">
-                <a:latin typeface="+mn-lt"/>
-              </a:rPr>
-            </a:br>
-            <a:endParaRPr lang="he-IL" dirty="0">
-              <a:latin typeface="+mn-lt"/>
+            <a:endParaRPr lang="he-IL" b="1" dirty="0">
+              <a:solidFill>
+                <a:srgbClr val="0071F6"/>
+              </a:solidFill>
+              <a:latin typeface="Lexend" panose="020B0604020202020204"/>
             </a:endParaRPr>
           </a:p>
         </p:txBody>
@@ -11588,6 +12091,7 @@
                   <a:srgbClr val="000000"/>
                 </a:solidFill>
                 <a:effectLst/>
+                <a:latin typeface="Lexend Light"/>
               </a:rPr>
               <a:t>socket.send</a:t>
             </a:r>
@@ -11597,6 +12101,7 @@
                   <a:srgbClr val="000000"/>
                 </a:solidFill>
                 <a:effectLst/>
+                <a:latin typeface="Lexend Light"/>
               </a:rPr>
               <a:t>(string) </a:t>
             </a:r>
@@ -11606,6 +12111,7 @@
                   <a:srgbClr val="000000"/>
                 </a:solidFill>
                 <a:effectLst/>
+                <a:latin typeface="Lexend Light"/>
               </a:rPr>
               <a:t>- send data to the socket. </a:t>
             </a:r>
@@ -11622,6 +12128,7 @@
                   <a:srgbClr val="000000"/>
                 </a:solidFill>
                 <a:effectLst/>
+                <a:latin typeface="Lexend Light"/>
               </a:rPr>
               <a:t>	— Returns the number of bytes sent. </a:t>
             </a:r>
@@ -11638,6 +12145,7 @@
               <a:solidFill>
                 <a:srgbClr val="000000"/>
               </a:solidFill>
+              <a:latin typeface="Lexend Light"/>
             </a:endParaRPr>
           </a:p>
           <a:p>
@@ -11654,6 +12162,7 @@
                   <a:srgbClr val="000000"/>
                 </a:solidFill>
                 <a:effectLst/>
+                <a:latin typeface="Lexend Light"/>
               </a:rPr>
               <a:t>socket.sendall</a:t>
             </a:r>
@@ -11663,6 +12172,7 @@
                   <a:srgbClr val="000000"/>
                 </a:solidFill>
                 <a:effectLst/>
+                <a:latin typeface="Lexend Light"/>
               </a:rPr>
               <a:t>(string) </a:t>
             </a:r>
@@ -11672,6 +12182,7 @@
                   <a:srgbClr val="000000"/>
                 </a:solidFill>
                 <a:effectLst/>
+                <a:latin typeface="Lexend Light"/>
               </a:rPr>
               <a:t>- send data to the socket. Unlike send(), this method continues to send data from string until either all data has been sent or an error occurs. </a:t>
             </a:r>
@@ -11688,6 +12199,7 @@
                   <a:srgbClr val="000000"/>
                 </a:solidFill>
                 <a:effectLst/>
+                <a:latin typeface="Lexend Light"/>
               </a:rPr>
               <a:t>— None is returned on success. </a:t>
             </a:r>
@@ -11704,6 +12216,7 @@
                   <a:srgbClr val="000000"/>
                 </a:solidFill>
                 <a:effectLst/>
+                <a:latin typeface="Lexend Light"/>
               </a:rPr>
               <a:t>— </a:t>
             </a:r>
@@ -11713,6 +12226,7 @@
                   <a:srgbClr val="000000"/>
                 </a:solidFill>
                 <a:effectLst/>
+                <a:latin typeface="Lexend Light"/>
               </a:rPr>
               <a:t>Anexception</a:t>
             </a:r>
@@ -11722,6 +12236,7 @@
                   <a:srgbClr val="000000"/>
                 </a:solidFill>
                 <a:effectLst/>
+                <a:latin typeface="Lexend Light"/>
               </a:rPr>
               <a:t> is raised on error. </a:t>
             </a:r>
@@ -11738,10 +12253,12 @@
                   <a:srgbClr val="000000"/>
                 </a:solidFill>
                 <a:effectLst/>
+                <a:latin typeface="Lexend Light"/>
               </a:rPr>
               <a:t>— In case of error, there is no way to determine how much data, + if any, was successfully sent.</a:t>
             </a:r>
             <a:endParaRPr lang="en-US" sz="2000" dirty="0">
+              <a:latin typeface="Lexend Light"/>
               <a:cs typeface="Calibri" panose="020F0502020204030204" pitchFamily="34" charset="0"/>
             </a:endParaRPr>
           </a:p>
@@ -11763,6 +12280,20 @@
 <file path=ppt/slides/slide19.xml><?xml version="1.0" encoding="utf-8"?>
 <p:sld xmlns:a="http://schemas.openxmlformats.org/drawingml/2006/main" xmlns:r="http://schemas.openxmlformats.org/officeDocument/2006/relationships" xmlns:p="http://schemas.openxmlformats.org/presentationml/2006/main">
   <p:cSld>
+    <p:bg>
+      <p:bgPr>
+        <a:blipFill dpi="0" rotWithShape="1">
+          <a:blip r:embed="rId3">
+            <a:lum/>
+          </a:blip>
+          <a:srcRect/>
+          <a:stretch>
+            <a:fillRect/>
+          </a:stretch>
+        </a:blipFill>
+        <a:effectLst/>
+      </p:bgPr>
+    </p:bg>
     <p:spTree>
       <p:nvGrpSpPr>
         <p:cNvPr id="1" name=""/>
@@ -11787,30 +12318,33 @@
             <p:ph type="title"/>
           </p:nvPr>
         </p:nvSpPr>
-        <p:spPr/>
+        <p:spPr>
+          <a:xfrm>
+            <a:off x="767408" y="537327"/>
+            <a:ext cx="10657184" cy="720000"/>
+          </a:xfrm>
+        </p:spPr>
         <p:txBody>
           <a:bodyPr>
-            <a:normAutofit fontScale="90000"/>
+            <a:normAutofit/>
           </a:bodyPr>
           <a:lstStyle/>
           <a:p>
             <a:r>
-              <a:rPr lang="en-US" b="0" i="0" dirty="0">
-                <a:solidFill>
-                  <a:srgbClr val="000000"/>
-                </a:solidFill>
-                <a:effectLst/>
-                <a:latin typeface="+mn-lt"/>
+              <a:rPr lang="en-US" b="1" i="0" dirty="0">
+                <a:solidFill>
+                  <a:srgbClr val="0071F6"/>
+                </a:solidFill>
+                <a:effectLst/>
+                <a:latin typeface="Lexend" panose="020B0604020202020204"/>
               </a:rPr>
               <a:t>Getting host by name </a:t>
             </a:r>
-            <a:br>
-              <a:rPr lang="en-US" dirty="0">
-                <a:latin typeface="+mn-lt"/>
-              </a:rPr>
-            </a:br>
-            <a:endParaRPr lang="he-IL" dirty="0">
-              <a:latin typeface="+mn-lt"/>
+            <a:endParaRPr lang="he-IL" b="1" dirty="0">
+              <a:solidFill>
+                <a:srgbClr val="0071F6"/>
+              </a:solidFill>
+              <a:latin typeface="Lexend" panose="020B0604020202020204"/>
             </a:endParaRPr>
           </a:p>
         </p:txBody>
@@ -11848,38 +12382,32 @@
               <a:buChar char="•"/>
             </a:pPr>
             <a:r>
+              <a:rPr lang="en-US" sz="2800" b="1" i="0" dirty="0" err="1">
+                <a:solidFill>
+                  <a:srgbClr val="000000"/>
+                </a:solidFill>
+                <a:effectLst/>
+                <a:latin typeface="Lexend Light"/>
+              </a:rPr>
+              <a:t>socket.gethostbyname</a:t>
+            </a:r>
+            <a:r>
+              <a:rPr lang="en-US" sz="2800" b="1" i="0" dirty="0">
+                <a:solidFill>
+                  <a:srgbClr val="000000"/>
+                </a:solidFill>
+                <a:effectLst/>
+                <a:latin typeface="Lexend Light"/>
+              </a:rPr>
+              <a:t>(hostname) </a:t>
+            </a:r>
+            <a:r>
               <a:rPr lang="en-US" sz="2800" b="0" i="0" dirty="0">
                 <a:solidFill>
                   <a:srgbClr val="000000"/>
                 </a:solidFill>
                 <a:effectLst/>
-              </a:rPr>
-              <a:t>* </a:t>
-            </a:r>
-            <a:r>
-              <a:rPr lang="en-US" sz="2800" b="1" i="0" dirty="0" err="1">
-                <a:solidFill>
-                  <a:srgbClr val="000000"/>
-                </a:solidFill>
-                <a:effectLst/>
-              </a:rPr>
-              <a:t>socket.gethostbyname</a:t>
-            </a:r>
-            <a:r>
-              <a:rPr lang="en-US" sz="2800" b="1" i="0" dirty="0">
-                <a:solidFill>
-                  <a:srgbClr val="000000"/>
-                </a:solidFill>
-                <a:effectLst/>
-              </a:rPr>
-              <a:t>(hostname) </a:t>
-            </a:r>
-            <a:r>
-              <a:rPr lang="en-US" sz="2800" b="0" i="0" dirty="0">
-                <a:solidFill>
-                  <a:srgbClr val="000000"/>
-                </a:solidFill>
-                <a:effectLst/>
+                <a:latin typeface="Lexend Light"/>
               </a:rPr>
               <a:t>- translate a host name to IPv4 address format. </a:t>
             </a:r>
@@ -11894,6 +12422,7 @@
                 <a:srgbClr val="000000"/>
               </a:solidFill>
               <a:effectLst/>
+              <a:latin typeface="Lexend Light"/>
             </a:endParaRPr>
           </a:p>
           <a:p>
@@ -11907,6 +12436,7 @@
                   <a:srgbClr val="000000"/>
                 </a:solidFill>
                 <a:effectLst/>
+                <a:latin typeface="Lexend Light"/>
               </a:rPr>
               <a:t> The IPv4 address is returned as a string, such as '100.50.200.5’. </a:t>
             </a:r>
@@ -11921,6 +12451,7 @@
                 <a:srgbClr val="000000"/>
               </a:solidFill>
               <a:effectLst/>
+              <a:latin typeface="Lexend Light"/>
             </a:endParaRPr>
           </a:p>
           <a:p>
@@ -11934,6 +12465,7 @@
                   <a:srgbClr val="000000"/>
                 </a:solidFill>
                 <a:effectLst/>
+                <a:latin typeface="Lexend Light"/>
               </a:rPr>
               <a:t>If the host name is an IPv4 address itself it is returned unchanged. </a:t>
             </a:r>
@@ -11948,6 +12480,7 @@
                 <a:srgbClr val="000000"/>
               </a:solidFill>
               <a:effectLst/>
+              <a:latin typeface="Lexend Light"/>
             </a:endParaRPr>
           </a:p>
           <a:p>
@@ -11961,6 +12494,7 @@
                   <a:srgbClr val="000000"/>
                 </a:solidFill>
                 <a:effectLst/>
+                <a:latin typeface="Lexend Light"/>
               </a:rPr>
               <a:t> </a:t>
             </a:r>
@@ -11970,6 +12504,7 @@
                   <a:srgbClr val="000000"/>
                 </a:solidFill>
                 <a:effectLst/>
+                <a:latin typeface="Lexend Light"/>
               </a:rPr>
               <a:t>gethostbyname</a:t>
             </a:r>
@@ -11979,6 +12514,7 @@
                   <a:srgbClr val="000000"/>
                 </a:solidFill>
                 <a:effectLst/>
+                <a:latin typeface="Lexend Light"/>
               </a:rPr>
               <a:t>() </a:t>
             </a:r>
@@ -11988,31 +12524,47 @@
                   <a:srgbClr val="000000"/>
                 </a:solidFill>
                 <a:effectLst/>
+                <a:latin typeface="Lexend Light"/>
               </a:rPr>
               <a:t>does not support IPv6 name resolution. Use </a:t>
             </a:r>
             <a:r>
-              <a:rPr lang="en-US" sz="2800" b="0" i="0" dirty="0" err="1">
-                <a:solidFill>
-                  <a:srgbClr val="000000"/>
-                </a:solidFill>
-                <a:effectLst/>
+              <a:rPr lang="en-US" sz="2800" b="1" i="0" dirty="0" err="1">
+                <a:solidFill>
+                  <a:srgbClr val="000000"/>
+                </a:solidFill>
+                <a:effectLst/>
+                <a:latin typeface="Lexend Light"/>
               </a:rPr>
               <a:t>getaddrinfo</a:t>
             </a:r>
             <a:r>
+              <a:rPr lang="en-US" sz="2800" b="1" i="0" dirty="0">
+                <a:solidFill>
+                  <a:srgbClr val="000000"/>
+                </a:solidFill>
+                <a:effectLst/>
+                <a:latin typeface="Lexend Light"/>
+              </a:rPr>
+              <a:t>() </a:t>
+            </a:r>
+            <a:r>
               <a:rPr lang="en-US" sz="2800" b="0" i="0" dirty="0">
                 <a:solidFill>
                   <a:srgbClr val="000000"/>
                 </a:solidFill>
                 <a:effectLst/>
-              </a:rPr>
-              <a:t>() instead for  </a:t>
+                <a:latin typeface="Lexend Light"/>
+              </a:rPr>
+              <a:t>instead for  </a:t>
             </a:r>
             <a:br>
-              <a:rPr lang="en-US" sz="1600" dirty="0"/>
+              <a:rPr lang="en-US" sz="1600" dirty="0">
+                <a:latin typeface="Lexend Light"/>
+              </a:rPr>
             </a:br>
             <a:endParaRPr lang="en-US" sz="1600" dirty="0">
+              <a:latin typeface="Lexend Light"/>
               <a:cs typeface="Calibri" panose="020F0502020204030204" pitchFamily="34" charset="0"/>
             </a:endParaRPr>
           </a:p>
@@ -12034,6 +12586,20 @@
 <file path=ppt/slides/slide2.xml><?xml version="1.0" encoding="utf-8"?>
 <p:sld xmlns:a="http://schemas.openxmlformats.org/drawingml/2006/main" xmlns:r="http://schemas.openxmlformats.org/officeDocument/2006/relationships" xmlns:p="http://schemas.openxmlformats.org/presentationml/2006/main">
   <p:cSld>
+    <p:bg>
+      <p:bgPr>
+        <a:blipFill dpi="0" rotWithShape="1">
+          <a:blip r:embed="rId3">
+            <a:lum/>
+          </a:blip>
+          <a:srcRect/>
+          <a:stretch>
+            <a:fillRect/>
+          </a:stretch>
+        </a:blipFill>
+        <a:effectLst/>
+      </p:bgPr>
+    </p:bg>
     <p:spTree>
       <p:nvGrpSpPr>
         <p:cNvPr id="1" name=""/>
@@ -12064,22 +12630,20 @@
           <a:lstStyle/>
           <a:p>
             <a:r>
-              <a:rPr lang="en-US" b="0" i="0" dirty="0">
-                <a:solidFill>
-                  <a:srgbClr val="000000"/>
-                </a:solidFill>
-                <a:effectLst/>
-                <a:latin typeface="+mn-lt"/>
+              <a:rPr lang="en-US" b="1" i="0" dirty="0">
+                <a:solidFill>
+                  <a:srgbClr val="0071F6"/>
+                </a:solidFill>
+                <a:effectLst/>
+                <a:latin typeface="Lexend" panose="020B0604020202020204"/>
               </a:rPr>
               <a:t>What Is A Socket? </a:t>
             </a:r>
-            <a:br>
-              <a:rPr lang="en-US" dirty="0">
-                <a:latin typeface="+mn-lt"/>
-              </a:rPr>
-            </a:br>
-            <a:endParaRPr lang="he-IL" dirty="0">
-              <a:latin typeface="+mn-lt"/>
+            <a:endParaRPr lang="he-IL" b="1" dirty="0">
+              <a:solidFill>
+                <a:srgbClr val="0071F6"/>
+              </a:solidFill>
+              <a:latin typeface="Lexend" panose="020B0604020202020204"/>
             </a:endParaRPr>
           </a:p>
         </p:txBody>
@@ -12112,6 +12676,7 @@
                 <a:solidFill>
                   <a:srgbClr val="000000"/>
                 </a:solidFill>
+                <a:latin typeface="Lexend Light"/>
               </a:rPr>
               <a:t>S</a:t>
             </a:r>
@@ -12121,6 +12686,7 @@
                   <a:srgbClr val="000000"/>
                 </a:solidFill>
                 <a:effectLst/>
+                <a:latin typeface="Lexend Light"/>
               </a:rPr>
               <a:t>ocket is an endpoint for communicating processes across a network. The socket mechanism is versatile, supporting both connection oriented communications (stream sockets) providing point to point communications, and connectionless communications (datagram sockets) providing the ability to broadcast information. </a:t>
             </a:r>
@@ -12132,6 +12698,7 @@
                 <a:srgbClr val="000000"/>
               </a:solidFill>
               <a:effectLst/>
+              <a:latin typeface="Lexend Light"/>
             </a:endParaRPr>
           </a:p>
           <a:p>
@@ -12142,6 +12709,7 @@
                   <a:srgbClr val="000000"/>
                 </a:solidFill>
                 <a:effectLst/>
+                <a:latin typeface="Lexend Light"/>
               </a:rPr>
               <a:t>An applications plugs in to the network, sending and receiving data, through a socket. </a:t>
             </a:r>
@@ -12153,6 +12721,7 @@
                 <a:srgbClr val="000000"/>
               </a:solidFill>
               <a:effectLst/>
+              <a:latin typeface="Lexend Light"/>
             </a:endParaRPr>
           </a:p>
           <a:p>
@@ -12163,6 +12732,7 @@
                   <a:srgbClr val="000000"/>
                 </a:solidFill>
                 <a:effectLst/>
+                <a:latin typeface="Lexend Light"/>
               </a:rPr>
               <a:t>The socket mechanism allows the programmer full control over virtually every aspect of the programming. Which protocol transport the data, the domain, etc.</a:t>
             </a:r>
@@ -12171,6 +12741,7 @@
                 <a:srgbClr val="000000"/>
               </a:solidFill>
               <a:effectLst/>
+              <a:latin typeface="Lexend Light"/>
             </a:endParaRPr>
           </a:p>
         </p:txBody>
@@ -12190,7 +12761,7 @@
           <p:nvPr/>
         </p:nvPicPr>
         <p:blipFill>
-          <a:blip r:embed="rId3">
+          <a:blip r:embed="rId4">
             <a:extLst>
               <a:ext uri="{28A0092B-C50C-407E-A947-70E740481C1C}">
                 <a14:useLocalDpi xmlns:a14="http://schemas.microsoft.com/office/drawing/2010/main" val="0"/>
@@ -12204,7 +12775,7 @@
         </p:blipFill>
         <p:spPr bwMode="auto">
           <a:xfrm>
-            <a:off x="7519386" y="1356388"/>
+            <a:off x="7519386" y="1672300"/>
             <a:ext cx="4280492" cy="4820575"/>
           </a:xfrm>
           <a:prstGeom prst="rect">
@@ -12238,6 +12809,20 @@
 <file path=ppt/slides/slide20.xml><?xml version="1.0" encoding="utf-8"?>
 <p:sld xmlns:a="http://schemas.openxmlformats.org/drawingml/2006/main" xmlns:r="http://schemas.openxmlformats.org/officeDocument/2006/relationships" xmlns:p="http://schemas.openxmlformats.org/presentationml/2006/main">
   <p:cSld>
+    <p:bg>
+      <p:bgPr>
+        <a:blipFill dpi="0" rotWithShape="1">
+          <a:blip r:embed="rId2">
+            <a:lum/>
+          </a:blip>
+          <a:srcRect/>
+          <a:stretch>
+            <a:fillRect/>
+          </a:stretch>
+        </a:blipFill>
+        <a:effectLst/>
+      </p:bgPr>
+    </p:bg>
     <p:spTree>
       <p:nvGrpSpPr>
         <p:cNvPr id="1" name=""/>
@@ -12268,10 +12853,14 @@
           <a:lstStyle/>
           <a:p>
             <a:r>
-              <a:rPr lang="en-US"/>
+              <a:rPr lang="en-US" b="1" dirty="0">
+                <a:latin typeface="Lexend Light"/>
+              </a:rPr>
               <a:t>Lab 01</a:t>
             </a:r>
-            <a:endParaRPr lang="he-IL"/>
+            <a:endParaRPr lang="he-IL" b="1" dirty="0">
+              <a:latin typeface="Lexend Light"/>
+            </a:endParaRPr>
           </a:p>
         </p:txBody>
       </p:sp>
@@ -12291,6 +12880,20 @@
 <file path=ppt/slides/slide21.xml><?xml version="1.0" encoding="utf-8"?>
 <p:sld xmlns:a="http://schemas.openxmlformats.org/drawingml/2006/main" xmlns:r="http://schemas.openxmlformats.org/officeDocument/2006/relationships" xmlns:p="http://schemas.openxmlformats.org/presentationml/2006/main">
   <p:cSld>
+    <p:bg>
+      <p:bgPr>
+        <a:blipFill dpi="0" rotWithShape="1">
+          <a:blip r:embed="rId2">
+            <a:lum/>
+          </a:blip>
+          <a:srcRect/>
+          <a:stretch>
+            <a:fillRect/>
+          </a:stretch>
+        </a:blipFill>
+        <a:effectLst/>
+      </p:bgPr>
+    </p:bg>
     <p:spTree>
       <p:nvGrpSpPr>
         <p:cNvPr id="1" name=""/>
@@ -12321,6 +12924,20 @@
 <file path=ppt/slides/slide3.xml><?xml version="1.0" encoding="utf-8"?>
 <p:sld xmlns:a="http://schemas.openxmlformats.org/drawingml/2006/main" xmlns:r="http://schemas.openxmlformats.org/officeDocument/2006/relationships" xmlns:p="http://schemas.openxmlformats.org/presentationml/2006/main">
   <p:cSld>
+    <p:bg>
+      <p:bgPr>
+        <a:blipFill dpi="0" rotWithShape="1">
+          <a:blip r:embed="rId3">
+            <a:lum/>
+          </a:blip>
+          <a:srcRect/>
+          <a:stretch>
+            <a:fillRect/>
+          </a:stretch>
+        </a:blipFill>
+        <a:effectLst/>
+      </p:bgPr>
+    </p:bg>
     <p:spTree>
       <p:nvGrpSpPr>
         <p:cNvPr id="1" name=""/>
@@ -12353,17 +12970,20 @@
           <a:lstStyle/>
           <a:p>
             <a:r>
-              <a:rPr lang="en-US" b="0" i="0" dirty="0">
-                <a:solidFill>
-                  <a:srgbClr val="000000"/>
-                </a:solidFill>
-                <a:effectLst/>
-                <a:latin typeface="+mn-lt"/>
+              <a:rPr lang="en-US" b="1" i="0" dirty="0">
+                <a:solidFill>
+                  <a:srgbClr val="0071F6"/>
+                </a:solidFill>
+                <a:effectLst/>
+                <a:latin typeface="Lexend" panose="020B0604020202020204"/>
               </a:rPr>
               <a:t>Protocols types - TCP</a:t>
             </a:r>
-            <a:endParaRPr lang="he-IL" dirty="0">
-              <a:latin typeface="+mn-lt"/>
+            <a:endParaRPr lang="he-IL" b="1" dirty="0">
+              <a:solidFill>
+                <a:srgbClr val="0071F6"/>
+              </a:solidFill>
+              <a:latin typeface="Lexend" panose="020B0604020202020204"/>
             </a:endParaRPr>
           </a:p>
         </p:txBody>
@@ -12399,6 +13019,7 @@
                   <a:srgbClr val="000000"/>
                 </a:solidFill>
                 <a:effectLst/>
+                <a:latin typeface="Lexend Light"/>
               </a:rPr>
               <a:t>Connection Oriented Communications — TCP: </a:t>
             </a:r>
@@ -12413,6 +13034,7 @@
                   <a:srgbClr val="000000"/>
                 </a:solidFill>
                 <a:effectLst/>
+                <a:latin typeface="Lexend Light"/>
               </a:rPr>
               <a:t>	— The Transmission Control Protocol, better known as TCP, is one of the widely used 	protocols. </a:t>
             </a:r>
@@ -12427,6 +13049,7 @@
                   <a:srgbClr val="000000"/>
                 </a:solidFill>
                 <a:effectLst/>
+                <a:latin typeface="Lexend Light"/>
               </a:rPr>
               <a:t>	— Applications using this protocol will connect to each and then pass information, just like 	when you use the phone. </a:t>
             </a:r>
@@ -12441,6 +13064,7 @@
                   <a:srgbClr val="000000"/>
                 </a:solidFill>
                 <a:effectLst/>
+                <a:latin typeface="Lexend Light"/>
               </a:rPr>
               <a:t>	— The protocol make the data to be received safely: </a:t>
             </a:r>
@@ -12455,6 +13079,7 @@
                   <a:srgbClr val="000000"/>
                 </a:solidFill>
                 <a:effectLst/>
+                <a:latin typeface="Lexend Light"/>
               </a:rPr>
               <a:t>		- In order</a:t>
             </a:r>
@@ -12468,6 +13093,7 @@
                 <a:solidFill>
                   <a:srgbClr val="000000"/>
                 </a:solidFill>
+                <a:latin typeface="Lexend Light"/>
               </a:rPr>
               <a:t>		- Without errors</a:t>
             </a:r>
@@ -12482,6 +13108,7 @@
                   <a:srgbClr val="000000"/>
                 </a:solidFill>
                 <a:effectLst/>
+                <a:latin typeface="Lexend Light"/>
               </a:rPr>
               <a:t>		- </a:t>
             </a:r>
@@ -12491,6 +13118,7 @@
                   <a:srgbClr val="000000"/>
                 </a:solidFill>
                 <a:effectLst/>
+                <a:latin typeface="Lexend Light"/>
               </a:rPr>
               <a:t>etc</a:t>
             </a:r>
@@ -12499,6 +13127,7 @@
                 <a:srgbClr val="000000"/>
               </a:solidFill>
               <a:effectLst/>
+              <a:latin typeface="Lexend Light"/>
             </a:endParaRPr>
           </a:p>
         </p:txBody>
@@ -12509,6 +13138,229 @@
             <a:extLst>
               <a:ext uri="{FF2B5EF4-FFF2-40B4-BE49-F238E27FC236}">
                 <a16:creationId xmlns:a16="http://schemas.microsoft.com/office/drawing/2014/main" id="{5D5F2672-9DE5-4E1A-9E31-BC6112B645EA}"/>
+              </a:ext>
+            </a:extLst>
+          </p:cNvPr>
+          <p:cNvPicPr>
+            <a:picLocks noChangeAspect="1" noChangeArrowheads="1"/>
+          </p:cNvPicPr>
+          <p:nvPr/>
+        </p:nvPicPr>
+        <p:blipFill>
+          <a:blip r:embed="rId4">
+            <a:extLst>
+              <a:ext uri="{28A0092B-C50C-407E-A947-70E740481C1C}">
+                <a14:useLocalDpi xmlns:a14="http://schemas.microsoft.com/office/drawing/2010/main" val="0"/>
+              </a:ext>
+            </a:extLst>
+          </a:blip>
+          <a:srcRect/>
+          <a:stretch>
+            <a:fillRect/>
+          </a:stretch>
+        </p:blipFill>
+        <p:spPr bwMode="auto">
+          <a:xfrm>
+            <a:off x="6096000" y="3819557"/>
+            <a:ext cx="6013272" cy="2839862"/>
+          </a:xfrm>
+          <a:prstGeom prst="rect">
+            <a:avLst/>
+          </a:prstGeom>
+          <a:noFill/>
+          <a:extLst>
+            <a:ext uri="{909E8E84-426E-40DD-AFC4-6F175D3DCCD1}">
+              <a14:hiddenFill xmlns:a14="http://schemas.microsoft.com/office/drawing/2010/main">
+                <a:solidFill>
+                  <a:srgbClr val="FFFFFF"/>
+                </a:solidFill>
+              </a14:hiddenFill>
+            </a:ext>
+          </a:extLst>
+        </p:spPr>
+      </p:pic>
+    </p:spTree>
+    <p:extLst>
+      <p:ext uri="{BB962C8B-B14F-4D97-AF65-F5344CB8AC3E}">
+        <p14:creationId xmlns:p14="http://schemas.microsoft.com/office/powerpoint/2010/main" val="1299589496"/>
+      </p:ext>
+    </p:extLst>
+  </p:cSld>
+  <p:clrMapOvr>
+    <a:masterClrMapping/>
+  </p:clrMapOvr>
+</p:sld>
+</file>
+
+<file path=ppt/slides/slide4.xml><?xml version="1.0" encoding="utf-8"?>
+<p:sld xmlns:a="http://schemas.openxmlformats.org/drawingml/2006/main" xmlns:r="http://schemas.openxmlformats.org/officeDocument/2006/relationships" xmlns:p="http://schemas.openxmlformats.org/presentationml/2006/main">
+  <p:cSld>
+    <p:bg>
+      <p:bgPr>
+        <a:blipFill dpi="0" rotWithShape="1">
+          <a:blip r:embed="rId2">
+            <a:lum/>
+          </a:blip>
+          <a:srcRect/>
+          <a:stretch>
+            <a:fillRect/>
+          </a:stretch>
+        </a:blipFill>
+        <a:effectLst/>
+      </p:bgPr>
+    </p:bg>
+    <p:spTree>
+      <p:nvGrpSpPr>
+        <p:cNvPr id="1" name=""/>
+        <p:cNvGrpSpPr/>
+        <p:nvPr/>
+      </p:nvGrpSpPr>
+      <p:grpSpPr>
+        <a:xfrm>
+          <a:off x="0" y="0"/>
+          <a:ext cx="0" cy="0"/>
+          <a:chOff x="0" y="0"/>
+          <a:chExt cx="0" cy="0"/>
+        </a:xfrm>
+      </p:grpSpPr>
+      <p:sp>
+        <p:nvSpPr>
+          <p:cNvPr id="2" name="Title 1"/>
+          <p:cNvSpPr>
+            <a:spLocks noGrp="1"/>
+          </p:cNvSpPr>
+          <p:nvPr>
+            <p:ph type="title"/>
+          </p:nvPr>
+        </p:nvSpPr>
+        <p:spPr>
+          <a:xfrm>
+            <a:off x="136237" y="291155"/>
+            <a:ext cx="10515600" cy="1325563"/>
+          </a:xfrm>
+        </p:spPr>
+        <p:txBody>
+          <a:bodyPr>
+            <a:normAutofit/>
+          </a:bodyPr>
+          <a:lstStyle/>
+          <a:p>
+            <a:r>
+              <a:rPr lang="en-US" b="1" i="0" dirty="0">
+                <a:solidFill>
+                  <a:srgbClr val="0071F6"/>
+                </a:solidFill>
+                <a:effectLst/>
+                <a:latin typeface="Lexend" panose="020B0604020202020204"/>
+              </a:rPr>
+              <a:t>Protocols types - UDP</a:t>
+            </a:r>
+            <a:endParaRPr lang="he-IL" b="1" dirty="0">
+              <a:solidFill>
+                <a:srgbClr val="0071F6"/>
+              </a:solidFill>
+              <a:latin typeface="Lexend" panose="020B0604020202020204"/>
+            </a:endParaRPr>
+          </a:p>
+        </p:txBody>
+      </p:sp>
+      <p:sp>
+        <p:nvSpPr>
+          <p:cNvPr id="3" name="TextBox 2">
+            <a:extLst>
+              <a:ext uri="{FF2B5EF4-FFF2-40B4-BE49-F238E27FC236}">
+                <a16:creationId xmlns:a16="http://schemas.microsoft.com/office/drawing/2014/main" id="{C05E8B18-012B-4322-8484-47CA00D4C0F1}"/>
+              </a:ext>
+            </a:extLst>
+          </p:cNvPr>
+          <p:cNvSpPr txBox="1"/>
+          <p:nvPr/>
+        </p:nvSpPr>
+        <p:spPr>
+          <a:xfrm>
+            <a:off x="136240" y="1616718"/>
+            <a:ext cx="11715450" cy="2246769"/>
+          </a:xfrm>
+          <a:prstGeom prst="rect">
+            <a:avLst/>
+          </a:prstGeom>
+          <a:noFill/>
+        </p:spPr>
+        <p:txBody>
+          <a:bodyPr wrap="square" rtlCol="1">
+            <a:spAutoFit/>
+          </a:bodyPr>
+          <a:lstStyle/>
+          <a:p>
+            <a:pPr marL="285750" indent="-285750">
+              <a:buFont typeface="Arial" panose="020B0604020202020204" pitchFamily="34" charset="0"/>
+              <a:buChar char="•"/>
+            </a:pPr>
+            <a:r>
+              <a:rPr lang="en-US" sz="2000" b="0" i="0" dirty="0">
+                <a:solidFill>
+                  <a:srgbClr val="000000"/>
+                </a:solidFill>
+                <a:effectLst/>
+                <a:latin typeface="Lexend Light"/>
+              </a:rPr>
+              <a:t>Connectionless Communications And UDP </a:t>
+            </a:r>
+          </a:p>
+          <a:p>
+            <a:pPr marL="285750" indent="-285750">
+              <a:buFont typeface="Arial" panose="020B0604020202020204" pitchFamily="34" charset="0"/>
+              <a:buChar char="•"/>
+            </a:pPr>
+            <a:endParaRPr lang="en-US" sz="2000" b="0" i="0" dirty="0">
+              <a:solidFill>
+                <a:srgbClr val="000000"/>
+              </a:solidFill>
+              <a:effectLst/>
+              <a:latin typeface="Lexend Light"/>
+            </a:endParaRPr>
+          </a:p>
+          <a:p>
+            <a:r>
+              <a:rPr lang="en-US" sz="2000" b="0" i="0" dirty="0">
+                <a:solidFill>
+                  <a:srgbClr val="000000"/>
+                </a:solidFill>
+                <a:effectLst/>
+                <a:latin typeface="Lexend Light"/>
+              </a:rPr>
+              <a:t>— Applications need not be “connected” in order to communicate. Just as mail can be sent to your home address, data can be sent, in messages called datagrams. </a:t>
+            </a:r>
+          </a:p>
+          <a:p>
+            <a:endParaRPr lang="en-US" sz="2000" b="0" i="0" dirty="0">
+              <a:solidFill>
+                <a:srgbClr val="000000"/>
+              </a:solidFill>
+              <a:effectLst/>
+              <a:latin typeface="Lexend Light"/>
+            </a:endParaRPr>
+          </a:p>
+          <a:p>
+            <a:r>
+              <a:rPr lang="en-US" sz="2000" b="0" i="0" dirty="0">
+                <a:solidFill>
+                  <a:srgbClr val="000000"/>
+                </a:solidFill>
+                <a:effectLst/>
+                <a:latin typeface="Lexend Light"/>
+              </a:rPr>
+              <a:t>— The User Datagram Protocol, better known as UDP, is the messenger protocol for this type of communication. This protocol allows directed datagrams and broadcasting. </a:t>
+            </a:r>
+          </a:p>
+        </p:txBody>
+      </p:sp>
+      <p:pic>
+        <p:nvPicPr>
+          <p:cNvPr id="3076" name="Picture 4" descr="Differences between TCP and UDP - GeeksforGeeks">
+            <a:extLst>
+              <a:ext uri="{FF2B5EF4-FFF2-40B4-BE49-F238E27FC236}">
+                <a16:creationId xmlns:a16="http://schemas.microsoft.com/office/drawing/2014/main" id="{BBC56953-EA24-4859-B431-28794C38B4F3}"/>
               </a:ext>
             </a:extLst>
           </p:cNvPr>
@@ -12532,209 +13384,8 @@
         </p:blipFill>
         <p:spPr bwMode="auto">
           <a:xfrm>
-            <a:off x="6096000" y="3819556"/>
-            <a:ext cx="5660625" cy="2673319"/>
-          </a:xfrm>
-          <a:prstGeom prst="rect">
-            <a:avLst/>
-          </a:prstGeom>
-          <a:noFill/>
-          <a:extLst>
-            <a:ext uri="{909E8E84-426E-40DD-AFC4-6F175D3DCCD1}">
-              <a14:hiddenFill xmlns:a14="http://schemas.microsoft.com/office/drawing/2010/main">
-                <a:solidFill>
-                  <a:srgbClr val="FFFFFF"/>
-                </a:solidFill>
-              </a14:hiddenFill>
-            </a:ext>
-          </a:extLst>
-        </p:spPr>
-      </p:pic>
-    </p:spTree>
-    <p:extLst>
-      <p:ext uri="{BB962C8B-B14F-4D97-AF65-F5344CB8AC3E}">
-        <p14:creationId xmlns:p14="http://schemas.microsoft.com/office/powerpoint/2010/main" val="1299589496"/>
-      </p:ext>
-    </p:extLst>
-  </p:cSld>
-  <p:clrMapOvr>
-    <a:masterClrMapping/>
-  </p:clrMapOvr>
-</p:sld>
-</file>
-
-<file path=ppt/slides/slide4.xml><?xml version="1.0" encoding="utf-8"?>
-<p:sld xmlns:a="http://schemas.openxmlformats.org/drawingml/2006/main" xmlns:r="http://schemas.openxmlformats.org/officeDocument/2006/relationships" xmlns:p="http://schemas.openxmlformats.org/presentationml/2006/main">
-  <p:cSld>
-    <p:spTree>
-      <p:nvGrpSpPr>
-        <p:cNvPr id="1" name=""/>
-        <p:cNvGrpSpPr/>
-        <p:nvPr/>
-      </p:nvGrpSpPr>
-      <p:grpSpPr>
-        <a:xfrm>
-          <a:off x="0" y="0"/>
-          <a:ext cx="0" cy="0"/>
-          <a:chOff x="0" y="0"/>
-          <a:chExt cx="0" cy="0"/>
-        </a:xfrm>
-      </p:grpSpPr>
-      <p:sp>
-        <p:nvSpPr>
-          <p:cNvPr id="2" name="Title 1"/>
-          <p:cNvSpPr>
-            <a:spLocks noGrp="1"/>
-          </p:cNvSpPr>
-          <p:nvPr>
-            <p:ph type="title"/>
-          </p:nvPr>
-        </p:nvSpPr>
-        <p:spPr>
-          <a:xfrm>
-            <a:off x="136237" y="291155"/>
-            <a:ext cx="10515600" cy="1325563"/>
-          </a:xfrm>
-        </p:spPr>
-        <p:txBody>
-          <a:bodyPr>
-            <a:normAutofit/>
-          </a:bodyPr>
-          <a:lstStyle/>
-          <a:p>
-            <a:r>
-              <a:rPr lang="en-US" b="0" i="0" dirty="0">
-                <a:solidFill>
-                  <a:srgbClr val="000000"/>
-                </a:solidFill>
-                <a:effectLst/>
-                <a:latin typeface="+mn-lt"/>
-              </a:rPr>
-              <a:t>Protocols types - UDP</a:t>
-            </a:r>
-            <a:endParaRPr lang="he-IL" dirty="0">
-              <a:latin typeface="+mn-lt"/>
-            </a:endParaRPr>
-          </a:p>
-        </p:txBody>
-      </p:sp>
-      <p:sp>
-        <p:nvSpPr>
-          <p:cNvPr id="3" name="TextBox 2">
-            <a:extLst>
-              <a:ext uri="{FF2B5EF4-FFF2-40B4-BE49-F238E27FC236}">
-                <a16:creationId xmlns:a16="http://schemas.microsoft.com/office/drawing/2014/main" id="{C05E8B18-012B-4322-8484-47CA00D4C0F1}"/>
-              </a:ext>
-            </a:extLst>
-          </p:cNvPr>
-          <p:cNvSpPr txBox="1"/>
-          <p:nvPr/>
-        </p:nvSpPr>
-        <p:spPr>
-          <a:xfrm>
-            <a:off x="136240" y="1616718"/>
-            <a:ext cx="11715450" cy="2246769"/>
-          </a:xfrm>
-          <a:prstGeom prst="rect">
-            <a:avLst/>
-          </a:prstGeom>
-          <a:noFill/>
-        </p:spPr>
-        <p:txBody>
-          <a:bodyPr wrap="square" rtlCol="1">
-            <a:spAutoFit/>
-          </a:bodyPr>
-          <a:lstStyle/>
-          <a:p>
-            <a:pPr marL="285750" indent="-285750">
-              <a:buFont typeface="Arial" panose="020B0604020202020204" pitchFamily="34" charset="0"/>
-              <a:buChar char="•"/>
-            </a:pPr>
-            <a:r>
-              <a:rPr lang="en-US" sz="2000" b="0" i="0" dirty="0">
-                <a:solidFill>
-                  <a:srgbClr val="000000"/>
-                </a:solidFill>
-                <a:effectLst/>
-              </a:rPr>
-              <a:t>Connectionless Communications And UDP </a:t>
-            </a:r>
-          </a:p>
-          <a:p>
-            <a:pPr marL="285750" indent="-285750">
-              <a:buFont typeface="Arial" panose="020B0604020202020204" pitchFamily="34" charset="0"/>
-              <a:buChar char="•"/>
-            </a:pPr>
-            <a:endParaRPr lang="en-US" sz="2000" b="0" i="0" dirty="0">
-              <a:solidFill>
-                <a:srgbClr val="000000"/>
-              </a:solidFill>
-              <a:effectLst/>
-            </a:endParaRPr>
-          </a:p>
-          <a:p>
-            <a:r>
-              <a:rPr lang="en-US" sz="2000" b="0" i="0" dirty="0">
-                <a:solidFill>
-                  <a:srgbClr val="000000"/>
-                </a:solidFill>
-                <a:effectLst/>
-              </a:rPr>
-              <a:t>— Applications need not be “connected” in order to communicate. Just as mail can be sent to your home address, data can be sent, in messages called datagrams. </a:t>
-            </a:r>
-          </a:p>
-          <a:p>
-            <a:endParaRPr lang="en-US" sz="2000" b="0" i="0" dirty="0">
-              <a:solidFill>
-                <a:srgbClr val="000000"/>
-              </a:solidFill>
-              <a:effectLst/>
-            </a:endParaRPr>
-          </a:p>
-          <a:p>
-            <a:r>
-              <a:rPr lang="en-US" sz="2000" b="0" i="0" dirty="0">
-                <a:solidFill>
-                  <a:srgbClr val="000000"/>
-                </a:solidFill>
-                <a:effectLst/>
-              </a:rPr>
-              <a:t>— The User Datagram Protocol, better known as UDP, is the messenger protocol for this type of communication. This protocol allows directed datagrams and broadcasting. </a:t>
-            </a:r>
-          </a:p>
-        </p:txBody>
-      </p:sp>
-      <p:pic>
-        <p:nvPicPr>
-          <p:cNvPr id="3076" name="Picture 4" descr="Differences between TCP and UDP - GeeksforGeeks">
-            <a:extLst>
-              <a:ext uri="{FF2B5EF4-FFF2-40B4-BE49-F238E27FC236}">
-                <a16:creationId xmlns:a16="http://schemas.microsoft.com/office/drawing/2014/main" id="{BBC56953-EA24-4859-B431-28794C38B4F3}"/>
-              </a:ext>
-            </a:extLst>
-          </p:cNvPr>
-          <p:cNvPicPr>
-            <a:picLocks noChangeAspect="1" noChangeArrowheads="1"/>
-          </p:cNvPicPr>
-          <p:nvPr/>
-        </p:nvPicPr>
-        <p:blipFill>
-          <a:blip r:embed="rId2">
-            <a:extLst>
-              <a:ext uri="{28A0092B-C50C-407E-A947-70E740481C1C}">
-                <a14:useLocalDpi xmlns:a14="http://schemas.microsoft.com/office/drawing/2010/main" val="0"/>
-              </a:ext>
-            </a:extLst>
-          </a:blip>
-          <a:srcRect/>
-          <a:stretch>
-            <a:fillRect/>
-          </a:stretch>
-        </p:blipFill>
-        <p:spPr bwMode="auto">
-          <a:xfrm>
-            <a:off x="5647420" y="3863487"/>
-            <a:ext cx="5511183" cy="2590257"/>
+            <a:off x="6096001" y="3893921"/>
+            <a:ext cx="5755690" cy="2705175"/>
           </a:xfrm>
           <a:prstGeom prst="rect">
             <a:avLst/>
@@ -12785,6 +13436,7 @@
                   <a:srgbClr val="000000"/>
                 </a:solidFill>
                 <a:effectLst/>
+                <a:latin typeface="Lexend Light"/>
               </a:rPr>
               <a:t>— Connectionless communications is generally considered to be less reliable. </a:t>
             </a:r>
@@ -12800,6 +13452,7 @@
                   <a:srgbClr val="000000"/>
                 </a:solidFill>
                 <a:effectLst/>
+                <a:latin typeface="Lexend Light"/>
               </a:rPr>
               <a:t>An application might broadcast on a network that is a temporarily down or send a message to a host that is not running. </a:t>
             </a:r>
@@ -12815,10 +13468,13 @@
                   <a:srgbClr val="000000"/>
                 </a:solidFill>
                 <a:effectLst/>
+                <a:latin typeface="Lexend Light"/>
               </a:rPr>
               <a:t>There is no way for the sender to verify that the data has been received on the other side, in order and without errors</a:t>
             </a:r>
-            <a:endParaRPr lang="en-US" sz="2400" dirty="0"/>
+            <a:endParaRPr lang="en-US" sz="2400" dirty="0">
+              <a:latin typeface="Lexend Light"/>
+            </a:endParaRPr>
           </a:p>
         </p:txBody>
       </p:sp>
@@ -12838,6 +13494,20 @@
 <file path=ppt/slides/slide5.xml><?xml version="1.0" encoding="utf-8"?>
 <p:sld xmlns:a="http://schemas.openxmlformats.org/drawingml/2006/main" xmlns:r="http://schemas.openxmlformats.org/officeDocument/2006/relationships" xmlns:p="http://schemas.openxmlformats.org/presentationml/2006/main">
   <p:cSld>
+    <p:bg>
+      <p:bgPr>
+        <a:blipFill dpi="0" rotWithShape="1">
+          <a:blip r:embed="rId2">
+            <a:lum/>
+          </a:blip>
+          <a:srcRect/>
+          <a:stretch>
+            <a:fillRect/>
+          </a:stretch>
+        </a:blipFill>
+        <a:effectLst/>
+      </p:bgPr>
+    </p:bg>
     <p:spTree>
       <p:nvGrpSpPr>
         <p:cNvPr id="1" name=""/>
@@ -12879,17 +13549,20 @@
           <a:lstStyle/>
           <a:p>
             <a:r>
-              <a:rPr lang="en-US" b="0" i="0" dirty="0">
-                <a:solidFill>
-                  <a:srgbClr val="000000"/>
-                </a:solidFill>
-                <a:effectLst/>
-                <a:latin typeface="+mn-lt"/>
+              <a:rPr lang="en-US" b="1" i="0" dirty="0">
+                <a:solidFill>
+                  <a:srgbClr val="0071F6"/>
+                </a:solidFill>
+                <a:effectLst/>
+                <a:latin typeface="Lexend" panose="020B0604020202020204"/>
               </a:rPr>
               <a:t>Sockets protocols - Stream Sockets</a:t>
             </a:r>
-            <a:endParaRPr lang="he-IL" dirty="0">
-              <a:latin typeface="+mn-lt"/>
+            <a:endParaRPr lang="he-IL" b="1" dirty="0">
+              <a:solidFill>
+                <a:srgbClr val="0071F6"/>
+              </a:solidFill>
+              <a:latin typeface="Lexend" panose="020B0604020202020204"/>
               <a:cs typeface="Calibri" panose="020F0502020204030204" pitchFamily="34" charset="0"/>
             </a:endParaRPr>
           </a:p>
@@ -12929,9 +13602,22 @@
                   <a:srgbClr val="000000"/>
                 </a:solidFill>
                 <a:effectLst/>
-              </a:rPr>
-              <a:t>Sockets come in two main flavors, one of them being the stream socket. </a:t>
-            </a:r>
+                <a:latin typeface="Lexend Light"/>
+              </a:rPr>
+              <a:t>Sockets come in two main flavors, one of them being the stream socket.</a:t>
+            </a:r>
+          </a:p>
+          <a:p>
+            <a:pPr marL="0" indent="0">
+              <a:buNone/>
+            </a:pPr>
+            <a:endParaRPr lang="en-US" b="0" i="0" dirty="0">
+              <a:solidFill>
+                <a:srgbClr val="000000"/>
+              </a:solidFill>
+              <a:effectLst/>
+              <a:latin typeface="Lexend Light"/>
+            </a:endParaRPr>
           </a:p>
           <a:p>
             <a:r>
@@ -12940,6 +13626,7 @@
                   <a:srgbClr val="000000"/>
                 </a:solidFill>
                 <a:effectLst/>
+                <a:latin typeface="Lexend Light"/>
               </a:rPr>
               <a:t>Stream socket is full duplex byte stream implementing the connection oriented model. </a:t>
             </a:r>
@@ -12954,6 +13641,7 @@
                   <a:srgbClr val="000000"/>
                 </a:solidFill>
                 <a:effectLst/>
+                <a:latin typeface="Lexend Light"/>
               </a:rPr>
               <a:t>— Server sets up a socket with a well known address.</a:t>
             </a:r>
@@ -12968,6 +13656,7 @@
                   <a:srgbClr val="000000"/>
                 </a:solidFill>
                 <a:effectLst/>
+                <a:latin typeface="Lexend Light"/>
               </a:rPr>
               <a:t>— Clients connect to the server and data is passed on this open connection. </a:t>
             </a:r>
@@ -12982,12 +13671,13 @@
                   <a:srgbClr val="000000"/>
                 </a:solidFill>
                 <a:effectLst/>
+                <a:latin typeface="Lexend Light"/>
               </a:rPr>
               <a:t>— When the client and or server are done the connection is terminated. The socket mechanism provides an API for each step on the client and the server. The minimal steps required are: </a:t>
             </a:r>
           </a:p>
           <a:p>
-            <a:pPr marL="0" indent="0">
+            <a:pPr marL="457200" lvl="1" indent="0">
               <a:buNone/>
             </a:pPr>
             <a:r>
@@ -12996,58 +13686,64 @@
                   <a:srgbClr val="000000"/>
                 </a:solidFill>
                 <a:effectLst/>
+                <a:latin typeface="Lexend Light"/>
               </a:rPr>
               <a:t>— Server side:			 — Client side: </a:t>
             </a:r>
           </a:p>
           <a:p>
-            <a:pPr lvl="1"/>
+            <a:pPr lvl="2"/>
             <a:r>
               <a:rPr lang="en-US" b="0" i="0" dirty="0">
                 <a:solidFill>
                   <a:srgbClr val="000000"/>
                 </a:solidFill>
                 <a:effectLst/>
+                <a:latin typeface="Lexend Light"/>
               </a:rPr>
               <a:t>socket() 					socket() </a:t>
             </a:r>
           </a:p>
           <a:p>
-            <a:pPr lvl="1"/>
+            <a:pPr lvl="2"/>
             <a:r>
               <a:rPr lang="en-US" b="0" i="0" dirty="0">
                 <a:solidFill>
                   <a:srgbClr val="000000"/>
                 </a:solidFill>
                 <a:effectLst/>
+                <a:latin typeface="Lexend Light"/>
               </a:rPr>
               <a:t>bind() 					connect() </a:t>
             </a:r>
           </a:p>
           <a:p>
-            <a:pPr lvl="1"/>
+            <a:pPr lvl="2"/>
             <a:r>
               <a:rPr lang="en-US" b="0" i="0" dirty="0">
                 <a:solidFill>
                   <a:srgbClr val="000000"/>
                 </a:solidFill>
                 <a:effectLst/>
+                <a:latin typeface="Lexend Light"/>
               </a:rPr>
               <a:t>listen() </a:t>
             </a:r>
           </a:p>
           <a:p>
-            <a:pPr lvl="1"/>
+            <a:pPr lvl="2"/>
             <a:r>
               <a:rPr lang="en-US" b="0" i="0" dirty="0">
                 <a:solidFill>
                   <a:srgbClr val="000000"/>
                 </a:solidFill>
                 <a:effectLst/>
+                <a:latin typeface="Lexend Light"/>
               </a:rPr>
               <a:t>accept() (possibly repeating the accept())</a:t>
             </a:r>
             <a:endParaRPr lang="he-IL" dirty="0">
+              <a:latin typeface="Lexend Light"/>
               <a:cs typeface="Calibri" panose="020F0502020204030204" pitchFamily="34" charset="0"/>
             </a:endParaRPr>
           </a:p>
@@ -13069,6 +13765,20 @@
 <file path=ppt/slides/slide6.xml><?xml version="1.0" encoding="utf-8"?>
 <p:sld xmlns:a="http://schemas.openxmlformats.org/drawingml/2006/main" xmlns:r="http://schemas.openxmlformats.org/officeDocument/2006/relationships" xmlns:p="http://schemas.openxmlformats.org/presentationml/2006/main">
   <p:cSld>
+    <p:bg>
+      <p:bgPr>
+        <a:blipFill dpi="0" rotWithShape="1">
+          <a:blip r:embed="rId3">
+            <a:lum/>
+          </a:blip>
+          <a:srcRect/>
+          <a:stretch>
+            <a:fillRect/>
+          </a:stretch>
+        </a:blipFill>
+        <a:effectLst/>
+      </p:bgPr>
+    </p:bg>
     <p:spTree>
       <p:nvGrpSpPr>
         <p:cNvPr id="1" name=""/>
@@ -13101,17 +13811,20 @@
           <a:lstStyle/>
           <a:p>
             <a:r>
-              <a:rPr lang="en-US" b="0" i="0" dirty="0">
-                <a:solidFill>
-                  <a:srgbClr val="000000"/>
-                </a:solidFill>
-                <a:effectLst/>
-                <a:latin typeface="+mn-lt"/>
+              <a:rPr lang="en-US" b="1" i="0" dirty="0">
+                <a:solidFill>
+                  <a:srgbClr val="0071F6"/>
+                </a:solidFill>
+                <a:effectLst/>
+                <a:latin typeface="Lexend" panose="020B0604020202020204"/>
               </a:rPr>
               <a:t>Creating sockets</a:t>
             </a:r>
-            <a:endParaRPr lang="en-US" dirty="0">
-              <a:latin typeface="+mn-lt"/>
+            <a:endParaRPr lang="en-US" b="1" dirty="0">
+              <a:solidFill>
+                <a:srgbClr val="0071F6"/>
+              </a:solidFill>
+              <a:latin typeface="Lexend" panose="020B0604020202020204"/>
             </a:endParaRPr>
           </a:p>
         </p:txBody>
@@ -13129,7 +13842,7 @@
         <p:spPr/>
         <p:txBody>
           <a:bodyPr>
-            <a:normAutofit fontScale="85000" lnSpcReduction="20000"/>
+            <a:normAutofit fontScale="92500" lnSpcReduction="10000"/>
           </a:bodyPr>
           <a:lstStyle/>
           <a:p>
@@ -13139,6 +13852,7 @@
                   <a:srgbClr val="000000"/>
                 </a:solidFill>
                 <a:effectLst/>
+                <a:latin typeface="Lexend Light"/>
               </a:rPr>
               <a:t>Sockets are used nearly everywhere. Sockets mechanism in python placed in socket module. </a:t>
             </a:r>
@@ -13149,6 +13863,7 @@
                 <a:srgbClr val="000000"/>
               </a:solidFill>
               <a:effectLst/>
+              <a:latin typeface="Lexend Light"/>
             </a:endParaRPr>
           </a:p>
           <a:p>
@@ -13158,6 +13873,7 @@
                   <a:srgbClr val="000000"/>
                 </a:solidFill>
                 <a:effectLst/>
+                <a:latin typeface="Lexend Light"/>
               </a:rPr>
               <a:t>The first step is to create an endpoint, a socket, with socket function:</a:t>
             </a:r>
@@ -13172,6 +13888,7 @@
                   <a:srgbClr val="000000"/>
                 </a:solidFill>
                 <a:effectLst/>
+                <a:latin typeface="Lexend Light"/>
               </a:rPr>
               <a:t>socket(family=AF_INET, type= SOCK_STREAM, proto=0) </a:t>
             </a:r>
@@ -13181,6 +13898,7 @@
                   <a:srgbClr val="000000"/>
                 </a:solidFill>
                 <a:effectLst/>
+                <a:latin typeface="Lexend Light"/>
               </a:rPr>
               <a:t>Create’a</a:t>
             </a:r>
@@ -13190,6 +13908,7 @@
                   <a:srgbClr val="000000"/>
                 </a:solidFill>
                 <a:effectLst/>
+                <a:latin typeface="Lexend Light"/>
               </a:rPr>
               <a:t> new socket using the given address family, socket type and protocol number.</a:t>
             </a:r>
@@ -13204,12 +13923,25 @@
                   <a:srgbClr val="000000"/>
                 </a:solidFill>
                 <a:effectLst/>
+                <a:latin typeface="Lexend Light"/>
               </a:rPr>
               <a:t> </a:t>
             </a:r>
           </a:p>
           <a:p>
-            <a:pPr marL="0" indent="0">
+            <a:r>
+              <a:rPr lang="en-US" b="0" i="0" dirty="0">
+                <a:solidFill>
+                  <a:srgbClr val="000000"/>
+                </a:solidFill>
+                <a:effectLst/>
+                <a:latin typeface="Lexend Light"/>
+              </a:rPr>
+              <a:t>The address (and protocol) family can be: </a:t>
+            </a:r>
+          </a:p>
+          <a:p>
+            <a:pPr marL="457200" lvl="1" indent="0">
               <a:buNone/>
             </a:pPr>
             <a:r>
@@ -13218,17 +13950,57 @@
                   <a:srgbClr val="000000"/>
                 </a:solidFill>
                 <a:effectLst/>
-              </a:rPr>
-              <a:t>— The address (and protocol) family can be: </a:t>
-            </a:r>
-          </a:p>
-          <a:p>
+                <a:latin typeface="Lexend Light"/>
+              </a:rPr>
+              <a:t> </a:t>
+            </a:r>
+            <a:r>
+              <a:rPr lang="en-US" b="0" i="0" dirty="0" err="1">
+                <a:solidFill>
+                  <a:srgbClr val="000000"/>
+                </a:solidFill>
+                <a:effectLst/>
+                <a:latin typeface="Lexend Light"/>
+              </a:rPr>
+              <a:t>socket.AF_INET</a:t>
+            </a:r>
             <a:r>
               <a:rPr lang="en-US" b="0" i="0" dirty="0">
                 <a:solidFill>
                   <a:srgbClr val="000000"/>
                 </a:solidFill>
                 <a:effectLst/>
+                <a:latin typeface="Lexend Light"/>
+              </a:rPr>
+              <a:t>-— for internet sockets ipv4 </a:t>
+            </a:r>
+          </a:p>
+          <a:p>
+            <a:pPr marL="457200" lvl="1" indent="0">
+              <a:buNone/>
+            </a:pPr>
+            <a:r>
+              <a:rPr lang="en-US" b="0" i="0" dirty="0">
+                <a:solidFill>
+                  <a:srgbClr val="000000"/>
+                </a:solidFill>
+                <a:effectLst/>
+                <a:latin typeface="Lexend Light"/>
+              </a:rPr>
+              <a:t> socket.AF_INET6 — for internet sockets ipv6 </a:t>
+            </a:r>
+          </a:p>
+          <a:p>
+            <a:pPr marL="457200" lvl="1" indent="0">
+              <a:buNone/>
+            </a:pPr>
+            <a:r>
+              <a:rPr lang="en-US" b="0" i="0" dirty="0">
+                <a:solidFill>
+                  <a:srgbClr val="000000"/>
+                </a:solidFill>
+                <a:effectLst/>
+                <a:latin typeface="Lexend Light"/>
               </a:rPr>
               <a:t> </a:t>
             </a:r>
@@ -13238,8 +14010,9 @@
                   <a:srgbClr val="000000"/>
                 </a:solidFill>
                 <a:effectLst/>
-              </a:rPr>
-              <a:t>socket.AF_INET</a:t>
+                <a:latin typeface="Lexend Light"/>
+              </a:rPr>
+              <a:t>socket.AF_UNIX</a:t>
             </a:r>
             <a:r>
               <a:rPr lang="en-US" b="0" i="0" dirty="0">
@@ -13247,68 +14020,32 @@
                   <a:srgbClr val="000000"/>
                 </a:solidFill>
                 <a:effectLst/>
-              </a:rPr>
-              <a:t>-— for internet sockets ipv4 </a:t>
-            </a:r>
-          </a:p>
-          <a:p>
+                <a:latin typeface="Lexend Light"/>
+              </a:rPr>
+              <a:t>— </a:t>
+            </a:r>
+            <a:r>
+              <a:rPr lang="en-US" b="0" i="0" dirty="0" err="1">
+                <a:solidFill>
+                  <a:srgbClr val="000000"/>
+                </a:solidFill>
+                <a:effectLst/>
+                <a:latin typeface="Lexend Light"/>
+              </a:rPr>
+              <a:t>unix</a:t>
+            </a:r>
             <a:r>
               <a:rPr lang="en-US" b="0" i="0" dirty="0">
                 <a:solidFill>
                   <a:srgbClr val="000000"/>
                 </a:solidFill>
                 <a:effectLst/>
-              </a:rPr>
-              <a:t> socket.AF_INET6 — for internet sockets ipv6 </a:t>
-            </a:r>
-          </a:p>
-          <a:p>
-            <a:r>
-              <a:rPr lang="en-US" b="0" i="0" dirty="0">
-                <a:solidFill>
-                  <a:srgbClr val="000000"/>
-                </a:solidFill>
-                <a:effectLst/>
-              </a:rPr>
-              <a:t> </a:t>
-            </a:r>
-            <a:r>
-              <a:rPr lang="en-US" b="0" i="0" dirty="0" err="1">
-                <a:solidFill>
-                  <a:srgbClr val="000000"/>
-                </a:solidFill>
-                <a:effectLst/>
-              </a:rPr>
-              <a:t>socket.AF_UNIX</a:t>
-            </a:r>
-            <a:r>
-              <a:rPr lang="en-US" b="0" i="0" dirty="0">
-                <a:solidFill>
-                  <a:srgbClr val="000000"/>
-                </a:solidFill>
-                <a:effectLst/>
-              </a:rPr>
-              <a:t>— </a:t>
-            </a:r>
-            <a:r>
-              <a:rPr lang="en-US" b="0" i="0" dirty="0" err="1">
-                <a:solidFill>
-                  <a:srgbClr val="000000"/>
-                </a:solidFill>
-                <a:effectLst/>
-              </a:rPr>
-              <a:t>unix</a:t>
-            </a:r>
-            <a:r>
-              <a:rPr lang="en-US" b="0" i="0" dirty="0">
-                <a:solidFill>
-                  <a:srgbClr val="000000"/>
-                </a:solidFill>
-                <a:effectLst/>
+                <a:latin typeface="Lexend Light"/>
               </a:rPr>
               <a:t> domain sockets (UNIX IPC), not supported on all platforms</a:t>
             </a:r>
             <a:endParaRPr lang="en-US" dirty="0">
+              <a:latin typeface="Lexend Light"/>
               <a:cs typeface="Calibri" panose="020F0502020204030204" pitchFamily="34" charset="0"/>
             </a:endParaRPr>
           </a:p>
@@ -13330,6 +14067,20 @@
 <file path=ppt/slides/slide7.xml><?xml version="1.0" encoding="utf-8"?>
 <p:sld xmlns:a="http://schemas.openxmlformats.org/drawingml/2006/main" xmlns:r="http://schemas.openxmlformats.org/officeDocument/2006/relationships" xmlns:p="http://schemas.openxmlformats.org/presentationml/2006/main">
   <p:cSld>
+    <p:bg>
+      <p:bgPr>
+        <a:blipFill dpi="0" rotWithShape="1">
+          <a:blip r:embed="rId3">
+            <a:lum/>
+          </a:blip>
+          <a:srcRect/>
+          <a:stretch>
+            <a:fillRect/>
+          </a:stretch>
+        </a:blipFill>
+        <a:effectLst/>
+      </p:bgPr>
+    </p:bg>
     <p:spTree>
       <p:nvGrpSpPr>
         <p:cNvPr id="1" name=""/>
@@ -13362,22 +14113,15 @@
           <a:lstStyle/>
           <a:p>
             <a:r>
-              <a:rPr lang="en-US" b="0" i="0" dirty="0">
-                <a:solidFill>
-                  <a:srgbClr val="000000"/>
-                </a:solidFill>
-                <a:effectLst/>
-                <a:latin typeface="+mn-lt"/>
+              <a:rPr lang="en-US" b="1" i="0" dirty="0">
+                <a:solidFill>
+                  <a:srgbClr val="0071F6"/>
+                </a:solidFill>
+                <a:effectLst/>
+                <a:latin typeface="Lexend" panose="020B0604020202020204"/>
               </a:rPr>
               <a:t>Creating sockets — cont’d</a:t>
             </a:r>
-            <a:endParaRPr lang="en-US" i="0" dirty="0">
-              <a:solidFill>
-                <a:srgbClr val="242424"/>
-              </a:solidFill>
-              <a:effectLst/>
-              <a:latin typeface="+mn-lt"/>
-            </a:endParaRPr>
           </a:p>
         </p:txBody>
       </p:sp>
@@ -13407,6 +14151,7 @@
                   <a:srgbClr val="000000"/>
                 </a:solidFill>
                 <a:effectLst/>
+                <a:latin typeface="Lexend Light"/>
               </a:rPr>
               <a:t>Socket type: </a:t>
             </a:r>
@@ -13416,28 +14161,31 @@
               <a:buNone/>
             </a:pPr>
             <a:r>
-              <a:rPr lang="en-US" sz="1800" b="1" dirty="0">
-                <a:solidFill>
-                  <a:srgbClr val="000000"/>
-                </a:solidFill>
+              <a:rPr lang="en-US" sz="1800" i="1" dirty="0">
+                <a:solidFill>
+                  <a:srgbClr val="000000"/>
+                </a:solidFill>
+                <a:latin typeface="Lexend Light"/>
               </a:rPr>
               <a:t>-</a:t>
             </a:r>
             <a:r>
-              <a:rPr lang="en-US" sz="1800" b="1" i="0" dirty="0" err="1">
-                <a:solidFill>
-                  <a:srgbClr val="000000"/>
-                </a:solidFill>
-                <a:effectLst/>
+              <a:rPr lang="en-US" sz="1800" i="1" dirty="0" err="1">
+                <a:solidFill>
+                  <a:srgbClr val="000000"/>
+                </a:solidFill>
+                <a:effectLst/>
+                <a:latin typeface="Lexend Light"/>
               </a:rPr>
               <a:t>socket.SOCK_STREAM</a:t>
             </a:r>
             <a:r>
-              <a:rPr lang="en-US" sz="1800" b="1" i="0" dirty="0">
-                <a:solidFill>
-                  <a:srgbClr val="000000"/>
-                </a:solidFill>
-                <a:effectLst/>
+              <a:rPr lang="en-US" sz="1800" i="1" dirty="0">
+                <a:solidFill>
+                  <a:srgbClr val="000000"/>
+                </a:solidFill>
+                <a:effectLst/>
+                <a:latin typeface="Lexend Light"/>
               </a:rPr>
               <a:t> </a:t>
             </a:r>
@@ -13447,28 +14195,31 @@
               <a:buNone/>
             </a:pPr>
             <a:r>
-              <a:rPr lang="en-US" sz="1800" b="1" dirty="0">
-                <a:solidFill>
-                  <a:srgbClr val="000000"/>
-                </a:solidFill>
+              <a:rPr lang="en-US" sz="1800" i="1" dirty="0">
+                <a:solidFill>
+                  <a:srgbClr val="000000"/>
+                </a:solidFill>
+                <a:latin typeface="Lexend Light"/>
               </a:rPr>
               <a:t>-</a:t>
             </a:r>
             <a:r>
-              <a:rPr lang="en-US" sz="1800" b="1" i="0" dirty="0" err="1">
-                <a:solidFill>
-                  <a:srgbClr val="000000"/>
-                </a:solidFill>
-                <a:effectLst/>
+              <a:rPr lang="en-US" sz="1800" i="1" dirty="0" err="1">
+                <a:solidFill>
+                  <a:srgbClr val="000000"/>
+                </a:solidFill>
+                <a:effectLst/>
+                <a:latin typeface="Lexend Light"/>
               </a:rPr>
               <a:t>socket.SOCK_DGRAM</a:t>
             </a:r>
             <a:r>
-              <a:rPr lang="en-US" sz="1800" b="1" i="0" dirty="0">
-                <a:solidFill>
-                  <a:srgbClr val="000000"/>
-                </a:solidFill>
-                <a:effectLst/>
+              <a:rPr lang="en-US" sz="1800" i="1" dirty="0">
+                <a:solidFill>
+                  <a:srgbClr val="000000"/>
+                </a:solidFill>
+                <a:effectLst/>
+                <a:latin typeface="Lexend Light"/>
               </a:rPr>
               <a:t> </a:t>
             </a:r>
@@ -13478,28 +14229,31 @@
               <a:buNone/>
             </a:pPr>
             <a:r>
-              <a:rPr lang="en-US" sz="1800" b="1" dirty="0">
-                <a:solidFill>
-                  <a:srgbClr val="000000"/>
-                </a:solidFill>
+              <a:rPr lang="en-US" sz="1800" i="1" dirty="0">
+                <a:solidFill>
+                  <a:srgbClr val="000000"/>
+                </a:solidFill>
+                <a:latin typeface="Lexend Light"/>
               </a:rPr>
               <a:t>-</a:t>
             </a:r>
             <a:r>
-              <a:rPr lang="en-US" sz="1800" b="1" i="0" dirty="0" err="1">
-                <a:solidFill>
-                  <a:srgbClr val="000000"/>
-                </a:solidFill>
-                <a:effectLst/>
+              <a:rPr lang="en-US" sz="1800" i="1" dirty="0" err="1">
+                <a:solidFill>
+                  <a:srgbClr val="000000"/>
+                </a:solidFill>
+                <a:effectLst/>
+                <a:latin typeface="Lexend Light"/>
               </a:rPr>
               <a:t>socket.SOCK_RAW</a:t>
             </a:r>
             <a:r>
-              <a:rPr lang="en-US" sz="1800" b="1" i="0" dirty="0">
-                <a:solidFill>
-                  <a:srgbClr val="000000"/>
-                </a:solidFill>
-                <a:effectLst/>
+              <a:rPr lang="en-US" sz="1800" i="1" dirty="0">
+                <a:solidFill>
+                  <a:srgbClr val="000000"/>
+                </a:solidFill>
+                <a:effectLst/>
+                <a:latin typeface="Lexend Light"/>
               </a:rPr>
               <a:t> </a:t>
             </a:r>
@@ -13509,28 +14263,31 @@
               <a:buNone/>
             </a:pPr>
             <a:r>
-              <a:rPr lang="en-US" sz="1800" b="1" dirty="0">
-                <a:solidFill>
-                  <a:srgbClr val="000000"/>
-                </a:solidFill>
+              <a:rPr lang="en-US" sz="1800" i="1" dirty="0">
+                <a:solidFill>
+                  <a:srgbClr val="000000"/>
+                </a:solidFill>
+                <a:latin typeface="Lexend Light"/>
               </a:rPr>
               <a:t>-</a:t>
             </a:r>
             <a:r>
-              <a:rPr lang="en-US" sz="1800" b="1" i="0" dirty="0" err="1">
-                <a:solidFill>
-                  <a:srgbClr val="000000"/>
-                </a:solidFill>
-                <a:effectLst/>
+              <a:rPr lang="en-US" sz="1800" i="1" dirty="0" err="1">
+                <a:solidFill>
+                  <a:srgbClr val="000000"/>
+                </a:solidFill>
+                <a:effectLst/>
+                <a:latin typeface="Lexend Light"/>
               </a:rPr>
               <a:t>socket.SOCK_RDM</a:t>
             </a:r>
             <a:r>
-              <a:rPr lang="en-US" sz="1800" b="1" i="0" dirty="0">
-                <a:solidFill>
-                  <a:srgbClr val="000000"/>
-                </a:solidFill>
-                <a:effectLst/>
+              <a:rPr lang="en-US" sz="1800" i="1" dirty="0">
+                <a:solidFill>
+                  <a:srgbClr val="000000"/>
+                </a:solidFill>
+                <a:effectLst/>
+                <a:latin typeface="Lexend Light"/>
               </a:rPr>
               <a:t> </a:t>
             </a:r>
@@ -13540,28 +14297,31 @@
               <a:buNone/>
             </a:pPr>
             <a:r>
-              <a:rPr lang="en-US" sz="1800" b="1" dirty="0">
-                <a:solidFill>
-                  <a:srgbClr val="000000"/>
-                </a:solidFill>
+              <a:rPr lang="en-US" sz="1800" i="1" dirty="0">
+                <a:solidFill>
+                  <a:srgbClr val="000000"/>
+                </a:solidFill>
+                <a:latin typeface="Lexend Light"/>
               </a:rPr>
               <a:t>-</a:t>
             </a:r>
             <a:r>
-              <a:rPr lang="en-US" sz="1800" b="1" i="0" dirty="0" err="1">
-                <a:solidFill>
-                  <a:srgbClr val="000000"/>
-                </a:solidFill>
-                <a:effectLst/>
+              <a:rPr lang="en-US" sz="1800" i="1" dirty="0" err="1">
+                <a:solidFill>
+                  <a:srgbClr val="000000"/>
+                </a:solidFill>
+                <a:effectLst/>
+                <a:latin typeface="Lexend Light"/>
               </a:rPr>
               <a:t>socket.SOCK_SEQPACKET</a:t>
             </a:r>
             <a:r>
-              <a:rPr lang="en-US" sz="1800" b="1" i="0" dirty="0">
-                <a:solidFill>
-                  <a:srgbClr val="000000"/>
-                </a:solidFill>
-                <a:effectLst/>
+              <a:rPr lang="en-US" sz="1800" i="1" dirty="0">
+                <a:solidFill>
+                  <a:srgbClr val="000000"/>
+                </a:solidFill>
+                <a:effectLst/>
+                <a:latin typeface="Lexend Light"/>
               </a:rPr>
               <a:t> </a:t>
             </a:r>
@@ -13573,6 +14333,7 @@
                   <a:srgbClr val="000000"/>
                 </a:solidFill>
                 <a:effectLst/>
+                <a:latin typeface="Lexend Light"/>
               </a:rPr>
               <a:t>Only </a:t>
             </a:r>
@@ -13582,6 +14343,7 @@
                   <a:srgbClr val="000000"/>
                 </a:solidFill>
                 <a:effectLst/>
+                <a:latin typeface="Lexend Light"/>
               </a:rPr>
               <a:t>sock_stream</a:t>
             </a:r>
@@ -13591,6 +14353,7 @@
                   <a:srgbClr val="000000"/>
                 </a:solidFill>
                 <a:effectLst/>
+                <a:latin typeface="Lexend Light"/>
               </a:rPr>
               <a:t> and </a:t>
             </a:r>
@@ -13600,6 +14363,7 @@
                   <a:srgbClr val="000000"/>
                 </a:solidFill>
                 <a:effectLst/>
+                <a:latin typeface="Lexend Light"/>
               </a:rPr>
               <a:t>sock_dgram</a:t>
             </a:r>
@@ -13609,6 +14373,7 @@
                   <a:srgbClr val="000000"/>
                 </a:solidFill>
                 <a:effectLst/>
+                <a:latin typeface="Lexend Light"/>
               </a:rPr>
               <a:t> appear to be generally useful </a:t>
             </a:r>
@@ -13620,6 +14385,7 @@
                   <a:srgbClr val="000000"/>
                 </a:solidFill>
                 <a:effectLst/>
+                <a:latin typeface="Lexend Light"/>
               </a:rPr>
               <a:t>The proto argument - this parameter specifies a particular protocol to be used with the socket </a:t>
             </a:r>
@@ -13631,6 +14397,7 @@
                   <a:srgbClr val="000000"/>
                 </a:solidFill>
                 <a:effectLst/>
+                <a:latin typeface="Lexend Light"/>
               </a:rPr>
               <a:t>Normally only a single protocol exists to support socket type within a given protocol family. In this case, proto stays default (zero) </a:t>
             </a:r>
@@ -13645,6 +14412,7 @@
                   <a:srgbClr val="000000"/>
                 </a:solidFill>
                 <a:effectLst/>
+                <a:latin typeface="Lexend Light"/>
               </a:rPr>
               <a:t>— TCP for stream sockets and UDP for datagram sockets </a:t>
             </a:r>
@@ -13656,10 +14424,12 @@
                   <a:srgbClr val="000000"/>
                 </a:solidFill>
                 <a:effectLst/>
+                <a:latin typeface="Lexend Light"/>
               </a:rPr>
               <a:t>However, it is possible that many protocols may exist, in which case a particular protocol (protocol number) must be specified</a:t>
             </a:r>
             <a:endParaRPr lang="en-US" sz="1800" dirty="0">
+              <a:latin typeface="Lexend Light"/>
               <a:cs typeface="Calibri" panose="020F0502020204030204" pitchFamily="34" charset="0"/>
             </a:endParaRPr>
           </a:p>
@@ -13681,6 +14451,20 @@
 <file path=ppt/slides/slide8.xml><?xml version="1.0" encoding="utf-8"?>
 <p:sld xmlns:a="http://schemas.openxmlformats.org/drawingml/2006/main" xmlns:r="http://schemas.openxmlformats.org/officeDocument/2006/relationships" xmlns:p="http://schemas.openxmlformats.org/presentationml/2006/main">
   <p:cSld>
+    <p:bg>
+      <p:bgPr>
+        <a:blipFill dpi="0" rotWithShape="1">
+          <a:blip r:embed="rId3">
+            <a:lum/>
+          </a:blip>
+          <a:srcRect/>
+          <a:stretch>
+            <a:fillRect/>
+          </a:stretch>
+        </a:blipFill>
+        <a:effectLst/>
+      </p:bgPr>
+    </p:bg>
     <p:spTree>
       <p:nvGrpSpPr>
         <p:cNvPr id="1" name=""/>
@@ -13713,17 +14497,20 @@
           <a:lstStyle/>
           <a:p>
             <a:r>
-              <a:rPr lang="en-US" b="0" i="0" dirty="0">
-                <a:solidFill>
-                  <a:srgbClr val="000000"/>
-                </a:solidFill>
-                <a:effectLst/>
-                <a:latin typeface="+mn-lt"/>
+              <a:rPr lang="en-US" b="1" i="0" dirty="0">
+                <a:solidFill>
+                  <a:srgbClr val="0071F6"/>
+                </a:solidFill>
+                <a:effectLst/>
+                <a:latin typeface="Lexend" panose="020B0604020202020204"/>
               </a:rPr>
               <a:t>Binding The Socket</a:t>
             </a:r>
-            <a:endParaRPr lang="en-US" dirty="0">
-              <a:latin typeface="+mn-lt"/>
+            <a:endParaRPr lang="en-US" b="1" dirty="0">
+              <a:solidFill>
+                <a:srgbClr val="0071F6"/>
+              </a:solidFill>
+              <a:latin typeface="Lexend" panose="020B0604020202020204"/>
               <a:cs typeface="Calibri" panose="020F0502020204030204" pitchFamily="34" charset="0"/>
             </a:endParaRPr>
           </a:p>
@@ -13767,6 +14554,7 @@
                   <a:srgbClr val="000000"/>
                 </a:solidFill>
                 <a:effectLst/>
+                <a:latin typeface="Lexend Light"/>
               </a:rPr>
               <a:t>The server now has to “bind” the socket </a:t>
             </a:r>
@@ -13782,6 +14570,7 @@
                   <a:srgbClr val="000000"/>
                 </a:solidFill>
                 <a:effectLst/>
+                <a:latin typeface="Lexend Light"/>
               </a:rPr>
               <a:t>socket.bind</a:t>
             </a:r>
@@ -13791,6 +14580,7 @@
                   <a:srgbClr val="000000"/>
                 </a:solidFill>
                 <a:effectLst/>
+                <a:latin typeface="Lexend Light"/>
               </a:rPr>
               <a:t>(address) - bind the socket to address, so that clients can connect to it </a:t>
             </a:r>
@@ -13806,6 +14596,7 @@
                   <a:srgbClr val="000000"/>
                 </a:solidFill>
                 <a:effectLst/>
+                <a:latin typeface="Lexend Light"/>
               </a:rPr>
               <a:t>The socket must not already be bound. </a:t>
             </a:r>
@@ -13821,6 +14612,7 @@
                   <a:srgbClr val="000000"/>
                 </a:solidFill>
                 <a:effectLst/>
+                <a:latin typeface="Lexend Light"/>
               </a:rPr>
               <a:t>The format of address depends on the address family: </a:t>
             </a:r>
@@ -13833,6 +14625,7 @@
                   <a:srgbClr val="000000"/>
                 </a:solidFill>
                 <a:effectLst/>
+                <a:latin typeface="Lexend Light"/>
               </a:rPr>
               <a:t>— In INET and INET6 address family, the address should be a tuple of </a:t>
             </a:r>
@@ -13842,6 +14635,7 @@
                   <a:srgbClr val="000000"/>
                 </a:solidFill>
                 <a:effectLst/>
+                <a:latin typeface="Lexend Light"/>
               </a:rPr>
               <a:t>ip</a:t>
             </a:r>
@@ -13851,6 +14645,7 @@
                   <a:srgbClr val="000000"/>
                 </a:solidFill>
                 <a:effectLst/>
+                <a:latin typeface="Lexend Light"/>
               </a:rPr>
               <a:t> and port </a:t>
             </a:r>
@@ -13863,6 +14658,7 @@
                   <a:srgbClr val="000000"/>
                 </a:solidFill>
                 <a:effectLst/>
+                <a:latin typeface="Lexend Light"/>
               </a:rPr>
               <a:t>— In UNIX address family, the address should be a file system path </a:t>
             </a:r>
@@ -13876,6 +14672,7 @@
               <a:solidFill>
                 <a:srgbClr val="000000"/>
               </a:solidFill>
+              <a:latin typeface="Lexend Light"/>
             </a:endParaRPr>
           </a:p>
           <a:p>
@@ -13889,6 +14686,7 @@
                   <a:srgbClr val="000000"/>
                 </a:solidFill>
                 <a:effectLst/>
+                <a:latin typeface="Lexend Light"/>
               </a:rPr>
               <a:t>For Example: </a:t>
             </a:r>
@@ -13901,6 +14699,7 @@
                   <a:srgbClr val="000000"/>
                 </a:solidFill>
                 <a:effectLst/>
+                <a:latin typeface="Lexend Light"/>
               </a:rPr>
               <a:t>— </a:t>
             </a:r>
@@ -13910,6 +14709,7 @@
                   <a:srgbClr val="000000"/>
                 </a:solidFill>
                 <a:effectLst/>
+                <a:latin typeface="Lexend Light"/>
               </a:rPr>
               <a:t>s.bind</a:t>
             </a:r>
@@ -13919,6 +14719,7 @@
                   <a:srgbClr val="000000"/>
                 </a:solidFill>
                 <a:effectLst/>
+                <a:latin typeface="Lexend Light"/>
               </a:rPr>
               <a:t>((</a:t>
             </a:r>
@@ -13928,6 +14729,7 @@
                   <a:srgbClr val="000000"/>
                 </a:solidFill>
                 <a:effectLst/>
+                <a:latin typeface="Lexend Light"/>
               </a:rPr>
               <a:t>socket.gethostname</a:t>
             </a:r>
@@ -13937,6 +14739,7 @@
                   <a:srgbClr val="000000"/>
                 </a:solidFill>
                 <a:effectLst/>
+                <a:latin typeface="Lexend Light"/>
               </a:rPr>
               <a:t>(), 8765)) </a:t>
             </a:r>
@@ -13949,6 +14752,7 @@
                   <a:srgbClr val="000000"/>
                 </a:solidFill>
                 <a:effectLst/>
+                <a:latin typeface="Lexend Light"/>
               </a:rPr>
               <a:t>— </a:t>
             </a:r>
@@ -13958,6 +14762,7 @@
                   <a:srgbClr val="000000"/>
                 </a:solidFill>
                 <a:effectLst/>
+                <a:latin typeface="Lexend Light"/>
               </a:rPr>
               <a:t>s.bind</a:t>
             </a:r>
@@ -13967,10 +14772,12 @@
                   <a:srgbClr val="000000"/>
                 </a:solidFill>
                 <a:effectLst/>
+                <a:latin typeface="Lexend Light"/>
               </a:rPr>
               <a:t>((‘localhost', 8765))</a:t>
             </a:r>
             <a:endParaRPr lang="en-GB" sz="2400" dirty="0">
+              <a:latin typeface="Lexend Light"/>
               <a:cs typeface="Calibri" panose="020F0502020204030204" pitchFamily="34" charset="0"/>
             </a:endParaRPr>
           </a:p>
@@ -13992,6 +14799,20 @@
 <file path=ppt/slides/slide9.xml><?xml version="1.0" encoding="utf-8"?>
 <p:sld xmlns:a="http://schemas.openxmlformats.org/drawingml/2006/main" xmlns:r="http://schemas.openxmlformats.org/officeDocument/2006/relationships" xmlns:p="http://schemas.openxmlformats.org/presentationml/2006/main">
   <p:cSld>
+    <p:bg>
+      <p:bgPr>
+        <a:blipFill dpi="0" rotWithShape="1">
+          <a:blip r:embed="rId3">
+            <a:lum/>
+          </a:blip>
+          <a:srcRect/>
+          <a:stretch>
+            <a:fillRect/>
+          </a:stretch>
+        </a:blipFill>
+        <a:effectLst/>
+      </p:bgPr>
+    </p:bg>
     <p:spTree>
       <p:nvGrpSpPr>
         <p:cNvPr id="1" name=""/>
@@ -14024,17 +14845,20 @@
           <a:lstStyle/>
           <a:p>
             <a:r>
-              <a:rPr lang="en-US" b="0" i="0" dirty="0">
-                <a:solidFill>
-                  <a:srgbClr val="000000"/>
-                </a:solidFill>
-                <a:effectLst/>
-                <a:latin typeface="+mn-lt"/>
+              <a:rPr lang="en-US" b="1" i="0" dirty="0">
+                <a:solidFill>
+                  <a:srgbClr val="0071F6"/>
+                </a:solidFill>
+                <a:effectLst/>
+                <a:latin typeface="Lexend" panose="020B0604020202020204"/>
               </a:rPr>
               <a:t>Binding Internet Socket</a:t>
             </a:r>
-            <a:endParaRPr lang="en-US" dirty="0">
-              <a:latin typeface="+mn-lt"/>
+            <a:endParaRPr lang="en-US" b="1" dirty="0">
+              <a:solidFill>
+                <a:srgbClr val="0071F6"/>
+              </a:solidFill>
+              <a:latin typeface="Lexend" panose="020B0604020202020204"/>
               <a:cs typeface="Calibri" panose="020F0502020204030204" pitchFamily="34" charset="0"/>
             </a:endParaRPr>
           </a:p>
@@ -14083,6 +14907,7 @@
             </a:r>
           </a:p>
           <a:p>
+            <a:pPr lvl="1"/>
             <a:r>
               <a:rPr lang="en-US" sz="2400" b="0" i="0" dirty="0">
                 <a:solidFill>
@@ -14112,6 +14937,7 @@
             </a:r>
           </a:p>
           <a:p>
+            <a:pPr lvl="1"/>
             <a:r>
               <a:rPr lang="en-US" sz="2400" b="0" i="0" dirty="0">
                 <a:solidFill>
@@ -14123,6 +14949,7 @@
             </a:r>
           </a:p>
           <a:p>
+            <a:pPr lvl="1"/>
             <a:r>
               <a:rPr lang="en-US" sz="2400" b="0" i="0" dirty="0">
                 <a:solidFill>
@@ -14178,10 +15005,7 @@
             </a:r>
           </a:p>
           <a:p>
-            <a:pPr marL="800100" lvl="1" indent="-342900">
-              <a:buFont typeface="Arial" panose="020B0604020202020204" pitchFamily="34" charset="0"/>
-              <a:buChar char="•"/>
-            </a:pPr>
+            <a:pPr lvl="1"/>
             <a:r>
               <a:rPr lang="en-US" sz="2400" b="0" i="0" dirty="0">
                 <a:solidFill>
@@ -14189,7 +15013,24 @@
                 </a:solidFill>
                 <a:effectLst/>
               </a:rPr>
-              <a:t> low number ports are usually reserved for "well known” services (HTTP, ftp, telnet, </a:t>
+              <a:t>—</a:t>
+            </a:r>
+            <a:r>
+              <a:rPr lang="en-US" sz="2400" dirty="0">
+                <a:solidFill>
+                  <a:srgbClr val="000000"/>
+                </a:solidFill>
+              </a:rPr>
+              <a:t> </a:t>
+            </a:r>
+            <a:r>
+              <a:rPr lang="en-US" sz="2400" b="0" i="0" dirty="0">
+                <a:solidFill>
+                  <a:srgbClr val="000000"/>
+                </a:solidFill>
+                <a:effectLst/>
+              </a:rPr>
+              <a:t>low number ports are usually reserved for "well known” services (HTTP, ftp, telnet, </a:t>
             </a:r>
             <a:r>
               <a:rPr lang="en-US" sz="2400" b="0" i="0" dirty="0" err="1">
@@ -14211,10 +15052,7 @@
             </a:r>
           </a:p>
           <a:p>
-            <a:pPr marL="800100" lvl="1" indent="-342900">
-              <a:buFont typeface="Arial" panose="020B0604020202020204" pitchFamily="34" charset="0"/>
-              <a:buChar char="•"/>
-            </a:pPr>
+            <a:pPr lvl="1"/>
             <a:r>
               <a:rPr lang="en-US" sz="2400" b="0" i="0" dirty="0">
                 <a:solidFill>
@@ -14222,7 +15060,7 @@
                 </a:solidFill>
                 <a:effectLst/>
               </a:rPr>
-              <a:t>The non-privileged ports value should be at least 4 digits number</a:t>
+              <a:t>— The non-privileged ports value should be at least 4 digits number</a:t>
             </a:r>
             <a:endParaRPr lang="en-GB" sz="2400" dirty="0">
               <a:cs typeface="Calibri" panose="020F0502020204030204" pitchFamily="34" charset="0"/>
